--- a/document/验证码绕过技术原理.pptx
+++ b/document/验证码绕过技术原理.pptx
@@ -5,7 +5,7 @@
     <p:sldMasterId id="2147483648" r:id="rId1"/>
   </p:sldMasterIdLst>
   <p:notesMasterIdLst>
-    <p:notesMasterId r:id="rId16"/>
+    <p:notesMasterId r:id="rId17"/>
   </p:notesMasterIdLst>
   <p:sldIdLst>
     <p:sldId id="256" r:id="rId2"/>
@@ -22,6 +22,7 @@
     <p:sldId id="269" r:id="rId13"/>
     <p:sldId id="270" r:id="rId14"/>
     <p:sldId id="271" r:id="rId15"/>
+    <p:sldId id="272" r:id="rId16"/>
   </p:sldIdLst>
   <p:sldSz cx="12192000" cy="6858000"/>
   <p:notesSz cx="6858000" cy="9144000"/>
@@ -173,11 +174,14 @@
           <a:bodyPr vert="horz" lIns="91440" tIns="45720" rIns="91440" bIns="45720" rtlCol="0"/>
           <a:lstStyle>
             <a:lvl1pPr algn="l">
-              <a:defRPr sz="1200"/>
+              <a:defRPr sz="1200">
+                <a:latin typeface="微软雅黑" panose="020B0503020204020204" pitchFamily="34" charset="-122"/>
+                <a:ea typeface="微软雅黑" panose="020B0503020204020204" pitchFamily="34" charset="-122"/>
+              </a:defRPr>
             </a:lvl1pPr>
           </a:lstStyle>
           <a:p>
-            <a:endParaRPr lang="zh-CN" altLang="en-US"/>
+            <a:endParaRPr lang="zh-CN" altLang="en-US" dirty="0"/>
           </a:p>
         </p:txBody>
       </p:sp>
@@ -204,15 +208,19 @@
           <a:bodyPr vert="horz" lIns="91440" tIns="45720" rIns="91440" bIns="45720" rtlCol="0"/>
           <a:lstStyle>
             <a:lvl1pPr algn="r">
-              <a:defRPr sz="1200"/>
+              <a:defRPr sz="1200">
+                <a:latin typeface="微软雅黑" panose="020B0503020204020204" pitchFamily="34" charset="-122"/>
+                <a:ea typeface="微软雅黑" panose="020B0503020204020204" pitchFamily="34" charset="-122"/>
+              </a:defRPr>
             </a:lvl1pPr>
           </a:lstStyle>
           <a:p>
             <a:fld id="{09D81DE8-7207-4581-AB8B-7738866EC4F0}" type="datetimeFigureOut">
               <a:rPr lang="zh-CN" altLang="en-US" smtClean="0"/>
+              <a:pPr/>
               <a:t>2019/10/28</a:t>
             </a:fld>
-            <a:endParaRPr lang="zh-CN" altLang="en-US"/>
+            <a:endParaRPr lang="zh-CN" altLang="en-US" dirty="0"/>
           </a:p>
         </p:txBody>
       </p:sp>
@@ -245,7 +253,7 @@
           <a:bodyPr vert="horz" lIns="91440" tIns="45720" rIns="91440" bIns="45720" rtlCol="0" anchor="ctr"/>
           <a:lstStyle/>
           <a:p>
-            <a:endParaRPr lang="zh-CN" altLang="en-US"/>
+            <a:endParaRPr lang="zh-CN" altLang="en-US" dirty="0"/>
           </a:p>
         </p:txBody>
       </p:sp>
@@ -274,35 +282,35 @@
           <a:p>
             <a:pPr lvl="0"/>
             <a:r>
-              <a:rPr lang="zh-CN" altLang="en-US"/>
+              <a:rPr lang="zh-CN" altLang="en-US" dirty="0"/>
               <a:t>单击此处编辑母版文本样式</a:t>
             </a:r>
           </a:p>
           <a:p>
             <a:pPr lvl="1"/>
             <a:r>
-              <a:rPr lang="zh-CN" altLang="en-US"/>
+              <a:rPr lang="zh-CN" altLang="en-US" dirty="0"/>
               <a:t>二级</a:t>
             </a:r>
           </a:p>
           <a:p>
             <a:pPr lvl="2"/>
             <a:r>
-              <a:rPr lang="zh-CN" altLang="en-US"/>
+              <a:rPr lang="zh-CN" altLang="en-US" dirty="0"/>
               <a:t>三级</a:t>
             </a:r>
           </a:p>
           <a:p>
             <a:pPr lvl="3"/>
             <a:r>
-              <a:rPr lang="zh-CN" altLang="en-US"/>
+              <a:rPr lang="zh-CN" altLang="en-US" dirty="0"/>
               <a:t>四级</a:t>
             </a:r>
           </a:p>
           <a:p>
             <a:pPr lvl="4"/>
             <a:r>
-              <a:rPr lang="zh-CN" altLang="en-US"/>
+              <a:rPr lang="zh-CN" altLang="en-US" dirty="0"/>
               <a:t>五级</a:t>
             </a:r>
           </a:p>
@@ -331,11 +339,14 @@
           <a:bodyPr vert="horz" lIns="91440" tIns="45720" rIns="91440" bIns="45720" rtlCol="0" anchor="b"/>
           <a:lstStyle>
             <a:lvl1pPr algn="l">
-              <a:defRPr sz="1200"/>
+              <a:defRPr sz="1200">
+                <a:latin typeface="微软雅黑" panose="020B0503020204020204" pitchFamily="34" charset="-122"/>
+                <a:ea typeface="微软雅黑" panose="020B0503020204020204" pitchFamily="34" charset="-122"/>
+              </a:defRPr>
             </a:lvl1pPr>
           </a:lstStyle>
           <a:p>
-            <a:endParaRPr lang="zh-CN" altLang="en-US"/>
+            <a:endParaRPr lang="zh-CN" altLang="en-US" dirty="0"/>
           </a:p>
         </p:txBody>
       </p:sp>
@@ -362,15 +373,19 @@
           <a:bodyPr vert="horz" lIns="91440" tIns="45720" rIns="91440" bIns="45720" rtlCol="0" anchor="b"/>
           <a:lstStyle>
             <a:lvl1pPr algn="r">
-              <a:defRPr sz="1200"/>
+              <a:defRPr sz="1200">
+                <a:latin typeface="微软雅黑" panose="020B0503020204020204" pitchFamily="34" charset="-122"/>
+                <a:ea typeface="微软雅黑" panose="020B0503020204020204" pitchFamily="34" charset="-122"/>
+              </a:defRPr>
             </a:lvl1pPr>
           </a:lstStyle>
           <a:p>
             <a:fld id="{858E46D1-FAEA-44CA-BAD9-8D8FD613D279}" type="slidenum">
               <a:rPr lang="zh-CN" altLang="en-US" smtClean="0"/>
+              <a:pPr/>
               <a:t>‹#›</a:t>
             </a:fld>
-            <a:endParaRPr lang="zh-CN" altLang="en-US"/>
+            <a:endParaRPr lang="zh-CN" altLang="en-US" dirty="0"/>
           </a:p>
         </p:txBody>
       </p:sp>
@@ -388,8 +403,8 @@
         <a:solidFill>
           <a:schemeClr val="tx1"/>
         </a:solidFill>
-        <a:latin typeface="+mn-lt"/>
-        <a:ea typeface="+mn-ea"/>
+        <a:latin typeface="微软雅黑" panose="020B0503020204020204" pitchFamily="34" charset="-122"/>
+        <a:ea typeface="微软雅黑" panose="020B0503020204020204" pitchFamily="34" charset="-122"/>
         <a:cs typeface="+mn-cs"/>
       </a:defRPr>
     </a:lvl1pPr>
@@ -398,8 +413,8 @@
         <a:solidFill>
           <a:schemeClr val="tx1"/>
         </a:solidFill>
-        <a:latin typeface="+mn-lt"/>
-        <a:ea typeface="+mn-ea"/>
+        <a:latin typeface="微软雅黑" panose="020B0503020204020204" pitchFamily="34" charset="-122"/>
+        <a:ea typeface="微软雅黑" panose="020B0503020204020204" pitchFamily="34" charset="-122"/>
         <a:cs typeface="+mn-cs"/>
       </a:defRPr>
     </a:lvl2pPr>
@@ -408,8 +423,8 @@
         <a:solidFill>
           <a:schemeClr val="tx1"/>
         </a:solidFill>
-        <a:latin typeface="+mn-lt"/>
-        <a:ea typeface="+mn-ea"/>
+        <a:latin typeface="微软雅黑" panose="020B0503020204020204" pitchFamily="34" charset="-122"/>
+        <a:ea typeface="微软雅黑" panose="020B0503020204020204" pitchFamily="34" charset="-122"/>
         <a:cs typeface="+mn-cs"/>
       </a:defRPr>
     </a:lvl3pPr>
@@ -418,8 +433,8 @@
         <a:solidFill>
           <a:schemeClr val="tx1"/>
         </a:solidFill>
-        <a:latin typeface="+mn-lt"/>
-        <a:ea typeface="+mn-ea"/>
+        <a:latin typeface="微软雅黑" panose="020B0503020204020204" pitchFamily="34" charset="-122"/>
+        <a:ea typeface="微软雅黑" panose="020B0503020204020204" pitchFamily="34" charset="-122"/>
         <a:cs typeface="+mn-cs"/>
       </a:defRPr>
     </a:lvl4pPr>
@@ -428,8 +443,8 @@
         <a:solidFill>
           <a:schemeClr val="tx1"/>
         </a:solidFill>
-        <a:latin typeface="+mn-lt"/>
-        <a:ea typeface="+mn-ea"/>
+        <a:latin typeface="微软雅黑" panose="020B0503020204020204" pitchFamily="34" charset="-122"/>
+        <a:ea typeface="微软雅黑" panose="020B0503020204020204" pitchFamily="34" charset="-122"/>
         <a:cs typeface="+mn-cs"/>
       </a:defRPr>
     </a:lvl5pPr>
@@ -755,6 +770,96 @@
 </p:notes>
 </file>
 
+<file path=ppt/notesSlides/notesSlide12.xml><?xml version="1.0" encoding="utf-8"?>
+<p:notes xmlns:a="http://schemas.openxmlformats.org/drawingml/2006/main" xmlns:r="http://schemas.openxmlformats.org/officeDocument/2006/relationships" xmlns:p="http://schemas.openxmlformats.org/presentationml/2006/main">
+  <p:cSld>
+    <p:spTree>
+      <p:nvGrpSpPr>
+        <p:cNvPr id="1" name=""/>
+        <p:cNvGrpSpPr/>
+        <p:nvPr/>
+      </p:nvGrpSpPr>
+      <p:grpSpPr>
+        <a:xfrm>
+          <a:off x="0" y="0"/>
+          <a:ext cx="0" cy="0"/>
+          <a:chOff x="0" y="0"/>
+          <a:chExt cx="0" cy="0"/>
+        </a:xfrm>
+      </p:grpSpPr>
+      <p:sp>
+        <p:nvSpPr>
+          <p:cNvPr id="2" name="幻灯片图像占位符 1"/>
+          <p:cNvSpPr>
+            <a:spLocks noGrp="1" noRot="1" noChangeAspect="1"/>
+          </p:cNvSpPr>
+          <p:nvPr>
+            <p:ph type="sldImg"/>
+          </p:nvPr>
+        </p:nvSpPr>
+        <p:spPr/>
+      </p:sp>
+      <p:sp>
+        <p:nvSpPr>
+          <p:cNvPr id="3" name="备注占位符 2"/>
+          <p:cNvSpPr>
+            <a:spLocks noGrp="1"/>
+          </p:cNvSpPr>
+          <p:nvPr>
+            <p:ph type="body" idx="1"/>
+          </p:nvPr>
+        </p:nvSpPr>
+        <p:spPr/>
+        <p:txBody>
+          <a:bodyPr/>
+          <a:lstStyle/>
+          <a:p>
+            <a:r>
+              <a:rPr lang="en-US" altLang="zh-CN" dirty="0">
+                <a:hlinkClick r:id="rId3"/>
+              </a:rPr>
+              <a:t>https://blog.csdn.net/weixin_30664539/article/details/98060849</a:t>
+            </a:r>
+            <a:endParaRPr lang="zh-CN" altLang="en-US" dirty="0"/>
+          </a:p>
+        </p:txBody>
+      </p:sp>
+      <p:sp>
+        <p:nvSpPr>
+          <p:cNvPr id="4" name="灯片编号占位符 3"/>
+          <p:cNvSpPr>
+            <a:spLocks noGrp="1"/>
+          </p:cNvSpPr>
+          <p:nvPr>
+            <p:ph type="sldNum" sz="quarter" idx="5"/>
+          </p:nvPr>
+        </p:nvSpPr>
+        <p:spPr/>
+        <p:txBody>
+          <a:bodyPr/>
+          <a:lstStyle/>
+          <a:p>
+            <a:fld id="{858E46D1-FAEA-44CA-BAD9-8D8FD613D279}" type="slidenum">
+              <a:rPr lang="zh-CN" altLang="en-US" smtClean="0"/>
+              <a:t>15</a:t>
+            </a:fld>
+            <a:endParaRPr lang="zh-CN" altLang="en-US"/>
+          </a:p>
+        </p:txBody>
+      </p:sp>
+    </p:spTree>
+    <p:extLst>
+      <p:ext uri="{BB962C8B-B14F-4D97-AF65-F5344CB8AC3E}">
+        <p14:creationId xmlns:p14="http://schemas.microsoft.com/office/powerpoint/2010/main" val="3434476079"/>
+      </p:ext>
+    </p:extLst>
+  </p:cSld>
+  <p:clrMapOvr>
+    <a:masterClrMapping/>
+  </p:clrMapOvr>
+</p:notes>
+</file>
+
 <file path=ppt/notesSlides/notesSlide2.xml><?xml version="1.0" encoding="utf-8"?>
 <p:notes xmlns:a="http://schemas.openxmlformats.org/drawingml/2006/main" xmlns:r="http://schemas.openxmlformats.org/officeDocument/2006/relationships" xmlns:p="http://schemas.openxmlformats.org/presentationml/2006/main">
   <p:cSld>
@@ -1085,8 +1190,6 @@
                   <a:schemeClr val="tx1"/>
                 </a:solidFill>
                 <a:effectLst/>
-                <a:latin typeface="+mn-lt"/>
-                <a:ea typeface="+mn-ea"/>
                 <a:cs typeface="+mn-cs"/>
               </a:rPr>
               <a:t>对用户方来说，用户访问起始页面，识别返回页面中的验证码，在输入验证码和其他信息后提交表单，在服务器处理后可查看到当前操作是否成功。</a:t>
@@ -1096,8 +1199,6 @@
                 <a:schemeClr val="tx1"/>
               </a:solidFill>
               <a:effectLst/>
-              <a:latin typeface="+mn-lt"/>
-              <a:ea typeface="+mn-ea"/>
               <a:cs typeface="+mn-cs"/>
             </a:endParaRPr>
           </a:p>
@@ -1190,8 +1291,6 @@
                   <a:schemeClr val="tx1"/>
                 </a:solidFill>
                 <a:effectLst/>
-                <a:latin typeface="+mn-lt"/>
-                <a:ea typeface="+mn-ea"/>
                 <a:cs typeface="+mn-cs"/>
               </a:rPr>
               <a:t>服务器在接收到用户对初始页面的请求后，会自动创建一个新的会话，同时生成验证码来关联这个会话，并且生成用户可见到的验证码图片，最后这些页面返回到用户的浏览器上，用户此时可看到完整的页面；</a:t>
@@ -1201,8 +1300,6 @@
                 <a:schemeClr val="tx1"/>
               </a:solidFill>
               <a:effectLst/>
-              <a:latin typeface="+mn-lt"/>
-              <a:ea typeface="+mn-ea"/>
               <a:cs typeface="+mn-cs"/>
             </a:endParaRPr>
           </a:p>
@@ -1214,8 +1311,6 @@
                   <a:schemeClr val="tx1"/>
                 </a:solidFill>
                 <a:effectLst/>
-                <a:latin typeface="+mn-lt"/>
-                <a:ea typeface="+mn-ea"/>
                 <a:cs typeface="+mn-cs"/>
               </a:rPr>
               <a:t>在接到用户提交的表单请求时，服务器会比较用户提交的验证码值并与之前存储在此会话下的验证码值做比较，如果一致判断验证码是正确，否则认为提交的验证码是错误的，可能是客户端是计算机或者用户识别错误。</a:t>
@@ -1225,8 +1320,6 @@
                 <a:schemeClr val="tx1"/>
               </a:solidFill>
               <a:effectLst/>
-              <a:latin typeface="+mn-lt"/>
-              <a:ea typeface="+mn-ea"/>
               <a:cs typeface="+mn-cs"/>
             </a:endParaRPr>
           </a:p>
@@ -1238,8 +1331,6 @@
                   <a:schemeClr val="tx1"/>
                 </a:solidFill>
                 <a:effectLst/>
-                <a:latin typeface="+mn-lt"/>
-                <a:ea typeface="+mn-ea"/>
                 <a:cs typeface="+mn-cs"/>
               </a:rPr>
               <a:t>服务器端进行这些处理后将处理结果反馈给用户。如果提交的验证码是正确的，则按照预定流程进行下一步骤，否则回到需要用户输入的那个界面上。</a:t>
@@ -1333,8 +1424,6 @@
                 <a:schemeClr val="tx1"/>
               </a:solidFill>
               <a:effectLst/>
-              <a:latin typeface="+mn-lt"/>
-              <a:ea typeface="+mn-ea"/>
               <a:cs typeface="+mn-cs"/>
             </a:endParaRPr>
           </a:p>
@@ -1586,7 +1675,7 @@
           <p:cNvPr id="2" name="标题 1">
             <a:extLst>
               <a:ext uri="{FF2B5EF4-FFF2-40B4-BE49-F238E27FC236}">
-                <a16:creationId xmlns:a16="http://schemas.microsoft.com/office/drawing/2014/main" xmlns="" id="{3429C121-DDD2-41E0-A658-E518385218B0}"/>
+                <a16:creationId xmlns="" xmlns:a16="http://schemas.microsoft.com/office/drawing/2014/main" id="{3429C121-DDD2-41E0-A658-E518385218B0}"/>
               </a:ext>
             </a:extLst>
           </p:cNvPr>
@@ -1623,7 +1712,7 @@
           <p:cNvPr id="3" name="副标题 2">
             <a:extLst>
               <a:ext uri="{FF2B5EF4-FFF2-40B4-BE49-F238E27FC236}">
-                <a16:creationId xmlns:a16="http://schemas.microsoft.com/office/drawing/2014/main" xmlns="" id="{8E6CABAD-E635-416A-A11E-005D6EDD6BF2}"/>
+                <a16:creationId xmlns="" xmlns:a16="http://schemas.microsoft.com/office/drawing/2014/main" id="{8E6CABAD-E635-416A-A11E-005D6EDD6BF2}"/>
               </a:ext>
             </a:extLst>
           </p:cNvPr>
@@ -1693,7 +1782,7 @@
           <p:cNvPr id="4" name="日期占位符 3">
             <a:extLst>
               <a:ext uri="{FF2B5EF4-FFF2-40B4-BE49-F238E27FC236}">
-                <a16:creationId xmlns:a16="http://schemas.microsoft.com/office/drawing/2014/main" xmlns="" id="{3A18643A-303E-4ADE-8E29-03A6C5012B43}"/>
+                <a16:creationId xmlns="" xmlns:a16="http://schemas.microsoft.com/office/drawing/2014/main" id="{3A18643A-303E-4ADE-8E29-03A6C5012B43}"/>
               </a:ext>
             </a:extLst>
           </p:cNvPr>
@@ -1722,7 +1811,7 @@
           <p:cNvPr id="5" name="页脚占位符 4">
             <a:extLst>
               <a:ext uri="{FF2B5EF4-FFF2-40B4-BE49-F238E27FC236}">
-                <a16:creationId xmlns:a16="http://schemas.microsoft.com/office/drawing/2014/main" xmlns="" id="{6C11BE47-5B78-40FB-A04D-E0C61FEB4755}"/>
+                <a16:creationId xmlns="" xmlns:a16="http://schemas.microsoft.com/office/drawing/2014/main" id="{6C11BE47-5B78-40FB-A04D-E0C61FEB4755}"/>
               </a:ext>
             </a:extLst>
           </p:cNvPr>
@@ -1747,7 +1836,7 @@
           <p:cNvPr id="6" name="灯片编号占位符 5">
             <a:extLst>
               <a:ext uri="{FF2B5EF4-FFF2-40B4-BE49-F238E27FC236}">
-                <a16:creationId xmlns:a16="http://schemas.microsoft.com/office/drawing/2014/main" xmlns="" id="{3A09679A-AF90-41BD-ABE6-8FE9B1848556}"/>
+                <a16:creationId xmlns="" xmlns:a16="http://schemas.microsoft.com/office/drawing/2014/main" id="{3A09679A-AF90-41BD-ABE6-8FE9B1848556}"/>
               </a:ext>
             </a:extLst>
           </p:cNvPr>
@@ -1806,7 +1895,7 @@
           <p:cNvPr id="2" name="标题 1">
             <a:extLst>
               <a:ext uri="{FF2B5EF4-FFF2-40B4-BE49-F238E27FC236}">
-                <a16:creationId xmlns:a16="http://schemas.microsoft.com/office/drawing/2014/main" xmlns="" id="{116E4BE9-B63B-43EA-B26A-B9303204B46E}"/>
+                <a16:creationId xmlns="" xmlns:a16="http://schemas.microsoft.com/office/drawing/2014/main" id="{116E4BE9-B63B-43EA-B26A-B9303204B46E}"/>
               </a:ext>
             </a:extLst>
           </p:cNvPr>
@@ -1834,7 +1923,7 @@
           <p:cNvPr id="3" name="竖排文字占位符 2">
             <a:extLst>
               <a:ext uri="{FF2B5EF4-FFF2-40B4-BE49-F238E27FC236}">
-                <a16:creationId xmlns:a16="http://schemas.microsoft.com/office/drawing/2014/main" xmlns="" id="{E97D0AF3-6ED9-4210-9538-F0A36B8BA144}"/>
+                <a16:creationId xmlns="" xmlns:a16="http://schemas.microsoft.com/office/drawing/2014/main" id="{E97D0AF3-6ED9-4210-9538-F0A36B8BA144}"/>
               </a:ext>
             </a:extLst>
           </p:cNvPr>
@@ -1891,7 +1980,7 @@
           <p:cNvPr id="4" name="日期占位符 3">
             <a:extLst>
               <a:ext uri="{FF2B5EF4-FFF2-40B4-BE49-F238E27FC236}">
-                <a16:creationId xmlns:a16="http://schemas.microsoft.com/office/drawing/2014/main" xmlns="" id="{D2F63FD3-11D7-4F1D-898A-502FD6FDA8B9}"/>
+                <a16:creationId xmlns="" xmlns:a16="http://schemas.microsoft.com/office/drawing/2014/main" id="{D2F63FD3-11D7-4F1D-898A-502FD6FDA8B9}"/>
               </a:ext>
             </a:extLst>
           </p:cNvPr>
@@ -1920,7 +2009,7 @@
           <p:cNvPr id="5" name="页脚占位符 4">
             <a:extLst>
               <a:ext uri="{FF2B5EF4-FFF2-40B4-BE49-F238E27FC236}">
-                <a16:creationId xmlns:a16="http://schemas.microsoft.com/office/drawing/2014/main" xmlns="" id="{7FFD53D0-9E35-4B71-8DE1-6AD83164D4AF}"/>
+                <a16:creationId xmlns="" xmlns:a16="http://schemas.microsoft.com/office/drawing/2014/main" id="{7FFD53D0-9E35-4B71-8DE1-6AD83164D4AF}"/>
               </a:ext>
             </a:extLst>
           </p:cNvPr>
@@ -1945,7 +2034,7 @@
           <p:cNvPr id="6" name="灯片编号占位符 5">
             <a:extLst>
               <a:ext uri="{FF2B5EF4-FFF2-40B4-BE49-F238E27FC236}">
-                <a16:creationId xmlns:a16="http://schemas.microsoft.com/office/drawing/2014/main" xmlns="" id="{3DD01860-908D-480D-9E16-57CB5D81E724}"/>
+                <a16:creationId xmlns="" xmlns:a16="http://schemas.microsoft.com/office/drawing/2014/main" id="{3DD01860-908D-480D-9E16-57CB5D81E724}"/>
               </a:ext>
             </a:extLst>
           </p:cNvPr>
@@ -2004,7 +2093,7 @@
           <p:cNvPr id="2" name="竖排标题 1">
             <a:extLst>
               <a:ext uri="{FF2B5EF4-FFF2-40B4-BE49-F238E27FC236}">
-                <a16:creationId xmlns:a16="http://schemas.microsoft.com/office/drawing/2014/main" xmlns="" id="{76AB9942-BC0B-49FC-BF8D-F31E5317632D}"/>
+                <a16:creationId xmlns="" xmlns:a16="http://schemas.microsoft.com/office/drawing/2014/main" id="{76AB9942-BC0B-49FC-BF8D-F31E5317632D}"/>
               </a:ext>
             </a:extLst>
           </p:cNvPr>
@@ -2037,7 +2126,7 @@
           <p:cNvPr id="3" name="竖排文字占位符 2">
             <a:extLst>
               <a:ext uri="{FF2B5EF4-FFF2-40B4-BE49-F238E27FC236}">
-                <a16:creationId xmlns:a16="http://schemas.microsoft.com/office/drawing/2014/main" xmlns="" id="{2D2DD732-DB05-4CF9-A114-44C90DC7C415}"/>
+                <a16:creationId xmlns="" xmlns:a16="http://schemas.microsoft.com/office/drawing/2014/main" id="{2D2DD732-DB05-4CF9-A114-44C90DC7C415}"/>
               </a:ext>
             </a:extLst>
           </p:cNvPr>
@@ -2099,7 +2188,7 @@
           <p:cNvPr id="4" name="日期占位符 3">
             <a:extLst>
               <a:ext uri="{FF2B5EF4-FFF2-40B4-BE49-F238E27FC236}">
-                <a16:creationId xmlns:a16="http://schemas.microsoft.com/office/drawing/2014/main" xmlns="" id="{1BEBAECB-1488-4432-9C49-431E403B84CB}"/>
+                <a16:creationId xmlns="" xmlns:a16="http://schemas.microsoft.com/office/drawing/2014/main" id="{1BEBAECB-1488-4432-9C49-431E403B84CB}"/>
               </a:ext>
             </a:extLst>
           </p:cNvPr>
@@ -2128,7 +2217,7 @@
           <p:cNvPr id="5" name="页脚占位符 4">
             <a:extLst>
               <a:ext uri="{FF2B5EF4-FFF2-40B4-BE49-F238E27FC236}">
-                <a16:creationId xmlns:a16="http://schemas.microsoft.com/office/drawing/2014/main" xmlns="" id="{0FED2E04-A6D5-49DF-B4B8-42BE89468866}"/>
+                <a16:creationId xmlns="" xmlns:a16="http://schemas.microsoft.com/office/drawing/2014/main" id="{0FED2E04-A6D5-49DF-B4B8-42BE89468866}"/>
               </a:ext>
             </a:extLst>
           </p:cNvPr>
@@ -2153,7 +2242,7 @@
           <p:cNvPr id="6" name="灯片编号占位符 5">
             <a:extLst>
               <a:ext uri="{FF2B5EF4-FFF2-40B4-BE49-F238E27FC236}">
-                <a16:creationId xmlns:a16="http://schemas.microsoft.com/office/drawing/2014/main" xmlns="" id="{1966340F-B878-40E4-BF96-94C5D2513CE7}"/>
+                <a16:creationId xmlns="" xmlns:a16="http://schemas.microsoft.com/office/drawing/2014/main" id="{1966340F-B878-40E4-BF96-94C5D2513CE7}"/>
               </a:ext>
             </a:extLst>
           </p:cNvPr>
@@ -2212,7 +2301,7 @@
           <p:cNvPr id="2" name="标题 1">
             <a:extLst>
               <a:ext uri="{FF2B5EF4-FFF2-40B4-BE49-F238E27FC236}">
-                <a16:creationId xmlns:a16="http://schemas.microsoft.com/office/drawing/2014/main" xmlns="" id="{108690B5-8955-4061-B43D-70E78EDCCEAA}"/>
+                <a16:creationId xmlns="" xmlns:a16="http://schemas.microsoft.com/office/drawing/2014/main" id="{108690B5-8955-4061-B43D-70E78EDCCEAA}"/>
               </a:ext>
             </a:extLst>
           </p:cNvPr>
@@ -2240,7 +2329,7 @@
           <p:cNvPr id="3" name="内容占位符 2">
             <a:extLst>
               <a:ext uri="{FF2B5EF4-FFF2-40B4-BE49-F238E27FC236}">
-                <a16:creationId xmlns:a16="http://schemas.microsoft.com/office/drawing/2014/main" xmlns="" id="{75380387-33AC-42A0-A9E5-C9C654487108}"/>
+                <a16:creationId xmlns="" xmlns:a16="http://schemas.microsoft.com/office/drawing/2014/main" id="{75380387-33AC-42A0-A9E5-C9C654487108}"/>
               </a:ext>
             </a:extLst>
           </p:cNvPr>
@@ -2297,7 +2386,7 @@
           <p:cNvPr id="4" name="日期占位符 3">
             <a:extLst>
               <a:ext uri="{FF2B5EF4-FFF2-40B4-BE49-F238E27FC236}">
-                <a16:creationId xmlns:a16="http://schemas.microsoft.com/office/drawing/2014/main" xmlns="" id="{D6C8054B-0A76-46E4-A521-B93238608BBD}"/>
+                <a16:creationId xmlns="" xmlns:a16="http://schemas.microsoft.com/office/drawing/2014/main" id="{D6C8054B-0A76-46E4-A521-B93238608BBD}"/>
               </a:ext>
             </a:extLst>
           </p:cNvPr>
@@ -2326,7 +2415,7 @@
           <p:cNvPr id="5" name="页脚占位符 4">
             <a:extLst>
               <a:ext uri="{FF2B5EF4-FFF2-40B4-BE49-F238E27FC236}">
-                <a16:creationId xmlns:a16="http://schemas.microsoft.com/office/drawing/2014/main" xmlns="" id="{DD5C01B0-1F8E-496E-80DD-689C17178D34}"/>
+                <a16:creationId xmlns="" xmlns:a16="http://schemas.microsoft.com/office/drawing/2014/main" id="{DD5C01B0-1F8E-496E-80DD-689C17178D34}"/>
               </a:ext>
             </a:extLst>
           </p:cNvPr>
@@ -2351,7 +2440,7 @@
           <p:cNvPr id="6" name="灯片编号占位符 5">
             <a:extLst>
               <a:ext uri="{FF2B5EF4-FFF2-40B4-BE49-F238E27FC236}">
-                <a16:creationId xmlns:a16="http://schemas.microsoft.com/office/drawing/2014/main" xmlns="" id="{45AA0149-BD98-45B2-8903-1357A02A8CDA}"/>
+                <a16:creationId xmlns="" xmlns:a16="http://schemas.microsoft.com/office/drawing/2014/main" id="{45AA0149-BD98-45B2-8903-1357A02A8CDA}"/>
               </a:ext>
             </a:extLst>
           </p:cNvPr>
@@ -2410,7 +2499,7 @@
           <p:cNvPr id="2" name="标题 1">
             <a:extLst>
               <a:ext uri="{FF2B5EF4-FFF2-40B4-BE49-F238E27FC236}">
-                <a16:creationId xmlns:a16="http://schemas.microsoft.com/office/drawing/2014/main" xmlns="" id="{A94CDDB9-1C40-4267-9B7E-8761058BDC98}"/>
+                <a16:creationId xmlns="" xmlns:a16="http://schemas.microsoft.com/office/drawing/2014/main" id="{A94CDDB9-1C40-4267-9B7E-8761058BDC98}"/>
               </a:ext>
             </a:extLst>
           </p:cNvPr>
@@ -2447,7 +2536,7 @@
           <p:cNvPr id="3" name="文本占位符 2">
             <a:extLst>
               <a:ext uri="{FF2B5EF4-FFF2-40B4-BE49-F238E27FC236}">
-                <a16:creationId xmlns:a16="http://schemas.microsoft.com/office/drawing/2014/main" xmlns="" id="{7F2FBBA4-4FD3-4F40-8F2C-D5717614AD34}"/>
+                <a16:creationId xmlns="" xmlns:a16="http://schemas.microsoft.com/office/drawing/2014/main" id="{7F2FBBA4-4FD3-4F40-8F2C-D5717614AD34}"/>
               </a:ext>
             </a:extLst>
           </p:cNvPr>
@@ -2572,7 +2661,7 @@
           <p:cNvPr id="4" name="日期占位符 3">
             <a:extLst>
               <a:ext uri="{FF2B5EF4-FFF2-40B4-BE49-F238E27FC236}">
-                <a16:creationId xmlns:a16="http://schemas.microsoft.com/office/drawing/2014/main" xmlns="" id="{D17DDD06-518C-4684-BE4B-1546B28FB2C8}"/>
+                <a16:creationId xmlns="" xmlns:a16="http://schemas.microsoft.com/office/drawing/2014/main" id="{D17DDD06-518C-4684-BE4B-1546B28FB2C8}"/>
               </a:ext>
             </a:extLst>
           </p:cNvPr>
@@ -2601,7 +2690,7 @@
           <p:cNvPr id="5" name="页脚占位符 4">
             <a:extLst>
               <a:ext uri="{FF2B5EF4-FFF2-40B4-BE49-F238E27FC236}">
-                <a16:creationId xmlns:a16="http://schemas.microsoft.com/office/drawing/2014/main" xmlns="" id="{1FB6678E-895C-4079-B26A-7BDEB4CEC7F3}"/>
+                <a16:creationId xmlns="" xmlns:a16="http://schemas.microsoft.com/office/drawing/2014/main" id="{1FB6678E-895C-4079-B26A-7BDEB4CEC7F3}"/>
               </a:ext>
             </a:extLst>
           </p:cNvPr>
@@ -2626,7 +2715,7 @@
           <p:cNvPr id="6" name="灯片编号占位符 5">
             <a:extLst>
               <a:ext uri="{FF2B5EF4-FFF2-40B4-BE49-F238E27FC236}">
-                <a16:creationId xmlns:a16="http://schemas.microsoft.com/office/drawing/2014/main" xmlns="" id="{2179A80E-5D58-4A50-9938-C5003F738B24}"/>
+                <a16:creationId xmlns="" xmlns:a16="http://schemas.microsoft.com/office/drawing/2014/main" id="{2179A80E-5D58-4A50-9938-C5003F738B24}"/>
               </a:ext>
             </a:extLst>
           </p:cNvPr>
@@ -2685,7 +2774,7 @@
           <p:cNvPr id="2" name="标题 1">
             <a:extLst>
               <a:ext uri="{FF2B5EF4-FFF2-40B4-BE49-F238E27FC236}">
-                <a16:creationId xmlns:a16="http://schemas.microsoft.com/office/drawing/2014/main" xmlns="" id="{B2D9A3D2-DE0A-49B9-A4C1-59AB124B2945}"/>
+                <a16:creationId xmlns="" xmlns:a16="http://schemas.microsoft.com/office/drawing/2014/main" id="{B2D9A3D2-DE0A-49B9-A4C1-59AB124B2945}"/>
               </a:ext>
             </a:extLst>
           </p:cNvPr>
@@ -2713,7 +2802,7 @@
           <p:cNvPr id="3" name="内容占位符 2">
             <a:extLst>
               <a:ext uri="{FF2B5EF4-FFF2-40B4-BE49-F238E27FC236}">
-                <a16:creationId xmlns:a16="http://schemas.microsoft.com/office/drawing/2014/main" xmlns="" id="{4505AC3E-BDA6-4E3E-B943-D3C9207A5086}"/>
+                <a16:creationId xmlns="" xmlns:a16="http://schemas.microsoft.com/office/drawing/2014/main" id="{4505AC3E-BDA6-4E3E-B943-D3C9207A5086}"/>
               </a:ext>
             </a:extLst>
           </p:cNvPr>
@@ -2775,7 +2864,7 @@
           <p:cNvPr id="4" name="内容占位符 3">
             <a:extLst>
               <a:ext uri="{FF2B5EF4-FFF2-40B4-BE49-F238E27FC236}">
-                <a16:creationId xmlns:a16="http://schemas.microsoft.com/office/drawing/2014/main" xmlns="" id="{95ECF529-AFAE-47AD-9C3F-EB80A8600841}"/>
+                <a16:creationId xmlns="" xmlns:a16="http://schemas.microsoft.com/office/drawing/2014/main" id="{95ECF529-AFAE-47AD-9C3F-EB80A8600841}"/>
               </a:ext>
             </a:extLst>
           </p:cNvPr>
@@ -2837,7 +2926,7 @@
           <p:cNvPr id="5" name="日期占位符 4">
             <a:extLst>
               <a:ext uri="{FF2B5EF4-FFF2-40B4-BE49-F238E27FC236}">
-                <a16:creationId xmlns:a16="http://schemas.microsoft.com/office/drawing/2014/main" xmlns="" id="{86BCBFA6-B0EB-432D-805E-CA6D60DCF46E}"/>
+                <a16:creationId xmlns="" xmlns:a16="http://schemas.microsoft.com/office/drawing/2014/main" id="{86BCBFA6-B0EB-432D-805E-CA6D60DCF46E}"/>
               </a:ext>
             </a:extLst>
           </p:cNvPr>
@@ -2866,7 +2955,7 @@
           <p:cNvPr id="6" name="页脚占位符 5">
             <a:extLst>
               <a:ext uri="{FF2B5EF4-FFF2-40B4-BE49-F238E27FC236}">
-                <a16:creationId xmlns:a16="http://schemas.microsoft.com/office/drawing/2014/main" xmlns="" id="{7343755D-86D8-480B-BFAC-635C875C030A}"/>
+                <a16:creationId xmlns="" xmlns:a16="http://schemas.microsoft.com/office/drawing/2014/main" id="{7343755D-86D8-480B-BFAC-635C875C030A}"/>
               </a:ext>
             </a:extLst>
           </p:cNvPr>
@@ -2891,7 +2980,7 @@
           <p:cNvPr id="7" name="灯片编号占位符 6">
             <a:extLst>
               <a:ext uri="{FF2B5EF4-FFF2-40B4-BE49-F238E27FC236}">
-                <a16:creationId xmlns:a16="http://schemas.microsoft.com/office/drawing/2014/main" xmlns="" id="{5C376EBC-A406-48F6-A4EB-C58FFF35E27A}"/>
+                <a16:creationId xmlns="" xmlns:a16="http://schemas.microsoft.com/office/drawing/2014/main" id="{5C376EBC-A406-48F6-A4EB-C58FFF35E27A}"/>
               </a:ext>
             </a:extLst>
           </p:cNvPr>
@@ -2950,7 +3039,7 @@
           <p:cNvPr id="2" name="标题 1">
             <a:extLst>
               <a:ext uri="{FF2B5EF4-FFF2-40B4-BE49-F238E27FC236}">
-                <a16:creationId xmlns:a16="http://schemas.microsoft.com/office/drawing/2014/main" xmlns="" id="{44B6D22A-245E-4D93-AC13-198080B4F29C}"/>
+                <a16:creationId xmlns="" xmlns:a16="http://schemas.microsoft.com/office/drawing/2014/main" id="{44B6D22A-245E-4D93-AC13-198080B4F29C}"/>
               </a:ext>
             </a:extLst>
           </p:cNvPr>
@@ -2983,7 +3072,7 @@
           <p:cNvPr id="3" name="文本占位符 2">
             <a:extLst>
               <a:ext uri="{FF2B5EF4-FFF2-40B4-BE49-F238E27FC236}">
-                <a16:creationId xmlns:a16="http://schemas.microsoft.com/office/drawing/2014/main" xmlns="" id="{58B4409B-A106-4F94-BB72-31D3FBF684F4}"/>
+                <a16:creationId xmlns="" xmlns:a16="http://schemas.microsoft.com/office/drawing/2014/main" id="{58B4409B-A106-4F94-BB72-31D3FBF684F4}"/>
               </a:ext>
             </a:extLst>
           </p:cNvPr>
@@ -3054,7 +3143,7 @@
           <p:cNvPr id="4" name="内容占位符 3">
             <a:extLst>
               <a:ext uri="{FF2B5EF4-FFF2-40B4-BE49-F238E27FC236}">
-                <a16:creationId xmlns:a16="http://schemas.microsoft.com/office/drawing/2014/main" xmlns="" id="{E24852AB-8694-459E-971E-AEE991618A0C}"/>
+                <a16:creationId xmlns="" xmlns:a16="http://schemas.microsoft.com/office/drawing/2014/main" id="{E24852AB-8694-459E-971E-AEE991618A0C}"/>
               </a:ext>
             </a:extLst>
           </p:cNvPr>
@@ -3116,7 +3205,7 @@
           <p:cNvPr id="5" name="文本占位符 4">
             <a:extLst>
               <a:ext uri="{FF2B5EF4-FFF2-40B4-BE49-F238E27FC236}">
-                <a16:creationId xmlns:a16="http://schemas.microsoft.com/office/drawing/2014/main" xmlns="" id="{EE2692A3-DA1A-45ED-A55D-63F0F0583EA7}"/>
+                <a16:creationId xmlns="" xmlns:a16="http://schemas.microsoft.com/office/drawing/2014/main" id="{EE2692A3-DA1A-45ED-A55D-63F0F0583EA7}"/>
               </a:ext>
             </a:extLst>
           </p:cNvPr>
@@ -3187,7 +3276,7 @@
           <p:cNvPr id="6" name="内容占位符 5">
             <a:extLst>
               <a:ext uri="{FF2B5EF4-FFF2-40B4-BE49-F238E27FC236}">
-                <a16:creationId xmlns:a16="http://schemas.microsoft.com/office/drawing/2014/main" xmlns="" id="{B2F581BB-C505-4808-A75F-B3095B8AE9E2}"/>
+                <a16:creationId xmlns="" xmlns:a16="http://schemas.microsoft.com/office/drawing/2014/main" id="{B2F581BB-C505-4808-A75F-B3095B8AE9E2}"/>
               </a:ext>
             </a:extLst>
           </p:cNvPr>
@@ -3249,7 +3338,7 @@
           <p:cNvPr id="7" name="日期占位符 6">
             <a:extLst>
               <a:ext uri="{FF2B5EF4-FFF2-40B4-BE49-F238E27FC236}">
-                <a16:creationId xmlns:a16="http://schemas.microsoft.com/office/drawing/2014/main" xmlns="" id="{C1F105F1-B05B-4C7E-902F-899454D532BC}"/>
+                <a16:creationId xmlns="" xmlns:a16="http://schemas.microsoft.com/office/drawing/2014/main" id="{C1F105F1-B05B-4C7E-902F-899454D532BC}"/>
               </a:ext>
             </a:extLst>
           </p:cNvPr>
@@ -3278,7 +3367,7 @@
           <p:cNvPr id="8" name="页脚占位符 7">
             <a:extLst>
               <a:ext uri="{FF2B5EF4-FFF2-40B4-BE49-F238E27FC236}">
-                <a16:creationId xmlns:a16="http://schemas.microsoft.com/office/drawing/2014/main" xmlns="" id="{7243FD2E-8785-4304-9E62-B925FF64635C}"/>
+                <a16:creationId xmlns="" xmlns:a16="http://schemas.microsoft.com/office/drawing/2014/main" id="{7243FD2E-8785-4304-9E62-B925FF64635C}"/>
               </a:ext>
             </a:extLst>
           </p:cNvPr>
@@ -3303,7 +3392,7 @@
           <p:cNvPr id="9" name="灯片编号占位符 8">
             <a:extLst>
               <a:ext uri="{FF2B5EF4-FFF2-40B4-BE49-F238E27FC236}">
-                <a16:creationId xmlns:a16="http://schemas.microsoft.com/office/drawing/2014/main" xmlns="" id="{9D208CEF-E800-42B4-BFE0-56C503E2BF05}"/>
+                <a16:creationId xmlns="" xmlns:a16="http://schemas.microsoft.com/office/drawing/2014/main" id="{9D208CEF-E800-42B4-BFE0-56C503E2BF05}"/>
               </a:ext>
             </a:extLst>
           </p:cNvPr>
@@ -3362,7 +3451,7 @@
           <p:cNvPr id="2" name="标题 1">
             <a:extLst>
               <a:ext uri="{FF2B5EF4-FFF2-40B4-BE49-F238E27FC236}">
-                <a16:creationId xmlns:a16="http://schemas.microsoft.com/office/drawing/2014/main" xmlns="" id="{46EC76D2-EB93-4567-B447-808CAD3DB76E}"/>
+                <a16:creationId xmlns="" xmlns:a16="http://schemas.microsoft.com/office/drawing/2014/main" id="{46EC76D2-EB93-4567-B447-808CAD3DB76E}"/>
               </a:ext>
             </a:extLst>
           </p:cNvPr>
@@ -3390,7 +3479,7 @@
           <p:cNvPr id="3" name="日期占位符 2">
             <a:extLst>
               <a:ext uri="{FF2B5EF4-FFF2-40B4-BE49-F238E27FC236}">
-                <a16:creationId xmlns:a16="http://schemas.microsoft.com/office/drawing/2014/main" xmlns="" id="{77D1238F-BD38-4187-B375-38714630C90B}"/>
+                <a16:creationId xmlns="" xmlns:a16="http://schemas.microsoft.com/office/drawing/2014/main" id="{77D1238F-BD38-4187-B375-38714630C90B}"/>
               </a:ext>
             </a:extLst>
           </p:cNvPr>
@@ -3419,7 +3508,7 @@
           <p:cNvPr id="4" name="页脚占位符 3">
             <a:extLst>
               <a:ext uri="{FF2B5EF4-FFF2-40B4-BE49-F238E27FC236}">
-                <a16:creationId xmlns:a16="http://schemas.microsoft.com/office/drawing/2014/main" xmlns="" id="{00E9A245-DD63-44D7-93DA-AB7A8F872142}"/>
+                <a16:creationId xmlns="" xmlns:a16="http://schemas.microsoft.com/office/drawing/2014/main" id="{00E9A245-DD63-44D7-93DA-AB7A8F872142}"/>
               </a:ext>
             </a:extLst>
           </p:cNvPr>
@@ -3444,7 +3533,7 @@
           <p:cNvPr id="5" name="灯片编号占位符 4">
             <a:extLst>
               <a:ext uri="{FF2B5EF4-FFF2-40B4-BE49-F238E27FC236}">
-                <a16:creationId xmlns:a16="http://schemas.microsoft.com/office/drawing/2014/main" xmlns="" id="{3566FBD5-59BD-4303-B634-D6ABD4450DC9}"/>
+                <a16:creationId xmlns="" xmlns:a16="http://schemas.microsoft.com/office/drawing/2014/main" id="{3566FBD5-59BD-4303-B634-D6ABD4450DC9}"/>
               </a:ext>
             </a:extLst>
           </p:cNvPr>
@@ -3503,7 +3592,7 @@
           <p:cNvPr id="2" name="日期占位符 1">
             <a:extLst>
               <a:ext uri="{FF2B5EF4-FFF2-40B4-BE49-F238E27FC236}">
-                <a16:creationId xmlns:a16="http://schemas.microsoft.com/office/drawing/2014/main" xmlns="" id="{FA1FCF9D-156B-4A6E-A648-4391614E108F}"/>
+                <a16:creationId xmlns="" xmlns:a16="http://schemas.microsoft.com/office/drawing/2014/main" id="{FA1FCF9D-156B-4A6E-A648-4391614E108F}"/>
               </a:ext>
             </a:extLst>
           </p:cNvPr>
@@ -3532,7 +3621,7 @@
           <p:cNvPr id="3" name="页脚占位符 2">
             <a:extLst>
               <a:ext uri="{FF2B5EF4-FFF2-40B4-BE49-F238E27FC236}">
-                <a16:creationId xmlns:a16="http://schemas.microsoft.com/office/drawing/2014/main" xmlns="" id="{0D5F5748-F9E6-476B-BC6A-B43114D73212}"/>
+                <a16:creationId xmlns="" xmlns:a16="http://schemas.microsoft.com/office/drawing/2014/main" id="{0D5F5748-F9E6-476B-BC6A-B43114D73212}"/>
               </a:ext>
             </a:extLst>
           </p:cNvPr>
@@ -3557,7 +3646,7 @@
           <p:cNvPr id="4" name="灯片编号占位符 3">
             <a:extLst>
               <a:ext uri="{FF2B5EF4-FFF2-40B4-BE49-F238E27FC236}">
-                <a16:creationId xmlns:a16="http://schemas.microsoft.com/office/drawing/2014/main" xmlns="" id="{9F04614D-F46E-46AC-B56A-E45F29B73404}"/>
+                <a16:creationId xmlns="" xmlns:a16="http://schemas.microsoft.com/office/drawing/2014/main" id="{9F04614D-F46E-46AC-B56A-E45F29B73404}"/>
               </a:ext>
             </a:extLst>
           </p:cNvPr>
@@ -3616,7 +3705,7 @@
           <p:cNvPr id="2" name="标题 1">
             <a:extLst>
               <a:ext uri="{FF2B5EF4-FFF2-40B4-BE49-F238E27FC236}">
-                <a16:creationId xmlns:a16="http://schemas.microsoft.com/office/drawing/2014/main" xmlns="" id="{89BE3CAC-FBE4-4EF3-8412-6E63BEB92B23}"/>
+                <a16:creationId xmlns="" xmlns:a16="http://schemas.microsoft.com/office/drawing/2014/main" id="{89BE3CAC-FBE4-4EF3-8412-6E63BEB92B23}"/>
               </a:ext>
             </a:extLst>
           </p:cNvPr>
@@ -3653,7 +3742,7 @@
           <p:cNvPr id="3" name="内容占位符 2">
             <a:extLst>
               <a:ext uri="{FF2B5EF4-FFF2-40B4-BE49-F238E27FC236}">
-                <a16:creationId xmlns:a16="http://schemas.microsoft.com/office/drawing/2014/main" xmlns="" id="{D9A1068C-1C90-4063-9C2C-DC6CBAB9E9EA}"/>
+                <a16:creationId xmlns="" xmlns:a16="http://schemas.microsoft.com/office/drawing/2014/main" id="{D9A1068C-1C90-4063-9C2C-DC6CBAB9E9EA}"/>
               </a:ext>
             </a:extLst>
           </p:cNvPr>
@@ -3743,7 +3832,7 @@
           <p:cNvPr id="4" name="文本占位符 3">
             <a:extLst>
               <a:ext uri="{FF2B5EF4-FFF2-40B4-BE49-F238E27FC236}">
-                <a16:creationId xmlns:a16="http://schemas.microsoft.com/office/drawing/2014/main" xmlns="" id="{23D2293C-597F-427B-86D2-19B2A6296567}"/>
+                <a16:creationId xmlns="" xmlns:a16="http://schemas.microsoft.com/office/drawing/2014/main" id="{23D2293C-597F-427B-86D2-19B2A6296567}"/>
               </a:ext>
             </a:extLst>
           </p:cNvPr>
@@ -3814,7 +3903,7 @@
           <p:cNvPr id="5" name="日期占位符 4">
             <a:extLst>
               <a:ext uri="{FF2B5EF4-FFF2-40B4-BE49-F238E27FC236}">
-                <a16:creationId xmlns:a16="http://schemas.microsoft.com/office/drawing/2014/main" xmlns="" id="{85CCACAF-D8B3-4E73-A976-AF77624F016E}"/>
+                <a16:creationId xmlns="" xmlns:a16="http://schemas.microsoft.com/office/drawing/2014/main" id="{85CCACAF-D8B3-4E73-A976-AF77624F016E}"/>
               </a:ext>
             </a:extLst>
           </p:cNvPr>
@@ -3843,7 +3932,7 @@
           <p:cNvPr id="6" name="页脚占位符 5">
             <a:extLst>
               <a:ext uri="{FF2B5EF4-FFF2-40B4-BE49-F238E27FC236}">
-                <a16:creationId xmlns:a16="http://schemas.microsoft.com/office/drawing/2014/main" xmlns="" id="{06BC77CC-B655-4F42-A5E0-550B6EB48092}"/>
+                <a16:creationId xmlns="" xmlns:a16="http://schemas.microsoft.com/office/drawing/2014/main" id="{06BC77CC-B655-4F42-A5E0-550B6EB48092}"/>
               </a:ext>
             </a:extLst>
           </p:cNvPr>
@@ -3868,7 +3957,7 @@
           <p:cNvPr id="7" name="灯片编号占位符 6">
             <a:extLst>
               <a:ext uri="{FF2B5EF4-FFF2-40B4-BE49-F238E27FC236}">
-                <a16:creationId xmlns:a16="http://schemas.microsoft.com/office/drawing/2014/main" xmlns="" id="{3729CF2D-810E-4B8F-BA9A-355EBDA591BE}"/>
+                <a16:creationId xmlns="" xmlns:a16="http://schemas.microsoft.com/office/drawing/2014/main" id="{3729CF2D-810E-4B8F-BA9A-355EBDA591BE}"/>
               </a:ext>
             </a:extLst>
           </p:cNvPr>
@@ -3927,7 +4016,7 @@
           <p:cNvPr id="2" name="标题 1">
             <a:extLst>
               <a:ext uri="{FF2B5EF4-FFF2-40B4-BE49-F238E27FC236}">
-                <a16:creationId xmlns:a16="http://schemas.microsoft.com/office/drawing/2014/main" xmlns="" id="{ED50F685-FBA7-439B-A9AC-45D9B840CDA8}"/>
+                <a16:creationId xmlns="" xmlns:a16="http://schemas.microsoft.com/office/drawing/2014/main" id="{ED50F685-FBA7-439B-A9AC-45D9B840CDA8}"/>
               </a:ext>
             </a:extLst>
           </p:cNvPr>
@@ -3964,7 +4053,7 @@
           <p:cNvPr id="3" name="图片占位符 2">
             <a:extLst>
               <a:ext uri="{FF2B5EF4-FFF2-40B4-BE49-F238E27FC236}">
-                <a16:creationId xmlns:a16="http://schemas.microsoft.com/office/drawing/2014/main" xmlns="" id="{974468BF-394F-4B50-8CB2-CFF33FF51FCF}"/>
+                <a16:creationId xmlns="" xmlns:a16="http://schemas.microsoft.com/office/drawing/2014/main" id="{974468BF-394F-4B50-8CB2-CFF33FF51FCF}"/>
               </a:ext>
             </a:extLst>
           </p:cNvPr>
@@ -4031,7 +4120,7 @@
           <p:cNvPr id="4" name="文本占位符 3">
             <a:extLst>
               <a:ext uri="{FF2B5EF4-FFF2-40B4-BE49-F238E27FC236}">
-                <a16:creationId xmlns:a16="http://schemas.microsoft.com/office/drawing/2014/main" xmlns="" id="{99AE15C1-1210-4CB2-B05E-143B67F2B785}"/>
+                <a16:creationId xmlns="" xmlns:a16="http://schemas.microsoft.com/office/drawing/2014/main" id="{99AE15C1-1210-4CB2-B05E-143B67F2B785}"/>
               </a:ext>
             </a:extLst>
           </p:cNvPr>
@@ -4102,7 +4191,7 @@
           <p:cNvPr id="5" name="日期占位符 4">
             <a:extLst>
               <a:ext uri="{FF2B5EF4-FFF2-40B4-BE49-F238E27FC236}">
-                <a16:creationId xmlns:a16="http://schemas.microsoft.com/office/drawing/2014/main" xmlns="" id="{8061075D-3EDC-489E-BE58-040CF5358FC7}"/>
+                <a16:creationId xmlns="" xmlns:a16="http://schemas.microsoft.com/office/drawing/2014/main" id="{8061075D-3EDC-489E-BE58-040CF5358FC7}"/>
               </a:ext>
             </a:extLst>
           </p:cNvPr>
@@ -4131,7 +4220,7 @@
           <p:cNvPr id="6" name="页脚占位符 5">
             <a:extLst>
               <a:ext uri="{FF2B5EF4-FFF2-40B4-BE49-F238E27FC236}">
-                <a16:creationId xmlns:a16="http://schemas.microsoft.com/office/drawing/2014/main" xmlns="" id="{D1726C38-D6F2-4742-BCD5-7AA0328D00F1}"/>
+                <a16:creationId xmlns="" xmlns:a16="http://schemas.microsoft.com/office/drawing/2014/main" id="{D1726C38-D6F2-4742-BCD5-7AA0328D00F1}"/>
               </a:ext>
             </a:extLst>
           </p:cNvPr>
@@ -4156,7 +4245,7 @@
           <p:cNvPr id="7" name="灯片编号占位符 6">
             <a:extLst>
               <a:ext uri="{FF2B5EF4-FFF2-40B4-BE49-F238E27FC236}">
-                <a16:creationId xmlns:a16="http://schemas.microsoft.com/office/drawing/2014/main" xmlns="" id="{06FC0151-7C76-4F26-ADE2-8BB2A5CEC5CA}"/>
+                <a16:creationId xmlns="" xmlns:a16="http://schemas.microsoft.com/office/drawing/2014/main" id="{06FC0151-7C76-4F26-ADE2-8BB2A5CEC5CA}"/>
               </a:ext>
             </a:extLst>
           </p:cNvPr>
@@ -4220,7 +4309,7 @@
           <p:cNvPr id="2" name="标题占位符 1">
             <a:extLst>
               <a:ext uri="{FF2B5EF4-FFF2-40B4-BE49-F238E27FC236}">
-                <a16:creationId xmlns:a16="http://schemas.microsoft.com/office/drawing/2014/main" xmlns="" id="{BB966A6F-2E08-4EBC-93F9-F91BCD163F3A}"/>
+                <a16:creationId xmlns="" xmlns:a16="http://schemas.microsoft.com/office/drawing/2014/main" id="{BB966A6F-2E08-4EBC-93F9-F91BCD163F3A}"/>
               </a:ext>
             </a:extLst>
           </p:cNvPr>
@@ -4247,7 +4336,7 @@
           <a:lstStyle/>
           <a:p>
             <a:r>
-              <a:rPr lang="zh-CN" altLang="en-US"/>
+              <a:rPr lang="zh-CN" altLang="en-US" dirty="0"/>
               <a:t>单击此处编辑母版标题样式</a:t>
             </a:r>
           </a:p>
@@ -4258,7 +4347,7 @@
           <p:cNvPr id="3" name="文本占位符 2">
             <a:extLst>
               <a:ext uri="{FF2B5EF4-FFF2-40B4-BE49-F238E27FC236}">
-                <a16:creationId xmlns:a16="http://schemas.microsoft.com/office/drawing/2014/main" xmlns="" id="{16D1DB00-274F-4910-8812-39D8C8E893AE}"/>
+                <a16:creationId xmlns="" xmlns:a16="http://schemas.microsoft.com/office/drawing/2014/main" id="{16D1DB00-274F-4910-8812-39D8C8E893AE}"/>
               </a:ext>
             </a:extLst>
           </p:cNvPr>
@@ -4286,35 +4375,35 @@
           <a:p>
             <a:pPr lvl="0"/>
             <a:r>
-              <a:rPr lang="zh-CN" altLang="en-US"/>
+              <a:rPr lang="zh-CN" altLang="en-US" dirty="0"/>
               <a:t>单击此处编辑母版文本样式</a:t>
             </a:r>
           </a:p>
           <a:p>
             <a:pPr lvl="1"/>
             <a:r>
-              <a:rPr lang="zh-CN" altLang="en-US"/>
+              <a:rPr lang="zh-CN" altLang="en-US" dirty="0"/>
               <a:t>二级</a:t>
             </a:r>
           </a:p>
           <a:p>
             <a:pPr lvl="2"/>
             <a:r>
-              <a:rPr lang="zh-CN" altLang="en-US"/>
+              <a:rPr lang="zh-CN" altLang="en-US" dirty="0"/>
               <a:t>三级</a:t>
             </a:r>
           </a:p>
           <a:p>
             <a:pPr lvl="3"/>
             <a:r>
-              <a:rPr lang="zh-CN" altLang="en-US"/>
+              <a:rPr lang="zh-CN" altLang="en-US" dirty="0"/>
               <a:t>四级</a:t>
             </a:r>
           </a:p>
           <a:p>
             <a:pPr lvl="4"/>
             <a:r>
-              <a:rPr lang="zh-CN" altLang="en-US"/>
+              <a:rPr lang="zh-CN" altLang="en-US" dirty="0"/>
               <a:t>五级</a:t>
             </a:r>
           </a:p>
@@ -4325,7 +4414,7 @@
           <p:cNvPr id="4" name="日期占位符 3">
             <a:extLst>
               <a:ext uri="{FF2B5EF4-FFF2-40B4-BE49-F238E27FC236}">
-                <a16:creationId xmlns:a16="http://schemas.microsoft.com/office/drawing/2014/main" xmlns="" id="{BD3A351B-4179-42BC-BD46-227F6A39EC06}"/>
+                <a16:creationId xmlns="" xmlns:a16="http://schemas.microsoft.com/office/drawing/2014/main" id="{BD3A351B-4179-42BC-BD46-227F6A39EC06}"/>
               </a:ext>
             </a:extLst>
           </p:cNvPr>
@@ -4355,15 +4444,18 @@
                     <a:tint val="75000"/>
                   </a:schemeClr>
                 </a:solidFill>
+                <a:latin typeface="微软雅黑" panose="020B0503020204020204" pitchFamily="34" charset="-122"/>
+                <a:ea typeface="微软雅黑" panose="020B0503020204020204" pitchFamily="34" charset="-122"/>
               </a:defRPr>
             </a:lvl1pPr>
           </a:lstStyle>
           <a:p>
             <a:fld id="{1A935102-F65A-4EE8-B519-DA36DDBDF7F5}" type="datetimeFigureOut">
               <a:rPr lang="zh-CN" altLang="en-US" smtClean="0"/>
+              <a:pPr/>
               <a:t>2019/10/28</a:t>
             </a:fld>
-            <a:endParaRPr lang="zh-CN" altLang="en-US"/>
+            <a:endParaRPr lang="zh-CN" altLang="en-US" dirty="0"/>
           </a:p>
         </p:txBody>
       </p:sp>
@@ -4372,7 +4464,7 @@
           <p:cNvPr id="5" name="页脚占位符 4">
             <a:extLst>
               <a:ext uri="{FF2B5EF4-FFF2-40B4-BE49-F238E27FC236}">
-                <a16:creationId xmlns:a16="http://schemas.microsoft.com/office/drawing/2014/main" xmlns="" id="{E09376B8-C9A3-4AA9-85AF-E8E8889004D8}"/>
+                <a16:creationId xmlns="" xmlns:a16="http://schemas.microsoft.com/office/drawing/2014/main" id="{E09376B8-C9A3-4AA9-85AF-E8E8889004D8}"/>
               </a:ext>
             </a:extLst>
           </p:cNvPr>
@@ -4402,11 +4494,13 @@
                     <a:tint val="75000"/>
                   </a:schemeClr>
                 </a:solidFill>
+                <a:latin typeface="微软雅黑" panose="020B0503020204020204" pitchFamily="34" charset="-122"/>
+                <a:ea typeface="微软雅黑" panose="020B0503020204020204" pitchFamily="34" charset="-122"/>
               </a:defRPr>
             </a:lvl1pPr>
           </a:lstStyle>
           <a:p>
-            <a:endParaRPr lang="zh-CN" altLang="en-US"/>
+            <a:endParaRPr lang="zh-CN" altLang="en-US" dirty="0"/>
           </a:p>
         </p:txBody>
       </p:sp>
@@ -4415,7 +4509,7 @@
           <p:cNvPr id="6" name="灯片编号占位符 5">
             <a:extLst>
               <a:ext uri="{FF2B5EF4-FFF2-40B4-BE49-F238E27FC236}">
-                <a16:creationId xmlns:a16="http://schemas.microsoft.com/office/drawing/2014/main" xmlns="" id="{C38AB925-E5A7-468B-B412-FE65C67AE239}"/>
+                <a16:creationId xmlns="" xmlns:a16="http://schemas.microsoft.com/office/drawing/2014/main" id="{C38AB925-E5A7-468B-B412-FE65C67AE239}"/>
               </a:ext>
             </a:extLst>
           </p:cNvPr>
@@ -4445,15 +4539,18 @@
                     <a:tint val="75000"/>
                   </a:schemeClr>
                 </a:solidFill>
+                <a:latin typeface="微软雅黑" panose="020B0503020204020204" pitchFamily="34" charset="-122"/>
+                <a:ea typeface="微软雅黑" panose="020B0503020204020204" pitchFamily="34" charset="-122"/>
               </a:defRPr>
             </a:lvl1pPr>
           </a:lstStyle>
           <a:p>
             <a:fld id="{0AC71F58-E5B0-4510-B496-68538D131DCA}" type="slidenum">
               <a:rPr lang="zh-CN" altLang="en-US" smtClean="0"/>
+              <a:pPr/>
               <a:t>‹#›</a:t>
             </a:fld>
-            <a:endParaRPr lang="zh-CN" altLang="en-US"/>
+            <a:endParaRPr lang="zh-CN" altLang="en-US" dirty="0"/>
           </a:p>
         </p:txBody>
       </p:sp>
@@ -4492,8 +4589,8 @@
           <a:solidFill>
             <a:schemeClr val="tx1"/>
           </a:solidFill>
-          <a:latin typeface="+mj-lt"/>
-          <a:ea typeface="+mj-ea"/>
+          <a:latin typeface="微软雅黑" panose="020B0503020204020204" pitchFamily="34" charset="-122"/>
+          <a:ea typeface="微软雅黑" panose="020B0503020204020204" pitchFamily="34" charset="-122"/>
           <a:cs typeface="+mj-cs"/>
         </a:defRPr>
       </a:lvl1pPr>
@@ -4512,8 +4609,8 @@
           <a:solidFill>
             <a:schemeClr val="tx1"/>
           </a:solidFill>
-          <a:latin typeface="+mn-lt"/>
-          <a:ea typeface="+mn-ea"/>
+          <a:latin typeface="微软雅黑" panose="020B0503020204020204" pitchFamily="34" charset="-122"/>
+          <a:ea typeface="微软雅黑" panose="020B0503020204020204" pitchFamily="34" charset="-122"/>
           <a:cs typeface="+mn-cs"/>
         </a:defRPr>
       </a:lvl1pPr>
@@ -4530,8 +4627,8 @@
           <a:solidFill>
             <a:schemeClr val="tx1"/>
           </a:solidFill>
-          <a:latin typeface="+mn-lt"/>
-          <a:ea typeface="+mn-ea"/>
+          <a:latin typeface="微软雅黑" panose="020B0503020204020204" pitchFamily="34" charset="-122"/>
+          <a:ea typeface="微软雅黑" panose="020B0503020204020204" pitchFamily="34" charset="-122"/>
           <a:cs typeface="+mn-cs"/>
         </a:defRPr>
       </a:lvl2pPr>
@@ -4548,8 +4645,8 @@
           <a:solidFill>
             <a:schemeClr val="tx1"/>
           </a:solidFill>
-          <a:latin typeface="+mn-lt"/>
-          <a:ea typeface="+mn-ea"/>
+          <a:latin typeface="微软雅黑" panose="020B0503020204020204" pitchFamily="34" charset="-122"/>
+          <a:ea typeface="微软雅黑" panose="020B0503020204020204" pitchFamily="34" charset="-122"/>
           <a:cs typeface="+mn-cs"/>
         </a:defRPr>
       </a:lvl3pPr>
@@ -4566,8 +4663,8 @@
           <a:solidFill>
             <a:schemeClr val="tx1"/>
           </a:solidFill>
-          <a:latin typeface="+mn-lt"/>
-          <a:ea typeface="+mn-ea"/>
+          <a:latin typeface="微软雅黑" panose="020B0503020204020204" pitchFamily="34" charset="-122"/>
+          <a:ea typeface="微软雅黑" panose="020B0503020204020204" pitchFamily="34" charset="-122"/>
           <a:cs typeface="+mn-cs"/>
         </a:defRPr>
       </a:lvl4pPr>
@@ -4584,8 +4681,8 @@
           <a:solidFill>
             <a:schemeClr val="tx1"/>
           </a:solidFill>
-          <a:latin typeface="+mn-lt"/>
-          <a:ea typeface="+mn-ea"/>
+          <a:latin typeface="微软雅黑" panose="020B0503020204020204" pitchFamily="34" charset="-122"/>
+          <a:ea typeface="微软雅黑" panose="020B0503020204020204" pitchFamily="34" charset="-122"/>
           <a:cs typeface="+mn-cs"/>
         </a:defRPr>
       </a:lvl5pPr>
@@ -4783,7 +4880,7 @@
           <p:cNvPr id="2" name="标题 1">
             <a:extLst>
               <a:ext uri="{FF2B5EF4-FFF2-40B4-BE49-F238E27FC236}">
-                <a16:creationId xmlns:a16="http://schemas.microsoft.com/office/drawing/2014/main" xmlns="" id="{D78CBF35-33D6-476E-BD06-FC055E3E727F}"/>
+                <a16:creationId xmlns="" xmlns:a16="http://schemas.microsoft.com/office/drawing/2014/main" id="{D78CBF35-33D6-476E-BD06-FC055E3E727F}"/>
               </a:ext>
             </a:extLst>
           </p:cNvPr>
@@ -4811,7 +4908,7 @@
           <p:cNvPr id="3" name="副标题 2">
             <a:extLst>
               <a:ext uri="{FF2B5EF4-FFF2-40B4-BE49-F238E27FC236}">
-                <a16:creationId xmlns:a16="http://schemas.microsoft.com/office/drawing/2014/main" xmlns="" id="{918EFB2C-CCE9-4D21-A6AE-5936BD7BEED1}"/>
+                <a16:creationId xmlns="" xmlns:a16="http://schemas.microsoft.com/office/drawing/2014/main" id="{918EFB2C-CCE9-4D21-A6AE-5936BD7BEED1}"/>
               </a:ext>
             </a:extLst>
           </p:cNvPr>
@@ -4870,7 +4967,7 @@
           <p:cNvPr id="2" name="标题 1">
             <a:extLst>
               <a:ext uri="{FF2B5EF4-FFF2-40B4-BE49-F238E27FC236}">
-                <a16:creationId xmlns:a16="http://schemas.microsoft.com/office/drawing/2014/main" xmlns="" id="{553E198E-DBC0-435A-9156-FA2EFFA6583F}"/>
+                <a16:creationId xmlns="" xmlns:a16="http://schemas.microsoft.com/office/drawing/2014/main" id="{553E198E-DBC0-435A-9156-FA2EFFA6583F}"/>
               </a:ext>
             </a:extLst>
           </p:cNvPr>
@@ -4898,7 +4995,7 @@
           <p:cNvPr id="3" name="内容占位符 2">
             <a:extLst>
               <a:ext uri="{FF2B5EF4-FFF2-40B4-BE49-F238E27FC236}">
-                <a16:creationId xmlns:a16="http://schemas.microsoft.com/office/drawing/2014/main" xmlns="" id="{A35EE033-A565-4EAD-8FB2-AB0693611C90}"/>
+                <a16:creationId xmlns="" xmlns:a16="http://schemas.microsoft.com/office/drawing/2014/main" id="{A35EE033-A565-4EAD-8FB2-AB0693611C90}"/>
               </a:ext>
             </a:extLst>
           </p:cNvPr>
@@ -4911,7 +5008,7 @@
         </p:nvSpPr>
         <p:spPr>
           <a:xfrm>
-            <a:off x="838200" y="1825625"/>
+            <a:off x="838200" y="1529785"/>
             <a:ext cx="10515600" cy="4351338"/>
           </a:xfrm>
         </p:spPr>
@@ -4921,6 +5018,11 @@
           </a:bodyPr>
           <a:lstStyle/>
           <a:p>
+            <a:pPr>
+              <a:lnSpc>
+                <a:spcPct val="100000"/>
+              </a:lnSpc>
+            </a:pPr>
             <a:r>
               <a:rPr lang="zh-CN" altLang="en-US" dirty="0"/>
               <a:t>在早期的网站中较常见，验证码通常会被他们隐藏在网站的源码中或者高级一点的隐藏在请求的</a:t>
@@ -4936,7 +5038,11 @@
             <a:endParaRPr lang="en-US" altLang="zh-CN" dirty="0"/>
           </a:p>
           <a:p>
-            <a:pPr lvl="1"/>
+            <a:pPr lvl="1">
+              <a:lnSpc>
+                <a:spcPct val="100000"/>
+              </a:lnSpc>
+            </a:pPr>
             <a:r>
               <a:rPr lang="zh-CN" altLang="en-US" b="1" dirty="0"/>
               <a:t>验证码隐藏在源码中</a:t>
@@ -4956,7 +5062,11 @@
             <a:endParaRPr lang="en-US" altLang="zh-CN" dirty="0"/>
           </a:p>
           <a:p>
-            <a:pPr lvl="1"/>
+            <a:pPr lvl="1">
+              <a:lnSpc>
+                <a:spcPct val="100000"/>
+              </a:lnSpc>
+            </a:pPr>
             <a:r>
               <a:rPr lang="zh-CN" altLang="en-US" b="1" dirty="0"/>
               <a:t>验证码隐藏在</a:t>
@@ -4994,7 +5104,7 @@
           <p:cNvPr id="5" name="图片 4">
             <a:extLst>
               <a:ext uri="{FF2B5EF4-FFF2-40B4-BE49-F238E27FC236}">
-                <a16:creationId xmlns:a16="http://schemas.microsoft.com/office/drawing/2014/main" xmlns="" id="{2CD3C43C-E248-4300-AAD4-1AB319859159}"/>
+                <a16:creationId xmlns="" xmlns:a16="http://schemas.microsoft.com/office/drawing/2014/main" id="{2CD3C43C-E248-4300-AAD4-1AB319859159}"/>
               </a:ext>
             </a:extLst>
           </p:cNvPr>
@@ -5024,7 +5134,7 @@
           <p:cNvPr id="7" name="矩形 6">
             <a:extLst>
               <a:ext uri="{FF2B5EF4-FFF2-40B4-BE49-F238E27FC236}">
-                <a16:creationId xmlns:a16="http://schemas.microsoft.com/office/drawing/2014/main" xmlns="" id="{72838BD5-248D-43C4-B633-8A424805D4B0}"/>
+                <a16:creationId xmlns="" xmlns:a16="http://schemas.microsoft.com/office/drawing/2014/main" id="{72838BD5-248D-43C4-B633-8A424805D4B0}"/>
               </a:ext>
             </a:extLst>
           </p:cNvPr>
@@ -5052,8 +5162,8 @@
             </a:pPr>
             <a:r>
               <a:rPr lang="zh-CN" altLang="en-US" sz="2000" dirty="0">
-                <a:latin typeface="Microsoft YaHei UI" panose="020B0503020204020204" pitchFamily="34" charset="-122"/>
-                <a:ea typeface="Microsoft YaHei UI" panose="020B0503020204020204" pitchFamily="34" charset="-122"/>
+                <a:latin typeface="微软雅黑" panose="020B0503020204020204" pitchFamily="34" charset="-122"/>
+                <a:ea typeface="微软雅黑" panose="020B0503020204020204" pitchFamily="34" charset="-122"/>
               </a:rPr>
               <a:t>吉祥航空任意客票遍历</a:t>
             </a:r>
@@ -5061,8 +5171,8 @@
               <a:solidFill>
                 <a:srgbClr val="FF0000"/>
               </a:solidFill>
-              <a:latin typeface="Microsoft YaHei UI" panose="020B0503020204020204" pitchFamily="34" charset="-122"/>
-              <a:ea typeface="Microsoft YaHei UI" panose="020B0503020204020204" pitchFamily="34" charset="-122"/>
+              <a:latin typeface="微软雅黑" panose="020B0503020204020204" pitchFamily="34" charset="-122"/>
+              <a:ea typeface="微软雅黑" panose="020B0503020204020204" pitchFamily="34" charset="-122"/>
             </a:endParaRPr>
           </a:p>
         </p:txBody>
@@ -5102,7 +5212,7 @@
           <p:cNvPr id="2" name="标题 1">
             <a:extLst>
               <a:ext uri="{FF2B5EF4-FFF2-40B4-BE49-F238E27FC236}">
-                <a16:creationId xmlns:a16="http://schemas.microsoft.com/office/drawing/2014/main" xmlns="" id="{553E198E-DBC0-435A-9156-FA2EFFA6583F}"/>
+                <a16:creationId xmlns="" xmlns:a16="http://schemas.microsoft.com/office/drawing/2014/main" id="{553E198E-DBC0-435A-9156-FA2EFFA6583F}"/>
               </a:ext>
             </a:extLst>
           </p:cNvPr>
@@ -5130,7 +5240,7 @@
           <p:cNvPr id="3" name="内容占位符 2">
             <a:extLst>
               <a:ext uri="{FF2B5EF4-FFF2-40B4-BE49-F238E27FC236}">
-                <a16:creationId xmlns:a16="http://schemas.microsoft.com/office/drawing/2014/main" xmlns="" id="{A35EE033-A565-4EAD-8FB2-AB0693611C90}"/>
+                <a16:creationId xmlns="" xmlns:a16="http://schemas.microsoft.com/office/drawing/2014/main" id="{A35EE033-A565-4EAD-8FB2-AB0693611C90}"/>
               </a:ext>
             </a:extLst>
           </p:cNvPr>
@@ -5143,7 +5253,7 @@
         </p:nvSpPr>
         <p:spPr>
           <a:xfrm>
-            <a:off x="838200" y="1825625"/>
+            <a:off x="838200" y="1735975"/>
             <a:ext cx="10515600" cy="4351338"/>
           </a:xfrm>
         </p:spPr>
@@ -5153,19 +5263,24 @@
           </a:bodyPr>
           <a:lstStyle/>
           <a:p>
-            <a:r>
-              <a:rPr lang="zh-CN" altLang="en-US" dirty="0"/>
+            <a:pPr>
+              <a:lnSpc>
+                <a:spcPct val="100000"/>
+              </a:lnSpc>
+            </a:pPr>
+            <a:r>
+              <a:rPr lang="zh-CN" altLang="en-US" sz="2400" dirty="0"/>
               <a:t>验证码空值绕过，是在日常的渗透测试中很容易被我们忽略的一点，实际应用中我们可以通过直接删除验证码参数或者</a:t>
             </a:r>
             <a:r>
-              <a:rPr lang="en-US" altLang="zh-CN" dirty="0"/>
+              <a:rPr lang="en-US" altLang="zh-CN" sz="2400" dirty="0"/>
               <a:t>Cookie</a:t>
             </a:r>
             <a:r>
-              <a:rPr lang="zh-CN" altLang="en-US" dirty="0"/>
+              <a:rPr lang="zh-CN" altLang="en-US" sz="2400" dirty="0"/>
               <a:t>中的一些值来绕过判断，进行暴力破解</a:t>
             </a:r>
-            <a:endParaRPr lang="zh-CN" altLang="en-US" dirty="0">
+            <a:endParaRPr lang="zh-CN" altLang="en-US" sz="2400" dirty="0">
               <a:solidFill>
                 <a:srgbClr val="FF0000"/>
               </a:solidFill>
@@ -5178,7 +5293,7 @@
           <p:cNvPr id="5" name="图片 4">
             <a:extLst>
               <a:ext uri="{FF2B5EF4-FFF2-40B4-BE49-F238E27FC236}">
-                <a16:creationId xmlns:a16="http://schemas.microsoft.com/office/drawing/2014/main" xmlns="" id="{3B80DFDC-30B1-47B7-AFCE-D1BC7EEF8E93}"/>
+                <a16:creationId xmlns="" xmlns:a16="http://schemas.microsoft.com/office/drawing/2014/main" id="{3B80DFDC-30B1-47B7-AFCE-D1BC7EEF8E93}"/>
               </a:ext>
             </a:extLst>
           </p:cNvPr>
@@ -5208,7 +5323,7 @@
           <p:cNvPr id="8" name="矩形 7">
             <a:extLst>
               <a:ext uri="{FF2B5EF4-FFF2-40B4-BE49-F238E27FC236}">
-                <a16:creationId xmlns:a16="http://schemas.microsoft.com/office/drawing/2014/main" xmlns="" id="{9B8C8642-2886-40E5-BE92-3D799F665CC6}"/>
+                <a16:creationId xmlns="" xmlns:a16="http://schemas.microsoft.com/office/drawing/2014/main" id="{9B8C8642-2886-40E5-BE92-3D799F665CC6}"/>
               </a:ext>
             </a:extLst>
           </p:cNvPr>
@@ -5217,8 +5332,8 @@
         </p:nvSpPr>
         <p:spPr>
           <a:xfrm>
-            <a:off x="7325591" y="4496018"/>
-            <a:ext cx="4866409" cy="1815882"/>
+            <a:off x="7325591" y="4298788"/>
+            <a:ext cx="4866409" cy="2031325"/>
           </a:xfrm>
           <a:prstGeom prst="rect">
             <a:avLst/>
@@ -5231,62 +5346,62 @@
           <a:lstStyle/>
           <a:p>
             <a:r>
-              <a:rPr lang="zh-CN" altLang="en-US" sz="1600" dirty="0">
-                <a:latin typeface="Microsoft YaHei UI" panose="020B0503020204020204" pitchFamily="34" charset="-122"/>
-                <a:ea typeface="Microsoft YaHei UI" panose="020B0503020204020204" pitchFamily="34" charset="-122"/>
+              <a:rPr lang="zh-CN" altLang="en-US" dirty="0">
+                <a:latin typeface="微软雅黑" panose="020B0503020204020204" pitchFamily="34" charset="-122"/>
+                <a:ea typeface="微软雅黑" panose="020B0503020204020204" pitchFamily="34" charset="-122"/>
               </a:rPr>
               <a:t>后台登陆请求为</a:t>
             </a:r>
             <a:r>
-              <a:rPr lang="en-US" altLang="zh-CN" sz="1600" dirty="0">
-                <a:latin typeface="Microsoft YaHei UI" panose="020B0503020204020204" pitchFamily="34" charset="-122"/>
-                <a:ea typeface="Microsoft YaHei UI" panose="020B0503020204020204" pitchFamily="34" charset="-122"/>
+              <a:rPr lang="en-US" altLang="zh-CN" dirty="0">
+                <a:latin typeface="微软雅黑" panose="020B0503020204020204" pitchFamily="34" charset="-122"/>
+                <a:ea typeface="微软雅黑" panose="020B0503020204020204" pitchFamily="34" charset="-122"/>
               </a:rPr>
               <a:t>:</a:t>
             </a:r>
           </a:p>
           <a:p>
             <a:r>
-              <a:rPr lang="en-US" altLang="zh-CN" sz="1600" dirty="0">
-                <a:latin typeface="Microsoft YaHei UI" panose="020B0503020204020204" pitchFamily="34" charset="-122"/>
-                <a:ea typeface="Microsoft YaHei UI" panose="020B0503020204020204" pitchFamily="34" charset="-122"/>
+              <a:rPr lang="en-US" altLang="zh-CN" i="1" dirty="0">
+                <a:latin typeface="微软雅黑" panose="020B0503020204020204" pitchFamily="34" charset="-122"/>
+                <a:ea typeface="微软雅黑" panose="020B0503020204020204" pitchFamily="34" charset="-122"/>
               </a:rPr>
               <a:t>submit=%E6%8F%90%E4%BA%A4&amp;username=</a:t>
             </a:r>
             <a:r>
-              <a:rPr lang="en-US" altLang="zh-CN" sz="1600" dirty="0" err="1">
-                <a:latin typeface="Microsoft YaHei UI" panose="020B0503020204020204" pitchFamily="34" charset="-122"/>
-                <a:ea typeface="Microsoft YaHei UI" panose="020B0503020204020204" pitchFamily="34" charset="-122"/>
+              <a:rPr lang="en-US" altLang="zh-CN" i="1" dirty="0" err="1">
+                <a:latin typeface="微软雅黑" panose="020B0503020204020204" pitchFamily="34" charset="-122"/>
+                <a:ea typeface="微软雅黑" panose="020B0503020204020204" pitchFamily="34" charset="-122"/>
               </a:rPr>
               <a:t>admin&amp;password</a:t>
             </a:r>
             <a:r>
-              <a:rPr lang="en-US" altLang="zh-CN" sz="1600" dirty="0">
-                <a:latin typeface="Microsoft YaHei UI" panose="020B0503020204020204" pitchFamily="34" charset="-122"/>
-                <a:ea typeface="Microsoft YaHei UI" panose="020B0503020204020204" pitchFamily="34" charset="-122"/>
+              <a:rPr lang="en-US" altLang="zh-CN" i="1" dirty="0">
+                <a:latin typeface="微软雅黑" panose="020B0503020204020204" pitchFamily="34" charset="-122"/>
+                <a:ea typeface="微软雅黑" panose="020B0503020204020204" pitchFamily="34" charset="-122"/>
               </a:rPr>
               <a:t>=admin123§156§&amp;expire=&amp;verify=7v111e7&amp;submit=+%E7%99%BB+%E9%99%86+</a:t>
             </a:r>
           </a:p>
           <a:p>
             <a:r>
-              <a:rPr lang="zh-CN" altLang="en-US" sz="1600" dirty="0">
-                <a:latin typeface="Microsoft YaHei UI" panose="020B0503020204020204" pitchFamily="34" charset="-122"/>
-                <a:ea typeface="Microsoft YaHei UI" panose="020B0503020204020204" pitchFamily="34" charset="-122"/>
+              <a:rPr lang="zh-CN" altLang="en-US" dirty="0">
+                <a:latin typeface="微软雅黑" panose="020B0503020204020204" pitchFamily="34" charset="-122"/>
+                <a:ea typeface="微软雅黑" panose="020B0503020204020204" pitchFamily="34" charset="-122"/>
               </a:rPr>
               <a:t>清空</a:t>
             </a:r>
             <a:r>
-              <a:rPr lang="en-US" altLang="zh-CN" sz="1600" dirty="0">
-                <a:latin typeface="Microsoft YaHei UI" panose="020B0503020204020204" pitchFamily="34" charset="-122"/>
-                <a:ea typeface="Microsoft YaHei UI" panose="020B0503020204020204" pitchFamily="34" charset="-122"/>
+              <a:rPr lang="en-US" altLang="zh-CN" dirty="0">
+                <a:latin typeface="微软雅黑" panose="020B0503020204020204" pitchFamily="34" charset="-122"/>
+                <a:ea typeface="微软雅黑" panose="020B0503020204020204" pitchFamily="34" charset="-122"/>
               </a:rPr>
               <a:t>cookie</a:t>
             </a:r>
             <a:r>
-              <a:rPr lang="zh-CN" altLang="en-US" sz="1600" dirty="0">
-                <a:latin typeface="Microsoft YaHei UI" panose="020B0503020204020204" pitchFamily="34" charset="-122"/>
-                <a:ea typeface="Microsoft YaHei UI" panose="020B0503020204020204" pitchFamily="34" charset="-122"/>
+              <a:rPr lang="zh-CN" altLang="en-US" dirty="0">
+                <a:latin typeface="微软雅黑" panose="020B0503020204020204" pitchFamily="34" charset="-122"/>
+                <a:ea typeface="微软雅黑" panose="020B0503020204020204" pitchFamily="34" charset="-122"/>
               </a:rPr>
               <a:t>，服务端就不会验证验证码了。导致暴力破解后台。</a:t>
             </a:r>
@@ -5298,7 +5413,7 @@
           <p:cNvPr id="11" name="矩形 10">
             <a:extLst>
               <a:ext uri="{FF2B5EF4-FFF2-40B4-BE49-F238E27FC236}">
-                <a16:creationId xmlns:a16="http://schemas.microsoft.com/office/drawing/2014/main" xmlns="" id="{5E3867D8-1019-4257-B11E-4C1E31EA7D40}"/>
+                <a16:creationId xmlns="" xmlns:a16="http://schemas.microsoft.com/office/drawing/2014/main" id="{5E3867D8-1019-4257-B11E-4C1E31EA7D40}"/>
               </a:ext>
             </a:extLst>
           </p:cNvPr>
@@ -5307,7 +5422,7 @@
         </p:nvSpPr>
         <p:spPr>
           <a:xfrm>
-            <a:off x="7048500" y="3983983"/>
+            <a:off x="7048500" y="3885368"/>
             <a:ext cx="5025736" cy="400110"/>
           </a:xfrm>
           <a:prstGeom prst="rect">
@@ -5326,15 +5441,15 @@
             </a:pPr>
             <a:r>
               <a:rPr lang="en-US" altLang="zh-CN" sz="2000" dirty="0" err="1">
-                <a:latin typeface="Microsoft YaHei UI" panose="020B0503020204020204" pitchFamily="34" charset="-122"/>
-                <a:ea typeface="Microsoft YaHei UI" panose="020B0503020204020204" pitchFamily="34" charset="-122"/>
+                <a:latin typeface="微软雅黑" panose="020B0503020204020204" pitchFamily="34" charset="-122"/>
+                <a:ea typeface="微软雅黑" panose="020B0503020204020204" pitchFamily="34" charset="-122"/>
               </a:rPr>
               <a:t>cmseasy</a:t>
             </a:r>
             <a:r>
               <a:rPr lang="zh-CN" altLang="en-US" sz="2000" dirty="0">
-                <a:latin typeface="Microsoft YaHei UI" panose="020B0503020204020204" pitchFamily="34" charset="-122"/>
-                <a:ea typeface="Microsoft YaHei UI" panose="020B0503020204020204" pitchFamily="34" charset="-122"/>
+                <a:latin typeface="微软雅黑" panose="020B0503020204020204" pitchFamily="34" charset="-122"/>
+                <a:ea typeface="微软雅黑" panose="020B0503020204020204" pitchFamily="34" charset="-122"/>
               </a:rPr>
               <a:t>后台暴力破解验证码绕过</a:t>
             </a:r>
@@ -5376,7 +5491,7 @@
           <p:cNvPr id="2" name="标题 1">
             <a:extLst>
               <a:ext uri="{FF2B5EF4-FFF2-40B4-BE49-F238E27FC236}">
-                <a16:creationId xmlns:a16="http://schemas.microsoft.com/office/drawing/2014/main" xmlns="" id="{553E198E-DBC0-435A-9156-FA2EFFA6583F}"/>
+                <a16:creationId xmlns="" xmlns:a16="http://schemas.microsoft.com/office/drawing/2014/main" id="{553E198E-DBC0-435A-9156-FA2EFFA6583F}"/>
               </a:ext>
             </a:extLst>
           </p:cNvPr>
@@ -5404,7 +5519,7 @@
           <p:cNvPr id="3" name="内容占位符 2">
             <a:extLst>
               <a:ext uri="{FF2B5EF4-FFF2-40B4-BE49-F238E27FC236}">
-                <a16:creationId xmlns:a16="http://schemas.microsoft.com/office/drawing/2014/main" xmlns="" id="{A35EE033-A565-4EAD-8FB2-AB0693611C90}"/>
+                <a16:creationId xmlns="" xmlns:a16="http://schemas.microsoft.com/office/drawing/2014/main" id="{A35EE033-A565-4EAD-8FB2-AB0693611C90}"/>
               </a:ext>
             </a:extLst>
           </p:cNvPr>
@@ -5417,7 +5532,7 @@
         </p:nvSpPr>
         <p:spPr>
           <a:xfrm>
-            <a:off x="838200" y="1825625"/>
+            <a:off x="838200" y="1718045"/>
             <a:ext cx="10515600" cy="4351338"/>
           </a:xfrm>
         </p:spPr>
@@ -5427,6 +5542,11 @@
           </a:bodyPr>
           <a:lstStyle/>
           <a:p>
+            <a:pPr>
+              <a:lnSpc>
+                <a:spcPct val="100000"/>
+              </a:lnSpc>
+            </a:pPr>
             <a:r>
               <a:rPr lang="zh-CN" altLang="en-US" dirty="0"/>
               <a:t>在平常的漏洞挖掘过程中，如果我们发现登录的验证码</a:t>
@@ -5484,7 +5604,7 @@
           <p:cNvPr id="4" name="图片 3">
             <a:extLst>
               <a:ext uri="{FF2B5EF4-FFF2-40B4-BE49-F238E27FC236}">
-                <a16:creationId xmlns:a16="http://schemas.microsoft.com/office/drawing/2014/main" xmlns="" id="{01338AFF-1444-4FE3-B030-FF4112FF4AB5}"/>
+                <a16:creationId xmlns="" xmlns:a16="http://schemas.microsoft.com/office/drawing/2014/main" id="{01338AFF-1444-4FE3-B030-FF4112FF4AB5}"/>
               </a:ext>
             </a:extLst>
           </p:cNvPr>
@@ -5514,7 +5634,7 @@
           <p:cNvPr id="5" name="图片 4">
             <a:extLst>
               <a:ext uri="{FF2B5EF4-FFF2-40B4-BE49-F238E27FC236}">
-                <a16:creationId xmlns:a16="http://schemas.microsoft.com/office/drawing/2014/main" xmlns="" id="{C011027A-6376-4B69-8E33-56B184E0AF27}"/>
+                <a16:creationId xmlns="" xmlns:a16="http://schemas.microsoft.com/office/drawing/2014/main" id="{C011027A-6376-4B69-8E33-56B184E0AF27}"/>
               </a:ext>
             </a:extLst>
           </p:cNvPr>
@@ -5544,7 +5664,7 @@
           <p:cNvPr id="6" name="矩形 5">
             <a:extLst>
               <a:ext uri="{FF2B5EF4-FFF2-40B4-BE49-F238E27FC236}">
-                <a16:creationId xmlns:a16="http://schemas.microsoft.com/office/drawing/2014/main" xmlns="" id="{C6B58138-8841-4DA1-A9A8-7DF0E0883B80}"/>
+                <a16:creationId xmlns="" xmlns:a16="http://schemas.microsoft.com/office/drawing/2014/main" id="{C6B58138-8841-4DA1-A9A8-7DF0E0883B80}"/>
               </a:ext>
             </a:extLst>
           </p:cNvPr>
@@ -5572,36 +5692,36 @@
             </a:pPr>
             <a:r>
               <a:rPr lang="zh-CN" altLang="en-US" sz="2000" dirty="0">
-                <a:latin typeface="Microsoft YaHei UI" panose="020B0503020204020204" pitchFamily="34" charset="-122"/>
-                <a:ea typeface="Microsoft YaHei UI" panose="020B0503020204020204" pitchFamily="34" charset="-122"/>
+                <a:latin typeface="微软雅黑" panose="020B0503020204020204" pitchFamily="34" charset="-122"/>
+                <a:ea typeface="微软雅黑" panose="020B0503020204020204" pitchFamily="34" charset="-122"/>
               </a:rPr>
               <a:t>银行业</a:t>
             </a:r>
             <a:r>
               <a:rPr lang="en-US" altLang="zh-CN" sz="2000" dirty="0">
-                <a:latin typeface="Microsoft YaHei UI" panose="020B0503020204020204" pitchFamily="34" charset="-122"/>
-                <a:ea typeface="Microsoft YaHei UI" panose="020B0503020204020204" pitchFamily="34" charset="-122"/>
+                <a:latin typeface="微软雅黑" panose="020B0503020204020204" pitchFamily="34" charset="-122"/>
+                <a:ea typeface="微软雅黑" panose="020B0503020204020204" pitchFamily="34" charset="-122"/>
               </a:rPr>
               <a:t>(</a:t>
             </a:r>
             <a:r>
               <a:rPr lang="zh-CN" altLang="en-US" sz="2000" dirty="0">
-                <a:latin typeface="Microsoft YaHei UI" panose="020B0503020204020204" pitchFamily="34" charset="-122"/>
-                <a:ea typeface="Microsoft YaHei UI" panose="020B0503020204020204" pitchFamily="34" charset="-122"/>
+                <a:latin typeface="微软雅黑" panose="020B0503020204020204" pitchFamily="34" charset="-122"/>
+                <a:ea typeface="微软雅黑" panose="020B0503020204020204" pitchFamily="34" charset="-122"/>
               </a:rPr>
               <a:t>招商银行</a:t>
             </a:r>
             <a:r>
               <a:rPr lang="en-US" altLang="zh-CN" sz="2000" dirty="0">
-                <a:latin typeface="Microsoft YaHei UI" panose="020B0503020204020204" pitchFamily="34" charset="-122"/>
-                <a:ea typeface="Microsoft YaHei UI" panose="020B0503020204020204" pitchFamily="34" charset="-122"/>
+                <a:latin typeface="微软雅黑" panose="020B0503020204020204" pitchFamily="34" charset="-122"/>
+                <a:ea typeface="微软雅黑" panose="020B0503020204020204" pitchFamily="34" charset="-122"/>
               </a:rPr>
               <a:t>)</a:t>
             </a:r>
             <a:r>
               <a:rPr lang="zh-CN" altLang="en-US" sz="2000" dirty="0">
-                <a:latin typeface="Microsoft YaHei UI" panose="020B0503020204020204" pitchFamily="34" charset="-122"/>
-                <a:ea typeface="Microsoft YaHei UI" panose="020B0503020204020204" pitchFamily="34" charset="-122"/>
+                <a:latin typeface="微软雅黑" panose="020B0503020204020204" pitchFamily="34" charset="-122"/>
+                <a:ea typeface="微软雅黑" panose="020B0503020204020204" pitchFamily="34" charset="-122"/>
               </a:rPr>
               <a:t>验证码设计缺陷</a:t>
             </a:r>
@@ -5643,7 +5763,7 @@
           <p:cNvPr id="2" name="标题 1">
             <a:extLst>
               <a:ext uri="{FF2B5EF4-FFF2-40B4-BE49-F238E27FC236}">
-                <a16:creationId xmlns:a16="http://schemas.microsoft.com/office/drawing/2014/main" xmlns="" id="{553E198E-DBC0-435A-9156-FA2EFFA6583F}"/>
+                <a16:creationId xmlns="" xmlns:a16="http://schemas.microsoft.com/office/drawing/2014/main" id="{553E198E-DBC0-435A-9156-FA2EFFA6583F}"/>
               </a:ext>
             </a:extLst>
           </p:cNvPr>
@@ -5671,7 +5791,7 @@
           <p:cNvPr id="3" name="内容占位符 2">
             <a:extLst>
               <a:ext uri="{FF2B5EF4-FFF2-40B4-BE49-F238E27FC236}">
-                <a16:creationId xmlns:a16="http://schemas.microsoft.com/office/drawing/2014/main" xmlns="" id="{A35EE033-A565-4EAD-8FB2-AB0693611C90}"/>
+                <a16:creationId xmlns="" xmlns:a16="http://schemas.microsoft.com/office/drawing/2014/main" id="{A35EE033-A565-4EAD-8FB2-AB0693611C90}"/>
               </a:ext>
             </a:extLst>
           </p:cNvPr>
@@ -5694,13 +5814,22 @@
           </a:bodyPr>
           <a:lstStyle/>
           <a:p>
+            <a:pPr>
+              <a:lnSpc>
+                <a:spcPct val="100000"/>
+              </a:lnSpc>
+            </a:pPr>
             <a:r>
               <a:rPr lang="zh-CN" altLang="en-US" dirty="0"/>
               <a:t>经过测试，如果我们发现网站验证码自身并不存在缺陷，那我们接下来就可以尝试寻找一些其他的登录页面或接口来尝试暴力破解</a:t>
             </a:r>
           </a:p>
           <a:p>
-            <a:pPr lvl="1"/>
+            <a:pPr lvl="1">
+              <a:lnSpc>
+                <a:spcPct val="100000"/>
+              </a:lnSpc>
+            </a:pPr>
             <a:r>
               <a:rPr lang="zh-CN" altLang="en-US" b="1" dirty="0"/>
               <a:t>隐藏的页面</a:t>
@@ -5723,7 +5852,14 @@
             </a:r>
           </a:p>
           <a:p>
-            <a:pPr lvl="1"/>
+            <a:pPr lvl="1">
+              <a:lnSpc>
+                <a:spcPct val="100000"/>
+              </a:lnSpc>
+              <a:spcBef>
+                <a:spcPts val="1200"/>
+              </a:spcBef>
+            </a:pPr>
             <a:r>
               <a:rPr lang="zh-CN" altLang="en-US" b="1" dirty="0"/>
               <a:t>微信公众号、</a:t>
@@ -5831,7 +5967,7 @@
           <p:cNvPr id="2" name="标题 1">
             <a:extLst>
               <a:ext uri="{FF2B5EF4-FFF2-40B4-BE49-F238E27FC236}">
-                <a16:creationId xmlns:a16="http://schemas.microsoft.com/office/drawing/2014/main" xmlns="" id="{553E198E-DBC0-435A-9156-FA2EFFA6583F}"/>
+                <a16:creationId xmlns="" xmlns:a16="http://schemas.microsoft.com/office/drawing/2014/main" id="{553E198E-DBC0-435A-9156-FA2EFFA6583F}"/>
               </a:ext>
             </a:extLst>
           </p:cNvPr>
@@ -5859,7 +5995,7 @@
           <p:cNvPr id="3" name="内容占位符 2">
             <a:extLst>
               <a:ext uri="{FF2B5EF4-FFF2-40B4-BE49-F238E27FC236}">
-                <a16:creationId xmlns:a16="http://schemas.microsoft.com/office/drawing/2014/main" xmlns="" id="{A35EE033-A565-4EAD-8FB2-AB0693611C90}"/>
+                <a16:creationId xmlns="" xmlns:a16="http://schemas.microsoft.com/office/drawing/2014/main" id="{A35EE033-A565-4EAD-8FB2-AB0693611C90}"/>
               </a:ext>
             </a:extLst>
           </p:cNvPr>
@@ -5878,10 +6014,18 @@
         </p:spPr>
         <p:txBody>
           <a:bodyPr>
-            <a:normAutofit/>
+            <a:normAutofit lnSpcReduction="10000"/>
           </a:bodyPr>
           <a:lstStyle/>
           <a:p>
+            <a:pPr>
+              <a:lnSpc>
+                <a:spcPct val="100000"/>
+              </a:lnSpc>
+              <a:spcAft>
+                <a:spcPts val="600"/>
+              </a:spcAft>
+            </a:pPr>
             <a:r>
               <a:rPr lang="zh-CN" altLang="en-US" b="1" dirty="0"/>
               <a:t>万能验证码</a:t>
@@ -5912,6 +6056,14 @@
             </a:r>
           </a:p>
           <a:p>
+            <a:pPr>
+              <a:lnSpc>
+                <a:spcPct val="100000"/>
+              </a:lnSpc>
+              <a:spcAft>
+                <a:spcPts val="600"/>
+              </a:spcAft>
+            </a:pPr>
             <a:r>
               <a:rPr lang="zh-CN" altLang="en-US" b="1" dirty="0"/>
               <a:t>验证码无效</a:t>
@@ -5923,6 +6075,14 @@
             <a:endParaRPr lang="en-US" altLang="zh-CN" dirty="0"/>
           </a:p>
           <a:p>
+            <a:pPr>
+              <a:lnSpc>
+                <a:spcPct val="100000"/>
+              </a:lnSpc>
+              <a:spcAft>
+                <a:spcPts val="600"/>
+              </a:spcAft>
+            </a:pPr>
             <a:r>
               <a:rPr lang="zh-CN" altLang="en-US" b="1" dirty="0"/>
               <a:t>验证码数量有限</a:t>
@@ -5965,6 +6125,120 @@
   <p:clrMapOvr>
     <a:masterClrMapping/>
   </p:clrMapOvr>
+  <p:timing>
+    <p:tnLst>
+      <p:par>
+        <p:cTn id="1" dur="indefinite" restart="never" nodeType="tmRoot"/>
+      </p:par>
+    </p:tnLst>
+  </p:timing>
+</p:sld>
+</file>
+
+<file path=ppt/slides/slide15.xml><?xml version="1.0" encoding="utf-8"?>
+<p:sld xmlns:a="http://schemas.openxmlformats.org/drawingml/2006/main" xmlns:r="http://schemas.openxmlformats.org/officeDocument/2006/relationships" xmlns:p="http://schemas.openxmlformats.org/presentationml/2006/main">
+  <p:cSld>
+    <p:spTree>
+      <p:nvGrpSpPr>
+        <p:cNvPr id="1" name=""/>
+        <p:cNvGrpSpPr/>
+        <p:nvPr/>
+      </p:nvGrpSpPr>
+      <p:grpSpPr>
+        <a:xfrm>
+          <a:off x="0" y="0"/>
+          <a:ext cx="0" cy="0"/>
+          <a:chOff x="0" y="0"/>
+          <a:chExt cx="0" cy="0"/>
+        </a:xfrm>
+      </p:grpSpPr>
+      <p:sp>
+        <p:nvSpPr>
+          <p:cNvPr id="2" name="标题 1">
+            <a:extLst>
+              <a:ext uri="{FF2B5EF4-FFF2-40B4-BE49-F238E27FC236}">
+                <a16:creationId xmlns="" xmlns:a16="http://schemas.microsoft.com/office/drawing/2014/main" id="{D78CBF35-33D6-476E-BD06-FC055E3E727F}"/>
+              </a:ext>
+            </a:extLst>
+          </p:cNvPr>
+          <p:cNvSpPr>
+            <a:spLocks noGrp="1"/>
+          </p:cNvSpPr>
+          <p:nvPr>
+            <p:ph type="ctrTitle"/>
+          </p:nvPr>
+        </p:nvSpPr>
+        <p:spPr>
+          <a:xfrm>
+            <a:off x="1524000" y="1373375"/>
+            <a:ext cx="9144000" cy="2387600"/>
+          </a:xfrm>
+        </p:spPr>
+        <p:txBody>
+          <a:bodyPr/>
+          <a:lstStyle/>
+          <a:p>
+            <a:r>
+              <a:rPr lang="zh-CN" altLang="en-US" dirty="0">
+                <a:hlinkClick r:id="rId3" action="ppaction://hlinkpres?slideindex=1&amp;slidetitle="/>
+              </a:rPr>
+              <a:t>常见登录次数限制机制及绕过方法</a:t>
+            </a:r>
+            <a:endParaRPr lang="en-US" altLang="zh-CN" dirty="0"/>
+          </a:p>
+        </p:txBody>
+      </p:sp>
+      <p:sp>
+        <p:nvSpPr>
+          <p:cNvPr id="3" name="副标题 2">
+            <a:extLst>
+              <a:ext uri="{FF2B5EF4-FFF2-40B4-BE49-F238E27FC236}">
+                <a16:creationId xmlns="" xmlns:a16="http://schemas.microsoft.com/office/drawing/2014/main" id="{918EFB2C-CCE9-4D21-A6AE-5936BD7BEED1}"/>
+              </a:ext>
+            </a:extLst>
+          </p:cNvPr>
+          <p:cNvSpPr>
+            <a:spLocks noGrp="1"/>
+          </p:cNvSpPr>
+          <p:nvPr>
+            <p:ph type="subTitle" idx="1"/>
+          </p:nvPr>
+        </p:nvSpPr>
+        <p:spPr>
+          <a:xfrm>
+            <a:off x="1524000" y="3853050"/>
+            <a:ext cx="9144000" cy="1655762"/>
+          </a:xfrm>
+        </p:spPr>
+        <p:txBody>
+          <a:bodyPr/>
+          <a:lstStyle/>
+          <a:p>
+            <a:r>
+              <a:rPr lang="zh-CN" altLang="en-US" dirty="0" smtClean="0"/>
+              <a:t>朕为你打下江山 组</a:t>
+            </a:r>
+            <a:endParaRPr lang="zh-CN" altLang="en-US" dirty="0"/>
+          </a:p>
+        </p:txBody>
+      </p:sp>
+    </p:spTree>
+    <p:extLst>
+      <p:ext uri="{BB962C8B-B14F-4D97-AF65-F5344CB8AC3E}">
+        <p14:creationId xmlns:p14="http://schemas.microsoft.com/office/powerpoint/2010/main" val="2646136576"/>
+      </p:ext>
+    </p:extLst>
+  </p:cSld>
+  <p:clrMapOvr>
+    <a:masterClrMapping/>
+  </p:clrMapOvr>
+  <p:timing>
+    <p:tnLst>
+      <p:par>
+        <p:cTn id="1" dur="indefinite" restart="never" nodeType="tmRoot"/>
+      </p:par>
+    </p:tnLst>
+  </p:timing>
 </p:sld>
 </file>
 
@@ -5990,7 +6264,7 @@
           <p:cNvPr id="2" name="标题 1">
             <a:extLst>
               <a:ext uri="{FF2B5EF4-FFF2-40B4-BE49-F238E27FC236}">
-                <a16:creationId xmlns:a16="http://schemas.microsoft.com/office/drawing/2014/main" xmlns="" id="{19C67D63-5CD8-483F-8FFA-F3D36AC01214}"/>
+                <a16:creationId xmlns="" xmlns:a16="http://schemas.microsoft.com/office/drawing/2014/main" id="{19C67D63-5CD8-483F-8FFA-F3D36AC01214}"/>
               </a:ext>
             </a:extLst>
           </p:cNvPr>
@@ -6018,7 +6292,7 @@
           <p:cNvPr id="3" name="内容占位符 2">
             <a:extLst>
               <a:ext uri="{FF2B5EF4-FFF2-40B4-BE49-F238E27FC236}">
-                <a16:creationId xmlns:a16="http://schemas.microsoft.com/office/drawing/2014/main" xmlns="" id="{FD70730F-314A-462B-80CF-1A51B3A12DB8}"/>
+                <a16:creationId xmlns="" xmlns:a16="http://schemas.microsoft.com/office/drawing/2014/main" id="{FD70730F-314A-462B-80CF-1A51B3A12DB8}"/>
               </a:ext>
             </a:extLst>
           </p:cNvPr>
@@ -6029,7 +6303,12 @@
             <p:ph idx="1"/>
           </p:nvPr>
         </p:nvSpPr>
-        <p:spPr/>
+        <p:spPr>
+          <a:xfrm>
+            <a:off x="838200" y="1536602"/>
+            <a:ext cx="10515600" cy="4351338"/>
+          </a:xfrm>
+        </p:spPr>
         <p:txBody>
           <a:bodyPr>
             <a:normAutofit/>
@@ -6043,21 +6322,29 @@
             <a:endParaRPr lang="en-US" altLang="zh-CN" dirty="0"/>
           </a:p>
           <a:p>
-            <a:pPr lvl="1"/>
+            <a:pPr lvl="1">
+              <a:lnSpc>
+                <a:spcPct val="125000"/>
+              </a:lnSpc>
+            </a:pPr>
             <a:r>
               <a:rPr lang="zh-CN" altLang="en-US" dirty="0"/>
               <a:t>全称是全自动区分计算机和人类的图灵测试</a:t>
             </a:r>
             <a:r>
               <a:rPr lang="en-US" altLang="zh-CN" dirty="0"/>
-              <a:t>( Completely Automated Public Turing test to tell Computers and Humans Apart</a:t>
-            </a:r>
-            <a:r>
-              <a:rPr lang="zh-CN" altLang="en-US" dirty="0"/>
+              <a:t>( </a:t>
+            </a:r>
+            <a:r>
+              <a:rPr lang="en-US" altLang="zh-CN" sz="2000" dirty="0"/>
+              <a:t>Completely Automated Public Turing test to tell Computers and Humans Apart</a:t>
+            </a:r>
+            <a:r>
+              <a:rPr lang="zh-CN" altLang="en-US" sz="2000" dirty="0"/>
               <a:t>，</a:t>
             </a:r>
             <a:r>
-              <a:rPr lang="en-US" altLang="zh-CN" b="1" dirty="0"/>
+              <a:rPr lang="en-US" altLang="zh-CN" sz="2000" b="1" dirty="0"/>
               <a:t>CAPTCHA</a:t>
             </a:r>
             <a:r>
@@ -6066,7 +6353,11 @@
             </a:r>
           </a:p>
           <a:p>
-            <a:pPr lvl="1"/>
+            <a:pPr lvl="1">
+              <a:lnSpc>
+                <a:spcPct val="125000"/>
+              </a:lnSpc>
+            </a:pPr>
             <a:r>
               <a:rPr lang="zh-CN" altLang="en-US" b="1" dirty="0">
                 <a:solidFill>
@@ -6102,14 +6393,19 @@
             <a:endParaRPr lang="en-US" altLang="zh-CN" dirty="0"/>
           </a:p>
           <a:p>
-            <a:pPr lvl="1"/>
-            <a:r>
-              <a:rPr lang="zh-CN" altLang="en-US" dirty="0"/>
-              <a:t>一种标准的安全机制，主要作用于防御恶意的网络机器人程序 </a:t>
-            </a:r>
-            <a:br>
-              <a:rPr lang="zh-CN" altLang="en-US" dirty="0"/>
-            </a:br>
+            <a:pPr lvl="1">
+              <a:lnSpc>
+                <a:spcPct val="125000"/>
+              </a:lnSpc>
+            </a:pPr>
+            <a:r>
+              <a:rPr lang="zh-CN" altLang="en-US" dirty="0"/>
+              <a:t>一种标准的安全机制，主要作用于防御恶意的网络机器人</a:t>
+            </a:r>
+            <a:r>
+              <a:rPr lang="zh-CN" altLang="en-US" dirty="0" smtClean="0"/>
+              <a:t>程序</a:t>
+            </a:r>
             <a:endParaRPr lang="en-US" altLang="zh-CN" dirty="0"/>
           </a:p>
           <a:p>
@@ -6131,7 +6427,7 @@
           <p:cNvPr id="5" name="图片 4">
             <a:extLst>
               <a:ext uri="{FF2B5EF4-FFF2-40B4-BE49-F238E27FC236}">
-                <a16:creationId xmlns:a16="http://schemas.microsoft.com/office/drawing/2014/main" xmlns="" id="{F35264CE-2067-4081-A2B8-33C5118F5D1E}"/>
+                <a16:creationId xmlns="" xmlns:a16="http://schemas.microsoft.com/office/drawing/2014/main" id="{F35264CE-2067-4081-A2B8-33C5118F5D1E}"/>
               </a:ext>
             </a:extLst>
           </p:cNvPr>
@@ -6161,7 +6457,7 @@
           <p:cNvPr id="6" name="文本框 5">
             <a:extLst>
               <a:ext uri="{FF2B5EF4-FFF2-40B4-BE49-F238E27FC236}">
-                <a16:creationId xmlns:a16="http://schemas.microsoft.com/office/drawing/2014/main" xmlns="" id="{6C464AA5-4A88-4F84-BD48-17E5A59EDB86}"/>
+                <a16:creationId xmlns="" xmlns:a16="http://schemas.microsoft.com/office/drawing/2014/main" id="{6C464AA5-4A88-4F84-BD48-17E5A59EDB86}"/>
               </a:ext>
             </a:extLst>
           </p:cNvPr>
@@ -6185,7 +6481,10 @@
           <a:lstStyle/>
           <a:p>
             <a:r>
-              <a:rPr lang="zh-CN" altLang="en-US" dirty="0"/>
+              <a:rPr lang="zh-CN" altLang="en-US" dirty="0">
+                <a:latin typeface="微软雅黑" panose="020B0503020204020204" pitchFamily="34" charset="-122"/>
+                <a:ea typeface="微软雅黑" panose="020B0503020204020204" pitchFamily="34" charset="-122"/>
+              </a:rPr>
               <a:t>图形验证码</a:t>
             </a:r>
           </a:p>
@@ -6196,7 +6495,7 @@
           <p:cNvPr id="7" name="图片 6">
             <a:extLst>
               <a:ext uri="{FF2B5EF4-FFF2-40B4-BE49-F238E27FC236}">
-                <a16:creationId xmlns:a16="http://schemas.microsoft.com/office/drawing/2014/main" xmlns="" id="{2878F6F0-9E82-42AA-A886-160478CE9B3D}"/>
+                <a16:creationId xmlns="" xmlns:a16="http://schemas.microsoft.com/office/drawing/2014/main" id="{2878F6F0-9E82-42AA-A886-160478CE9B3D}"/>
               </a:ext>
             </a:extLst>
           </p:cNvPr>
@@ -6226,7 +6525,7 @@
           <p:cNvPr id="9" name="文本框 8">
             <a:extLst>
               <a:ext uri="{FF2B5EF4-FFF2-40B4-BE49-F238E27FC236}">
-                <a16:creationId xmlns:a16="http://schemas.microsoft.com/office/drawing/2014/main" xmlns="" id="{AB252312-B57C-406A-A789-B6BB078E1182}"/>
+                <a16:creationId xmlns="" xmlns:a16="http://schemas.microsoft.com/office/drawing/2014/main" id="{AB252312-B57C-406A-A789-B6BB078E1182}"/>
               </a:ext>
             </a:extLst>
           </p:cNvPr>
@@ -6250,7 +6549,10 @@
           <a:lstStyle/>
           <a:p>
             <a:r>
-              <a:rPr lang="zh-CN" altLang="en-US" dirty="0"/>
+              <a:rPr lang="zh-CN" altLang="en-US" dirty="0">
+                <a:latin typeface="微软雅黑" panose="020B0503020204020204" pitchFamily="34" charset="-122"/>
+                <a:ea typeface="微软雅黑" panose="020B0503020204020204" pitchFamily="34" charset="-122"/>
+              </a:rPr>
               <a:t>短信验证码</a:t>
             </a:r>
           </a:p>
@@ -6261,7 +6563,7 @@
           <p:cNvPr id="4098" name="Picture 2">
             <a:extLst>
               <a:ext uri="{FF2B5EF4-FFF2-40B4-BE49-F238E27FC236}">
-                <a16:creationId xmlns:a16="http://schemas.microsoft.com/office/drawing/2014/main" xmlns="" id="{3C2C67ED-039D-4293-A718-CC3050D24C19}"/>
+                <a16:creationId xmlns="" xmlns:a16="http://schemas.microsoft.com/office/drawing/2014/main" id="{3C2C67ED-039D-4293-A718-CC3050D24C19}"/>
               </a:ext>
             </a:extLst>
           </p:cNvPr>
@@ -6306,7 +6608,7 @@
           <p:cNvPr id="11" name="文本框 10">
             <a:extLst>
               <a:ext uri="{FF2B5EF4-FFF2-40B4-BE49-F238E27FC236}">
-                <a16:creationId xmlns:a16="http://schemas.microsoft.com/office/drawing/2014/main" xmlns="" id="{AE5E81B9-5140-4CA8-93B0-DC9C6F675713}"/>
+                <a16:creationId xmlns="" xmlns:a16="http://schemas.microsoft.com/office/drawing/2014/main" id="{AE5E81B9-5140-4CA8-93B0-DC9C6F675713}"/>
               </a:ext>
             </a:extLst>
           </p:cNvPr>
@@ -6330,7 +6632,10 @@
           <a:lstStyle/>
           <a:p>
             <a:r>
-              <a:rPr lang="zh-CN" altLang="en-US" dirty="0"/>
+              <a:rPr lang="zh-CN" altLang="en-US" dirty="0">
+                <a:latin typeface="微软雅黑" panose="020B0503020204020204" pitchFamily="34" charset="-122"/>
+                <a:ea typeface="微软雅黑" panose="020B0503020204020204" pitchFamily="34" charset="-122"/>
+              </a:rPr>
               <a:t>语音验证码</a:t>
             </a:r>
           </a:p>
@@ -6341,7 +6646,7 @@
           <p:cNvPr id="4102" name="Picture 6">
             <a:extLst>
               <a:ext uri="{FF2B5EF4-FFF2-40B4-BE49-F238E27FC236}">
-                <a16:creationId xmlns:a16="http://schemas.microsoft.com/office/drawing/2014/main" xmlns="" id="{3E5C4409-11F1-4A42-868A-DFB2315B6F31}"/>
+                <a16:creationId xmlns="" xmlns:a16="http://schemas.microsoft.com/office/drawing/2014/main" id="{3E5C4409-11F1-4A42-868A-DFB2315B6F31}"/>
               </a:ext>
             </a:extLst>
           </p:cNvPr>
@@ -6388,7 +6693,7 @@
           <p:cNvPr id="14" name="文本框 13">
             <a:extLst>
               <a:ext uri="{FF2B5EF4-FFF2-40B4-BE49-F238E27FC236}">
-                <a16:creationId xmlns:a16="http://schemas.microsoft.com/office/drawing/2014/main" xmlns="" id="{9C4E49EB-D48B-4BFC-9DAB-D8BBC07B85F1}"/>
+                <a16:creationId xmlns="" xmlns:a16="http://schemas.microsoft.com/office/drawing/2014/main" id="{9C4E49EB-D48B-4BFC-9DAB-D8BBC07B85F1}"/>
               </a:ext>
             </a:extLst>
           </p:cNvPr>
@@ -6412,7 +6717,10 @@
           <a:lstStyle/>
           <a:p>
             <a:r>
-              <a:rPr lang="zh-CN" altLang="en-US" dirty="0"/>
+              <a:rPr lang="zh-CN" altLang="en-US" dirty="0">
+                <a:latin typeface="微软雅黑" panose="020B0503020204020204" pitchFamily="34" charset="-122"/>
+                <a:ea typeface="微软雅黑" panose="020B0503020204020204" pitchFamily="34" charset="-122"/>
+              </a:rPr>
               <a:t>滑块验证码</a:t>
             </a:r>
           </a:p>
@@ -6453,7 +6761,7 @@
           <p:cNvPr id="2" name="标题 1">
             <a:extLst>
               <a:ext uri="{FF2B5EF4-FFF2-40B4-BE49-F238E27FC236}">
-                <a16:creationId xmlns:a16="http://schemas.microsoft.com/office/drawing/2014/main" xmlns="" id="{19C67D63-5CD8-483F-8FFA-F3D36AC01214}"/>
+                <a16:creationId xmlns="" xmlns:a16="http://schemas.microsoft.com/office/drawing/2014/main" id="{19C67D63-5CD8-483F-8FFA-F3D36AC01214}"/>
               </a:ext>
             </a:extLst>
           </p:cNvPr>
@@ -6481,7 +6789,7 @@
           <p:cNvPr id="3" name="内容占位符 2">
             <a:extLst>
               <a:ext uri="{FF2B5EF4-FFF2-40B4-BE49-F238E27FC236}">
-                <a16:creationId xmlns:a16="http://schemas.microsoft.com/office/drawing/2014/main" xmlns="" id="{FD70730F-314A-462B-80CF-1A51B3A12DB8}"/>
+                <a16:creationId xmlns="" xmlns:a16="http://schemas.microsoft.com/office/drawing/2014/main" id="{FD70730F-314A-462B-80CF-1A51B3A12DB8}"/>
               </a:ext>
             </a:extLst>
           </p:cNvPr>
@@ -6584,7 +6892,7 @@
           <p:cNvPr id="1026" name="Picture 2">
             <a:extLst>
               <a:ext uri="{FF2B5EF4-FFF2-40B4-BE49-F238E27FC236}">
-                <a16:creationId xmlns:a16="http://schemas.microsoft.com/office/drawing/2014/main" xmlns="" id="{37C57063-A680-47AB-A78B-A31A8DC35ACA}"/>
+                <a16:creationId xmlns="" xmlns:a16="http://schemas.microsoft.com/office/drawing/2014/main" id="{37C57063-A680-47AB-A78B-A31A8DC35ACA}"/>
               </a:ext>
             </a:extLst>
           </p:cNvPr>
@@ -6631,7 +6939,7 @@
           <p:cNvPr id="4" name="文本框 3">
             <a:extLst>
               <a:ext uri="{FF2B5EF4-FFF2-40B4-BE49-F238E27FC236}">
-                <a16:creationId xmlns:a16="http://schemas.microsoft.com/office/drawing/2014/main" xmlns="" id="{E0EAB947-6893-4AF7-80DD-63BF1FB694B0}"/>
+                <a16:creationId xmlns="" xmlns:a16="http://schemas.microsoft.com/office/drawing/2014/main" id="{E0EAB947-6893-4AF7-80DD-63BF1FB694B0}"/>
               </a:ext>
             </a:extLst>
           </p:cNvPr>
@@ -6656,8 +6964,8 @@
           <a:p>
             <a:r>
               <a:rPr lang="zh-CN" altLang="en-US" dirty="0">
-                <a:latin typeface="Microsoft YaHei UI" panose="020B0503020204020204" pitchFamily="34" charset="-122"/>
-                <a:ea typeface="Microsoft YaHei UI" panose="020B0503020204020204" pitchFamily="34" charset="-122"/>
+                <a:latin typeface="微软雅黑" panose="020B0503020204020204" pitchFamily="34" charset="-122"/>
+                <a:ea typeface="微软雅黑" panose="020B0503020204020204" pitchFamily="34" charset="-122"/>
               </a:rPr>
               <a:t>用户使用免费邮箱</a:t>
             </a:r>
@@ -6669,7 +6977,7 @@
           <p:cNvPr id="6" name="图片 5">
             <a:extLst>
               <a:ext uri="{FF2B5EF4-FFF2-40B4-BE49-F238E27FC236}">
-                <a16:creationId xmlns:a16="http://schemas.microsoft.com/office/drawing/2014/main" xmlns="" id="{59292B2B-CA35-40C5-B331-5FF0F2A53EAC}"/>
+                <a16:creationId xmlns="" xmlns:a16="http://schemas.microsoft.com/office/drawing/2014/main" id="{59292B2B-CA35-40C5-B331-5FF0F2A53EAC}"/>
               </a:ext>
             </a:extLst>
           </p:cNvPr>
@@ -6699,7 +7007,7 @@
           <p:cNvPr id="9" name="文本框 8">
             <a:extLst>
               <a:ext uri="{FF2B5EF4-FFF2-40B4-BE49-F238E27FC236}">
-                <a16:creationId xmlns:a16="http://schemas.microsoft.com/office/drawing/2014/main" xmlns="" id="{BDB5E4A9-AC96-4450-8C8A-06FB6873C913}"/>
+                <a16:creationId xmlns="" xmlns:a16="http://schemas.microsoft.com/office/drawing/2014/main" id="{BDB5E4A9-AC96-4450-8C8A-06FB6873C913}"/>
               </a:ext>
             </a:extLst>
           </p:cNvPr>
@@ -6725,8 +7033,8 @@
             <a:pPr algn="ctr"/>
             <a:r>
               <a:rPr lang="zh-CN" altLang="en-US" dirty="0">
-                <a:latin typeface="Microsoft YaHei UI" panose="020B0503020204020204" pitchFamily="34" charset="-122"/>
-                <a:ea typeface="Microsoft YaHei UI" panose="020B0503020204020204" pitchFamily="34" charset="-122"/>
+                <a:latin typeface="微软雅黑" panose="020B0503020204020204" pitchFamily="34" charset="-122"/>
+                <a:ea typeface="微软雅黑" panose="020B0503020204020204" pitchFamily="34" charset="-122"/>
               </a:rPr>
               <a:t>垃圾邮件（广告等）</a:t>
             </a:r>
@@ -6738,7 +7046,7 @@
           <p:cNvPr id="7" name="箭头: 左 6">
             <a:extLst>
               <a:ext uri="{FF2B5EF4-FFF2-40B4-BE49-F238E27FC236}">
-                <a16:creationId xmlns:a16="http://schemas.microsoft.com/office/drawing/2014/main" xmlns="" id="{43732E33-C8A2-48CE-A375-CE2874FF3D81}"/>
+                <a16:creationId xmlns="" xmlns:a16="http://schemas.microsoft.com/office/drawing/2014/main" id="{43732E33-C8A2-48CE-A375-CE2874FF3D81}"/>
               </a:ext>
             </a:extLst>
           </p:cNvPr>
@@ -6783,7 +7091,10 @@
           <a:lstStyle/>
           <a:p>
             <a:pPr algn="ctr"/>
-            <a:endParaRPr lang="zh-CN" altLang="en-US"/>
+            <a:endParaRPr lang="zh-CN" altLang="en-US" dirty="0">
+              <a:latin typeface="微软雅黑" panose="020B0503020204020204" pitchFamily="34" charset="-122"/>
+              <a:ea typeface="微软雅黑" panose="020B0503020204020204" pitchFamily="34" charset="-122"/>
+            </a:endParaRPr>
           </a:p>
         </p:txBody>
       </p:sp>
@@ -6792,7 +7103,7 @@
           <p:cNvPr id="11" name="文本框 10">
             <a:extLst>
               <a:ext uri="{FF2B5EF4-FFF2-40B4-BE49-F238E27FC236}">
-                <a16:creationId xmlns:a16="http://schemas.microsoft.com/office/drawing/2014/main" xmlns="" id="{9FA9B1F5-29E4-4922-BAB0-E42FA4FF0E0C}"/>
+                <a16:creationId xmlns="" xmlns:a16="http://schemas.microsoft.com/office/drawing/2014/main" id="{9FA9B1F5-29E4-4922-BAB0-E42FA4FF0E0C}"/>
               </a:ext>
             </a:extLst>
           </p:cNvPr>
@@ -6821,8 +7132,8 @@
                 <a:solidFill>
                   <a:srgbClr val="FF0000"/>
                 </a:solidFill>
-                <a:latin typeface="Microsoft YaHei UI" panose="020B0503020204020204" pitchFamily="34" charset="-122"/>
-                <a:ea typeface="Microsoft YaHei UI" panose="020B0503020204020204" pitchFamily="34" charset="-122"/>
+                <a:latin typeface="微软雅黑" panose="020B0503020204020204" pitchFamily="34" charset="-122"/>
+                <a:ea typeface="微软雅黑" panose="020B0503020204020204" pitchFamily="34" charset="-122"/>
               </a:rPr>
               <a:t>自动轰炸</a:t>
             </a:r>
@@ -6834,7 +7145,7 @@
           <p:cNvPr id="8" name="乘号 7">
             <a:extLst>
               <a:ext uri="{FF2B5EF4-FFF2-40B4-BE49-F238E27FC236}">
-                <a16:creationId xmlns:a16="http://schemas.microsoft.com/office/drawing/2014/main" xmlns="" id="{990A8CEE-9D5B-4AB8-9E5A-10C5E2F23E7F}"/>
+                <a16:creationId xmlns="" xmlns:a16="http://schemas.microsoft.com/office/drawing/2014/main" id="{990A8CEE-9D5B-4AB8-9E5A-10C5E2F23E7F}"/>
               </a:ext>
             </a:extLst>
           </p:cNvPr>
@@ -6876,7 +7187,10 @@
           <a:lstStyle/>
           <a:p>
             <a:pPr algn="ctr"/>
-            <a:endParaRPr lang="zh-CN" altLang="en-US"/>
+            <a:endParaRPr lang="zh-CN" altLang="en-US" dirty="0">
+              <a:latin typeface="微软雅黑" panose="020B0503020204020204" pitchFamily="34" charset="-122"/>
+              <a:ea typeface="微软雅黑" panose="020B0503020204020204" pitchFamily="34" charset="-122"/>
+            </a:endParaRPr>
           </a:p>
         </p:txBody>
       </p:sp>
@@ -6885,7 +7199,7 @@
           <p:cNvPr id="13" name="文本框 12">
             <a:extLst>
               <a:ext uri="{FF2B5EF4-FFF2-40B4-BE49-F238E27FC236}">
-                <a16:creationId xmlns:a16="http://schemas.microsoft.com/office/drawing/2014/main" xmlns="" id="{78B30DB5-1923-4620-A06F-61D93DBB394F}"/>
+                <a16:creationId xmlns="" xmlns:a16="http://schemas.microsoft.com/office/drawing/2014/main" id="{78B30DB5-1923-4620-A06F-61D93DBB394F}"/>
               </a:ext>
             </a:extLst>
           </p:cNvPr>
@@ -6914,8 +7228,8 @@
                 <a:solidFill>
                   <a:srgbClr val="92D050"/>
                 </a:solidFill>
-                <a:latin typeface="Microsoft YaHei UI" panose="020B0503020204020204" pitchFamily="34" charset="-122"/>
-                <a:ea typeface="Microsoft YaHei UI" panose="020B0503020204020204" pitchFamily="34" charset="-122"/>
+                <a:latin typeface="微软雅黑" panose="020B0503020204020204" pitchFamily="34" charset="-122"/>
+                <a:ea typeface="微软雅黑" panose="020B0503020204020204" pitchFamily="34" charset="-122"/>
               </a:rPr>
               <a:t>验证码</a:t>
             </a:r>
@@ -6927,7 +7241,7 @@
           <p:cNvPr id="14" name="矩形 13">
             <a:extLst>
               <a:ext uri="{FF2B5EF4-FFF2-40B4-BE49-F238E27FC236}">
-                <a16:creationId xmlns:a16="http://schemas.microsoft.com/office/drawing/2014/main" xmlns="" id="{E441DE42-C5AE-4FA1-BFDC-4F93B3077AE7}"/>
+                <a16:creationId xmlns="" xmlns:a16="http://schemas.microsoft.com/office/drawing/2014/main" id="{E441DE42-C5AE-4FA1-BFDC-4F93B3077AE7}"/>
               </a:ext>
             </a:extLst>
           </p:cNvPr>
@@ -6955,73 +7269,85 @@
             </a:pPr>
             <a:r>
               <a:rPr lang="en-US" altLang="zh-CN" sz="2400" dirty="0">
-                <a:latin typeface="+mn-ea"/>
+                <a:latin typeface="微软雅黑" panose="020B0503020204020204" pitchFamily="34" charset="-122"/>
+                <a:ea typeface="微软雅黑" panose="020B0503020204020204" pitchFamily="34" charset="-122"/>
               </a:rPr>
               <a:t> 2000</a:t>
             </a:r>
             <a:r>
               <a:rPr lang="zh-CN" altLang="en-US" sz="2400" dirty="0">
-                <a:latin typeface="+mn-ea"/>
+                <a:latin typeface="微软雅黑" panose="020B0503020204020204" pitchFamily="34" charset="-122"/>
+                <a:ea typeface="微软雅黑" panose="020B0503020204020204" pitchFamily="34" charset="-122"/>
               </a:rPr>
               <a:t>年：</a:t>
             </a:r>
             <a:r>
               <a:rPr lang="en-US" altLang="zh-CN" sz="2400" dirty="0">
-                <a:latin typeface="+mn-ea"/>
+                <a:latin typeface="微软雅黑" panose="020B0503020204020204" pitchFamily="34" charset="-122"/>
+                <a:ea typeface="微软雅黑" panose="020B0503020204020204" pitchFamily="34" charset="-122"/>
               </a:rPr>
               <a:t>CMU</a:t>
             </a:r>
             <a:r>
               <a:rPr lang="zh-CN" altLang="en-US" sz="2400" dirty="0">
-                <a:latin typeface="+mn-ea"/>
+                <a:latin typeface="微软雅黑" panose="020B0503020204020204" pitchFamily="34" charset="-122"/>
+                <a:ea typeface="微软雅黑" panose="020B0503020204020204" pitchFamily="34" charset="-122"/>
               </a:rPr>
               <a:t>的 </a:t>
             </a:r>
             <a:r>
               <a:rPr lang="en-US" altLang="zh-CN" sz="2400" dirty="0">
-                <a:latin typeface="+mn-ea"/>
+                <a:latin typeface="微软雅黑" panose="020B0503020204020204" pitchFamily="34" charset="-122"/>
+                <a:ea typeface="微软雅黑" panose="020B0503020204020204" pitchFamily="34" charset="-122"/>
               </a:rPr>
               <a:t>Luis von </a:t>
             </a:r>
             <a:r>
               <a:rPr lang="en-US" altLang="zh-CN" sz="2400" dirty="0" err="1">
-                <a:latin typeface="+mn-ea"/>
+                <a:latin typeface="微软雅黑" panose="020B0503020204020204" pitchFamily="34" charset="-122"/>
+                <a:ea typeface="微软雅黑" panose="020B0503020204020204" pitchFamily="34" charset="-122"/>
               </a:rPr>
               <a:t>Ahn</a:t>
             </a:r>
             <a:r>
               <a:rPr lang="en-US" altLang="zh-CN" sz="2400" dirty="0">
-                <a:latin typeface="+mn-ea"/>
+                <a:latin typeface="微软雅黑" panose="020B0503020204020204" pitchFamily="34" charset="-122"/>
+                <a:ea typeface="微软雅黑" panose="020B0503020204020204" pitchFamily="34" charset="-122"/>
               </a:rPr>
               <a:t> </a:t>
             </a:r>
             <a:r>
               <a:rPr lang="zh-CN" altLang="en-US" sz="2400" dirty="0">
-                <a:latin typeface="+mn-ea"/>
+                <a:latin typeface="微软雅黑" panose="020B0503020204020204" pitchFamily="34" charset="-122"/>
+                <a:ea typeface="微软雅黑" panose="020B0503020204020204" pitchFamily="34" charset="-122"/>
               </a:rPr>
               <a:t>等人使用 </a:t>
             </a:r>
             <a:r>
               <a:rPr lang="en-US" altLang="zh-CN" sz="2400" dirty="0">
-                <a:latin typeface="+mn-ea"/>
+                <a:latin typeface="微软雅黑" panose="020B0503020204020204" pitchFamily="34" charset="-122"/>
+                <a:ea typeface="微软雅黑" panose="020B0503020204020204" pitchFamily="34" charset="-122"/>
               </a:rPr>
               <a:t>Gimpy </a:t>
             </a:r>
             <a:r>
               <a:rPr lang="zh-CN" altLang="en-US" sz="2400" dirty="0">
-                <a:latin typeface="+mn-ea"/>
+                <a:latin typeface="微软雅黑" panose="020B0503020204020204" pitchFamily="34" charset="-122"/>
+                <a:ea typeface="微软雅黑" panose="020B0503020204020204" pitchFamily="34" charset="-122"/>
               </a:rPr>
               <a:t>机制来防范 </a:t>
             </a:r>
             <a:r>
               <a:rPr lang="en-US" altLang="zh-CN" sz="2400" dirty="0">
-                <a:latin typeface="+mn-ea"/>
+                <a:latin typeface="微软雅黑" panose="020B0503020204020204" pitchFamily="34" charset="-122"/>
+                <a:ea typeface="微软雅黑" panose="020B0503020204020204" pitchFamily="34" charset="-122"/>
               </a:rPr>
               <a:t>Yahoo </a:t>
             </a:r>
             <a:r>
               <a:rPr lang="zh-CN" altLang="en-US" sz="2400" dirty="0">
-                <a:latin typeface="+mn-ea"/>
+                <a:latin typeface="微软雅黑" panose="020B0503020204020204" pitchFamily="34" charset="-122"/>
+                <a:ea typeface="微软雅黑" panose="020B0503020204020204" pitchFamily="34" charset="-122"/>
               </a:rPr>
               <a:t>聊天室中恶意计算机程序自动发布垃圾广告信息的问题，</a:t>
             </a:r>
@@ -7030,7 +7356,8 @@
                 <a:solidFill>
                   <a:srgbClr val="FF0000"/>
                 </a:solidFill>
-                <a:latin typeface="+mn-ea"/>
+                <a:latin typeface="微软雅黑" panose="020B0503020204020204" pitchFamily="34" charset="-122"/>
+                <a:ea typeface="微软雅黑" panose="020B0503020204020204" pitchFamily="34" charset="-122"/>
               </a:rPr>
               <a:t>首次提出了验证码的概念</a:t>
             </a:r>
@@ -7038,7 +7365,8 @@
               <a:solidFill>
                 <a:srgbClr val="FF0000"/>
               </a:solidFill>
-              <a:latin typeface="+mn-ea"/>
+              <a:latin typeface="微软雅黑" panose="020B0503020204020204" pitchFamily="34" charset="-122"/>
+              <a:ea typeface="微软雅黑" panose="020B0503020204020204" pitchFamily="34" charset="-122"/>
             </a:endParaRPr>
           </a:p>
         </p:txBody>
@@ -7048,7 +7376,7 @@
           <p:cNvPr id="17" name="文本框 16">
             <a:extLst>
               <a:ext uri="{FF2B5EF4-FFF2-40B4-BE49-F238E27FC236}">
-                <a16:creationId xmlns:a16="http://schemas.microsoft.com/office/drawing/2014/main" xmlns="" id="{6493C4B2-18D5-4FC9-A501-1ADD07F9867E}"/>
+                <a16:creationId xmlns="" xmlns:a16="http://schemas.microsoft.com/office/drawing/2014/main" id="{6493C4B2-18D5-4FC9-A501-1ADD07F9867E}"/>
               </a:ext>
             </a:extLst>
           </p:cNvPr>
@@ -7077,8 +7405,8 @@
                 <a:solidFill>
                   <a:srgbClr val="00B050"/>
                 </a:solidFill>
-                <a:latin typeface="Microsoft YaHei UI" panose="020B0503020204020204" pitchFamily="34" charset="-122"/>
-                <a:ea typeface="Microsoft YaHei UI" panose="020B0503020204020204" pitchFamily="34" charset="-122"/>
+                <a:latin typeface="微软雅黑" panose="020B0503020204020204" pitchFamily="34" charset="-122"/>
+                <a:ea typeface="微软雅黑" panose="020B0503020204020204" pitchFamily="34" charset="-122"/>
               </a:rPr>
               <a:t>区别是人还是机器？</a:t>
             </a:r>
@@ -7120,7 +7448,7 @@
           <p:cNvPr id="2" name="标题 1">
             <a:extLst>
               <a:ext uri="{FF2B5EF4-FFF2-40B4-BE49-F238E27FC236}">
-                <a16:creationId xmlns:a16="http://schemas.microsoft.com/office/drawing/2014/main" xmlns="" id="{19C67D63-5CD8-483F-8FFA-F3D36AC01214}"/>
+                <a16:creationId xmlns="" xmlns:a16="http://schemas.microsoft.com/office/drawing/2014/main" id="{19C67D63-5CD8-483F-8FFA-F3D36AC01214}"/>
               </a:ext>
             </a:extLst>
           </p:cNvPr>
@@ -7148,7 +7476,7 @@
           <p:cNvPr id="3" name="内容占位符 2">
             <a:extLst>
               <a:ext uri="{FF2B5EF4-FFF2-40B4-BE49-F238E27FC236}">
-                <a16:creationId xmlns:a16="http://schemas.microsoft.com/office/drawing/2014/main" xmlns="" id="{FD70730F-314A-462B-80CF-1A51B3A12DB8}"/>
+                <a16:creationId xmlns="" xmlns:a16="http://schemas.microsoft.com/office/drawing/2014/main" id="{FD70730F-314A-462B-80CF-1A51B3A12DB8}"/>
               </a:ext>
             </a:extLst>
           </p:cNvPr>
@@ -7179,7 +7507,7 @@
           <p:cNvPr id="2050" name="Picture 2">
             <a:extLst>
               <a:ext uri="{FF2B5EF4-FFF2-40B4-BE49-F238E27FC236}">
-                <a16:creationId xmlns:a16="http://schemas.microsoft.com/office/drawing/2014/main" xmlns="" id="{0C1CDF0E-5157-46A9-95CC-35F78C72EF4A}"/>
+                <a16:creationId xmlns="" xmlns:a16="http://schemas.microsoft.com/office/drawing/2014/main" id="{0C1CDF0E-5157-46A9-95CC-35F78C72EF4A}"/>
               </a:ext>
             </a:extLst>
           </p:cNvPr>
@@ -7226,7 +7554,7 @@
           <p:cNvPr id="4" name="图片 3">
             <a:extLst>
               <a:ext uri="{FF2B5EF4-FFF2-40B4-BE49-F238E27FC236}">
-                <a16:creationId xmlns:a16="http://schemas.microsoft.com/office/drawing/2014/main" xmlns="" id="{E5114EA4-9AF3-4D5E-A4F2-E080AEC26F68}"/>
+                <a16:creationId xmlns="" xmlns:a16="http://schemas.microsoft.com/office/drawing/2014/main" id="{E5114EA4-9AF3-4D5E-A4F2-E080AEC26F68}"/>
               </a:ext>
             </a:extLst>
           </p:cNvPr>
@@ -7255,7 +7583,7 @@
           <p:cNvPr id="6" name="图片 5">
             <a:extLst>
               <a:ext uri="{FF2B5EF4-FFF2-40B4-BE49-F238E27FC236}">
-                <a16:creationId xmlns:a16="http://schemas.microsoft.com/office/drawing/2014/main" xmlns="" id="{F33F0335-6D17-45B7-9DCF-5A61B7D4862D}"/>
+                <a16:creationId xmlns="" xmlns:a16="http://schemas.microsoft.com/office/drawing/2014/main" id="{F33F0335-6D17-45B7-9DCF-5A61B7D4862D}"/>
               </a:ext>
             </a:extLst>
           </p:cNvPr>
@@ -7285,7 +7613,7 @@
           <p:cNvPr id="8" name="文本框 7">
             <a:extLst>
               <a:ext uri="{FF2B5EF4-FFF2-40B4-BE49-F238E27FC236}">
-                <a16:creationId xmlns:a16="http://schemas.microsoft.com/office/drawing/2014/main" xmlns="" id="{8F4A55C8-1625-480E-8DDD-DF825FBD6237}"/>
+                <a16:creationId xmlns="" xmlns:a16="http://schemas.microsoft.com/office/drawing/2014/main" id="{8F4A55C8-1625-480E-8DDD-DF825FBD6237}"/>
               </a:ext>
             </a:extLst>
           </p:cNvPr>
@@ -7310,14 +7638,14 @@
           <a:p>
             <a:r>
               <a:rPr lang="zh-CN" altLang="en-US" dirty="0">
-                <a:latin typeface="Microsoft YaHei UI" panose="020B0503020204020204" pitchFamily="34" charset="-122"/>
-                <a:ea typeface="Microsoft YaHei UI" panose="020B0503020204020204" pitchFamily="34" charset="-122"/>
+                <a:latin typeface="微软雅黑" panose="020B0503020204020204" pitchFamily="34" charset="-122"/>
+                <a:ea typeface="微软雅黑" panose="020B0503020204020204" pitchFamily="34" charset="-122"/>
               </a:rPr>
               <a:t>有效地防止暴力破解</a:t>
             </a:r>
             <a:endParaRPr lang="en-US" altLang="zh-CN" dirty="0">
-              <a:latin typeface="Microsoft YaHei UI" panose="020B0503020204020204" pitchFamily="34" charset="-122"/>
-              <a:ea typeface="Microsoft YaHei UI" panose="020B0503020204020204" pitchFamily="34" charset="-122"/>
+              <a:latin typeface="微软雅黑" panose="020B0503020204020204" pitchFamily="34" charset="-122"/>
+              <a:ea typeface="微软雅黑" panose="020B0503020204020204" pitchFamily="34" charset="-122"/>
             </a:endParaRPr>
           </a:p>
         </p:txBody>
@@ -7327,7 +7655,7 @@
           <p:cNvPr id="9" name="矩形 8">
             <a:extLst>
               <a:ext uri="{FF2B5EF4-FFF2-40B4-BE49-F238E27FC236}">
-                <a16:creationId xmlns:a16="http://schemas.microsoft.com/office/drawing/2014/main" xmlns="" id="{D6AE9CB4-75FF-4671-BBF6-B2D0E31FF1F4}"/>
+                <a16:creationId xmlns="" xmlns:a16="http://schemas.microsoft.com/office/drawing/2014/main" id="{D6AE9CB4-75FF-4671-BBF6-B2D0E31FF1F4}"/>
               </a:ext>
             </a:extLst>
           </p:cNvPr>
@@ -7351,8 +7679,8 @@
           <a:p>
             <a:r>
               <a:rPr lang="zh-CN" altLang="en-US" dirty="0">
-                <a:latin typeface="Microsoft YaHei UI" panose="020B0503020204020204" pitchFamily="34" charset="-122"/>
-                <a:ea typeface="Microsoft YaHei UI" panose="020B0503020204020204" pitchFamily="34" charset="-122"/>
+                <a:latin typeface="微软雅黑" panose="020B0503020204020204" pitchFamily="34" charset="-122"/>
+                <a:ea typeface="微软雅黑" panose="020B0503020204020204" pitchFamily="34" charset="-122"/>
               </a:rPr>
               <a:t>防止恶意灌水、广告帖</a:t>
             </a:r>
@@ -7364,7 +7692,7 @@
           <p:cNvPr id="10" name="矩形 9">
             <a:extLst>
               <a:ext uri="{FF2B5EF4-FFF2-40B4-BE49-F238E27FC236}">
-                <a16:creationId xmlns:a16="http://schemas.microsoft.com/office/drawing/2014/main" xmlns="" id="{A31DE060-F70C-4DF8-9273-6438A2BD97EF}"/>
+                <a16:creationId xmlns="" xmlns:a16="http://schemas.microsoft.com/office/drawing/2014/main" id="{A31DE060-F70C-4DF8-9273-6438A2BD97EF}"/>
               </a:ext>
             </a:extLst>
           </p:cNvPr>
@@ -7389,8 +7717,8 @@
             <a:pPr lvl="1"/>
             <a:r>
               <a:rPr lang="zh-CN" altLang="en-US" dirty="0">
-                <a:latin typeface="Microsoft YaHei UI" panose="020B0503020204020204" pitchFamily="34" charset="-122"/>
-                <a:ea typeface="Microsoft YaHei UI" panose="020B0503020204020204" pitchFamily="34" charset="-122"/>
+                <a:latin typeface="微软雅黑" panose="020B0503020204020204" pitchFamily="34" charset="-122"/>
+                <a:ea typeface="微软雅黑" panose="020B0503020204020204" pitchFamily="34" charset="-122"/>
               </a:rPr>
               <a:t>避免服务器遭受恶意攻击</a:t>
             </a:r>
@@ -7432,7 +7760,7 @@
           <p:cNvPr id="2" name="标题 1">
             <a:extLst>
               <a:ext uri="{FF2B5EF4-FFF2-40B4-BE49-F238E27FC236}">
-                <a16:creationId xmlns:a16="http://schemas.microsoft.com/office/drawing/2014/main" xmlns="" id="{EA0D9905-7E38-4901-B465-33488FBBB033}"/>
+                <a16:creationId xmlns="" xmlns:a16="http://schemas.microsoft.com/office/drawing/2014/main" id="{EA0D9905-7E38-4901-B465-33488FBBB033}"/>
               </a:ext>
             </a:extLst>
           </p:cNvPr>
@@ -7460,7 +7788,7 @@
           <p:cNvPr id="3" name="内容占位符 2">
             <a:extLst>
               <a:ext uri="{FF2B5EF4-FFF2-40B4-BE49-F238E27FC236}">
-                <a16:creationId xmlns:a16="http://schemas.microsoft.com/office/drawing/2014/main" xmlns="" id="{5CE739AE-2F8D-49B0-B60B-DC2FA9208035}"/>
+                <a16:creationId xmlns="" xmlns:a16="http://schemas.microsoft.com/office/drawing/2014/main" id="{5CE739AE-2F8D-49B0-B60B-DC2FA9208035}"/>
               </a:ext>
             </a:extLst>
           </p:cNvPr>
@@ -7474,7 +7802,7 @@
         <p:spPr>
           <a:xfrm>
             <a:off x="838199" y="1825625"/>
-            <a:ext cx="6594987" cy="4351338"/>
+            <a:ext cx="6808695" cy="4351338"/>
           </a:xfrm>
         </p:spPr>
         <p:txBody>
@@ -7488,7 +7816,11 @@
             <a:endParaRPr lang="en-US" altLang="zh-CN" dirty="0"/>
           </a:p>
           <a:p>
-            <a:pPr lvl="1"/>
+            <a:pPr lvl="1">
+              <a:lnSpc>
+                <a:spcPct val="125000"/>
+              </a:lnSpc>
+            </a:pPr>
             <a:r>
               <a:rPr lang="zh-CN" altLang="en-US" dirty="0"/>
               <a:t>会话开始时，在需要使用验证码的地方会</a:t>
@@ -7508,7 +7840,11 @@
             <a:endParaRPr lang="en-US" altLang="zh-CN" dirty="0"/>
           </a:p>
           <a:p>
-            <a:pPr lvl="1"/>
+            <a:pPr lvl="1">
+              <a:lnSpc>
+                <a:spcPct val="125000"/>
+              </a:lnSpc>
+            </a:pPr>
             <a:r>
               <a:rPr lang="zh-CN" altLang="en-US" dirty="0"/>
               <a:t>用户</a:t>
@@ -7528,7 +7864,11 @@
             <a:endParaRPr lang="en-US" altLang="zh-CN" dirty="0"/>
           </a:p>
           <a:p>
-            <a:pPr lvl="1"/>
+            <a:pPr lvl="1">
+              <a:lnSpc>
+                <a:spcPct val="125000"/>
+              </a:lnSpc>
+            </a:pPr>
             <a:r>
               <a:rPr lang="zh-CN" altLang="en-US" dirty="0"/>
               <a:t>服务器端会</a:t>
@@ -7553,7 +7893,7 @@
           <p:cNvPr id="2050" name="Picture 2">
             <a:extLst>
               <a:ext uri="{FF2B5EF4-FFF2-40B4-BE49-F238E27FC236}">
-                <a16:creationId xmlns:a16="http://schemas.microsoft.com/office/drawing/2014/main" xmlns="" id="{84A5AAF4-A749-4BAA-81DE-2FDA628E94D6}"/>
+                <a16:creationId xmlns="" xmlns:a16="http://schemas.microsoft.com/office/drawing/2014/main" id="{84A5AAF4-A749-4BAA-81DE-2FDA628E94D6}"/>
               </a:ext>
             </a:extLst>
           </p:cNvPr>
@@ -7600,7 +7940,7 @@
           <p:cNvPr id="4" name="文本框 3">
             <a:extLst>
               <a:ext uri="{FF2B5EF4-FFF2-40B4-BE49-F238E27FC236}">
-                <a16:creationId xmlns:a16="http://schemas.microsoft.com/office/drawing/2014/main" xmlns="" id="{9B484139-B38D-4C11-A6D6-0A8883F7D3D6}"/>
+                <a16:creationId xmlns="" xmlns:a16="http://schemas.microsoft.com/office/drawing/2014/main" id="{9B484139-B38D-4C11-A6D6-0A8883F7D3D6}"/>
               </a:ext>
             </a:extLst>
           </p:cNvPr>
@@ -7626,8 +7966,8 @@
             <a:pPr algn="ctr"/>
             <a:r>
               <a:rPr lang="zh-CN" altLang="en-US" dirty="0">
-                <a:latin typeface="Microsoft YaHei UI" panose="020B0503020204020204" pitchFamily="34" charset="-122"/>
-                <a:ea typeface="Microsoft YaHei UI" panose="020B0503020204020204" pitchFamily="34" charset="-122"/>
+                <a:latin typeface="微软雅黑" panose="020B0503020204020204" pitchFamily="34" charset="-122"/>
+                <a:ea typeface="微软雅黑" panose="020B0503020204020204" pitchFamily="34" charset="-122"/>
               </a:rPr>
               <a:t>验证码工作流程</a:t>
             </a:r>
@@ -7669,7 +8009,7 @@
           <p:cNvPr id="2" name="标题 1">
             <a:extLst>
               <a:ext uri="{FF2B5EF4-FFF2-40B4-BE49-F238E27FC236}">
-                <a16:creationId xmlns:a16="http://schemas.microsoft.com/office/drawing/2014/main" xmlns="" id="{EA0D9905-7E38-4901-B465-33488FBBB033}"/>
+                <a16:creationId xmlns="" xmlns:a16="http://schemas.microsoft.com/office/drawing/2014/main" id="{EA0D9905-7E38-4901-B465-33488FBBB033}"/>
               </a:ext>
             </a:extLst>
           </p:cNvPr>
@@ -7697,7 +8037,7 @@
           <p:cNvPr id="3" name="内容占位符 2">
             <a:extLst>
               <a:ext uri="{FF2B5EF4-FFF2-40B4-BE49-F238E27FC236}">
-                <a16:creationId xmlns:a16="http://schemas.microsoft.com/office/drawing/2014/main" xmlns="" id="{5CE739AE-2F8D-49B0-B60B-DC2FA9208035}"/>
+                <a16:creationId xmlns="" xmlns:a16="http://schemas.microsoft.com/office/drawing/2014/main" id="{5CE739AE-2F8D-49B0-B60B-DC2FA9208035}"/>
               </a:ext>
             </a:extLst>
           </p:cNvPr>
@@ -7716,11 +8056,14 @@
         </p:spPr>
         <p:txBody>
           <a:bodyPr>
-            <a:normAutofit fontScale="92500" lnSpcReduction="10000"/>
+            <a:normAutofit fontScale="77500" lnSpcReduction="20000"/>
           </a:bodyPr>
           <a:lstStyle/>
           <a:p>
             <a:pPr marL="514350" indent="-514350">
+              <a:lnSpc>
+                <a:spcPct val="135000"/>
+              </a:lnSpc>
               <a:buFont typeface="+mj-ea"/>
               <a:buAutoNum type="circleNumDbPlain"/>
             </a:pPr>
@@ -7756,6 +8099,9 @@
           </a:p>
           <a:p>
             <a:pPr marL="514350" indent="-514350">
+              <a:lnSpc>
+                <a:spcPct val="135000"/>
+              </a:lnSpc>
               <a:buFont typeface="+mj-ea"/>
               <a:buAutoNum type="circleNumDbPlain"/>
             </a:pPr>
@@ -7775,6 +8121,9 @@
           </a:p>
           <a:p>
             <a:pPr marL="514350" indent="-514350">
+              <a:lnSpc>
+                <a:spcPct val="135000"/>
+              </a:lnSpc>
               <a:buFont typeface="+mj-ea"/>
               <a:buAutoNum type="circleNumDbPlain"/>
             </a:pPr>
@@ -7797,6 +8146,9 @@
           </a:p>
           <a:p>
             <a:pPr marL="514350" indent="-514350">
+              <a:lnSpc>
+                <a:spcPct val="135000"/>
+              </a:lnSpc>
               <a:buFont typeface="+mj-ea"/>
               <a:buAutoNum type="circleNumDbPlain"/>
             </a:pPr>
@@ -7819,6 +8171,9 @@
           </a:p>
           <a:p>
             <a:pPr marL="514350" indent="-514350">
+              <a:lnSpc>
+                <a:spcPct val="135000"/>
+              </a:lnSpc>
               <a:buFont typeface="+mj-ea"/>
               <a:buAutoNum type="circleNumDbPlain"/>
             </a:pPr>
@@ -7835,7 +8190,7 @@
           <p:cNvPr id="2050" name="Picture 2">
             <a:extLst>
               <a:ext uri="{FF2B5EF4-FFF2-40B4-BE49-F238E27FC236}">
-                <a16:creationId xmlns:a16="http://schemas.microsoft.com/office/drawing/2014/main" xmlns="" id="{84A5AAF4-A749-4BAA-81DE-2FDA628E94D6}"/>
+                <a16:creationId xmlns="" xmlns:a16="http://schemas.microsoft.com/office/drawing/2014/main" id="{84A5AAF4-A749-4BAA-81DE-2FDA628E94D6}"/>
               </a:ext>
             </a:extLst>
           </p:cNvPr>
@@ -7882,7 +8237,7 @@
           <p:cNvPr id="4" name="文本框 3">
             <a:extLst>
               <a:ext uri="{FF2B5EF4-FFF2-40B4-BE49-F238E27FC236}">
-                <a16:creationId xmlns:a16="http://schemas.microsoft.com/office/drawing/2014/main" xmlns="" id="{9B484139-B38D-4C11-A6D6-0A8883F7D3D6}"/>
+                <a16:creationId xmlns="" xmlns:a16="http://schemas.microsoft.com/office/drawing/2014/main" id="{9B484139-B38D-4C11-A6D6-0A8883F7D3D6}"/>
               </a:ext>
             </a:extLst>
           </p:cNvPr>
@@ -7908,8 +8263,8 @@
             <a:pPr algn="ctr"/>
             <a:r>
               <a:rPr lang="zh-CN" altLang="en-US" dirty="0">
-                <a:latin typeface="Microsoft YaHei UI" panose="020B0503020204020204" pitchFamily="34" charset="-122"/>
-                <a:ea typeface="Microsoft YaHei UI" panose="020B0503020204020204" pitchFamily="34" charset="-122"/>
+                <a:latin typeface="微软雅黑" panose="020B0503020204020204" pitchFamily="34" charset="-122"/>
+                <a:ea typeface="微软雅黑" panose="020B0503020204020204" pitchFamily="34" charset="-122"/>
               </a:rPr>
               <a:t>验证码工作流程</a:t>
             </a:r>
@@ -7951,7 +8306,7 @@
           <p:cNvPr id="2" name="标题 1">
             <a:extLst>
               <a:ext uri="{FF2B5EF4-FFF2-40B4-BE49-F238E27FC236}">
-                <a16:creationId xmlns:a16="http://schemas.microsoft.com/office/drawing/2014/main" xmlns="" id="{EA0D9905-7E38-4901-B465-33488FBBB033}"/>
+                <a16:creationId xmlns="" xmlns:a16="http://schemas.microsoft.com/office/drawing/2014/main" id="{EA0D9905-7E38-4901-B465-33488FBBB033}"/>
               </a:ext>
             </a:extLst>
           </p:cNvPr>
@@ -7979,7 +8334,7 @@
           <p:cNvPr id="3" name="内容占位符 2">
             <a:extLst>
               <a:ext uri="{FF2B5EF4-FFF2-40B4-BE49-F238E27FC236}">
-                <a16:creationId xmlns:a16="http://schemas.microsoft.com/office/drawing/2014/main" xmlns="" id="{5CE739AE-2F8D-49B0-B60B-DC2FA9208035}"/>
+                <a16:creationId xmlns="" xmlns:a16="http://schemas.microsoft.com/office/drawing/2014/main" id="{5CE739AE-2F8D-49B0-B60B-DC2FA9208035}"/>
               </a:ext>
             </a:extLst>
           </p:cNvPr>
@@ -7998,32 +8353,37 @@
         </p:spPr>
         <p:txBody>
           <a:bodyPr>
-            <a:normAutofit lnSpcReduction="10000"/>
+            <a:normAutofit fontScale="70000" lnSpcReduction="20000"/>
           </a:bodyPr>
           <a:lstStyle/>
           <a:p>
-            <a:r>
-              <a:rPr lang="zh-CN" altLang="en-US" dirty="0"/>
+            <a:pPr>
+              <a:lnSpc>
+                <a:spcPct val="120000"/>
+              </a:lnSpc>
+            </a:pPr>
+            <a:r>
+              <a:rPr lang="zh-CN" altLang="en-US" sz="3400" dirty="0"/>
               <a:t>主要有</a:t>
             </a:r>
             <a:r>
-              <a:rPr lang="en-US" altLang="zh-CN" dirty="0"/>
+              <a:rPr lang="en-US" altLang="zh-CN" sz="3400" dirty="0"/>
               <a:t>session</a:t>
             </a:r>
             <a:r>
-              <a:rPr lang="zh-CN" altLang="en-US" dirty="0"/>
+              <a:rPr lang="zh-CN" altLang="en-US" sz="3400" dirty="0"/>
               <a:t>和</a:t>
             </a:r>
             <a:r>
-              <a:rPr lang="en-US" altLang="zh-CN" dirty="0"/>
+              <a:rPr lang="en-US" altLang="zh-CN" sz="3400" dirty="0"/>
               <a:t>cookie</a:t>
             </a:r>
             <a:r>
-              <a:rPr lang="zh-CN" altLang="en-US" dirty="0"/>
+              <a:rPr lang="zh-CN" altLang="en-US" sz="3400" dirty="0"/>
               <a:t>两种方式，这两种方式可以说技术是一样的，区别在于将</a:t>
             </a:r>
             <a:r>
-              <a:rPr lang="zh-CN" altLang="en-US" b="1" dirty="0">
+              <a:rPr lang="zh-CN" altLang="en-US" sz="3400" b="1" dirty="0">
                 <a:solidFill>
                   <a:srgbClr val="FF0000"/>
                 </a:solidFill>
@@ -8031,11 +8391,11 @@
               <a:t>验证码</a:t>
             </a:r>
             <a:r>
-              <a:rPr lang="zh-CN" altLang="en-US" dirty="0"/>
+              <a:rPr lang="zh-CN" altLang="en-US" sz="3400" dirty="0"/>
               <a:t>字符串</a:t>
             </a:r>
             <a:r>
-              <a:rPr lang="zh-CN" altLang="en-US" b="1" dirty="0">
+              <a:rPr lang="zh-CN" altLang="en-US" sz="3400" b="1" dirty="0">
                 <a:solidFill>
                   <a:srgbClr val="FF0000"/>
                 </a:solidFill>
@@ -8043,11 +8403,11 @@
               <a:t>存储</a:t>
             </a:r>
             <a:r>
-              <a:rPr lang="zh-CN" altLang="en-US" dirty="0"/>
+              <a:rPr lang="zh-CN" altLang="en-US" sz="3400" dirty="0"/>
               <a:t>在</a:t>
             </a:r>
             <a:r>
-              <a:rPr lang="zh-CN" altLang="en-US" b="1" dirty="0">
+              <a:rPr lang="zh-CN" altLang="en-US" sz="3400" b="1" dirty="0">
                 <a:solidFill>
                   <a:srgbClr val="FF0000"/>
                 </a:solidFill>
@@ -8055,11 +8415,11 @@
               <a:t>服务器</a:t>
             </a:r>
             <a:r>
-              <a:rPr lang="zh-CN" altLang="en-US" dirty="0"/>
+              <a:rPr lang="zh-CN" altLang="en-US" sz="3400" dirty="0"/>
               <a:t>还是</a:t>
             </a:r>
             <a:r>
-              <a:rPr lang="zh-CN" altLang="en-US" b="1" dirty="0">
+              <a:rPr lang="zh-CN" altLang="en-US" sz="3400" b="1" dirty="0">
                 <a:solidFill>
                   <a:srgbClr val="FF0000"/>
                 </a:solidFill>
@@ -8068,80 +8428,96 @@
             </a:r>
           </a:p>
           <a:p>
-            <a:pPr lvl="1"/>
-            <a:r>
-              <a:rPr lang="en-US" altLang="zh-CN" dirty="0"/>
+            <a:pPr lvl="1">
+              <a:lnSpc>
+                <a:spcPct val="135000"/>
+              </a:lnSpc>
+            </a:pPr>
+            <a:r>
+              <a:rPr lang="en-US" altLang="zh-CN" sz="2600" dirty="0"/>
               <a:t>Session</a:t>
             </a:r>
             <a:r>
-              <a:rPr lang="zh-CN" altLang="en-US" dirty="0"/>
+              <a:rPr lang="zh-CN" altLang="en-US" sz="2600" dirty="0"/>
               <a:t>：服务器发送验证码图片到客户端并在</a:t>
             </a:r>
             <a:r>
-              <a:rPr lang="zh-CN" altLang="en-US" b="1" dirty="0"/>
+              <a:rPr lang="zh-CN" altLang="en-US" sz="2600" b="1" dirty="0"/>
               <a:t>服务器保存验证码字符串到</a:t>
             </a:r>
             <a:r>
-              <a:rPr lang="en-US" altLang="zh-CN" b="1" dirty="0"/>
+              <a:rPr lang="en-US" altLang="zh-CN" sz="2600" b="1" dirty="0"/>
               <a:t>session</a:t>
             </a:r>
             <a:r>
-              <a:rPr lang="zh-CN" altLang="en-US" dirty="0"/>
+              <a:rPr lang="zh-CN" altLang="en-US" sz="2600" dirty="0"/>
               <a:t>，用户辨认图片并提交验证码字符串到服务器，服务器将用户提交的验证码字符串与</a:t>
             </a:r>
             <a:r>
-              <a:rPr lang="en-US" altLang="zh-CN" dirty="0"/>
+              <a:rPr lang="en-US" altLang="zh-CN" sz="2600" dirty="0"/>
               <a:t>session</a:t>
             </a:r>
             <a:r>
-              <a:rPr lang="zh-CN" altLang="en-US" dirty="0"/>
+              <a:rPr lang="zh-CN" altLang="en-US" sz="2600" dirty="0"/>
               <a:t>中保存的字符串进行比较。</a:t>
             </a:r>
-            <a:endParaRPr lang="en-US" altLang="zh-CN" dirty="0"/>
-          </a:p>
-          <a:p>
-            <a:pPr lvl="1"/>
-            <a:r>
-              <a:rPr lang="en-US" altLang="zh-CN" dirty="0"/>
+            <a:endParaRPr lang="en-US" altLang="zh-CN" sz="2600" dirty="0"/>
+          </a:p>
+          <a:p>
+            <a:pPr lvl="1">
+              <a:lnSpc>
+                <a:spcPct val="135000"/>
+              </a:lnSpc>
+            </a:pPr>
+            <a:r>
+              <a:rPr lang="en-US" altLang="zh-CN" sz="2600" dirty="0"/>
               <a:t>Cookie</a:t>
             </a:r>
             <a:r>
-              <a:rPr lang="zh-CN" altLang="en-US" dirty="0"/>
+              <a:rPr lang="zh-CN" altLang="en-US" sz="2600" dirty="0"/>
               <a:t>：服务器发送验证码图片以及验证码字符串（可能会进行加密）到客户端，</a:t>
             </a:r>
             <a:r>
-              <a:rPr lang="zh-CN" altLang="en-US" b="1" dirty="0"/>
+              <a:rPr lang="zh-CN" altLang="en-US" sz="2600" b="1" dirty="0"/>
               <a:t>客户端将验证码字符串存储到本地</a:t>
             </a:r>
             <a:r>
-              <a:rPr lang="en-US" altLang="zh-CN" b="1" dirty="0"/>
+              <a:rPr lang="en-US" altLang="zh-CN" sz="2600" b="1" dirty="0"/>
               <a:t>cookie</a:t>
             </a:r>
             <a:r>
-              <a:rPr lang="zh-CN" altLang="en-US" dirty="0"/>
+              <a:rPr lang="zh-CN" altLang="en-US" sz="2600" dirty="0"/>
               <a:t>，用户辨认图片并提交验证码字符串以及</a:t>
             </a:r>
             <a:r>
-              <a:rPr lang="en-US" altLang="zh-CN" dirty="0"/>
+              <a:rPr lang="en-US" altLang="zh-CN" sz="2600" dirty="0"/>
               <a:t>cookie</a:t>
             </a:r>
             <a:r>
-              <a:rPr lang="zh-CN" altLang="en-US" dirty="0"/>
+              <a:rPr lang="zh-CN" altLang="en-US" sz="2600" dirty="0"/>
               <a:t>中所存储的字符串到服务器，服务器将用户提交的两个字符串（进行解密后）进行比较。</a:t>
             </a:r>
-            <a:endParaRPr lang="en-US" altLang="zh-CN" dirty="0"/>
-          </a:p>
-          <a:p>
-            <a:r>
-              <a:rPr lang="zh-CN" altLang="en-US" dirty="0"/>
+            <a:endParaRPr lang="en-US" altLang="zh-CN" sz="2600" dirty="0"/>
+          </a:p>
+          <a:p>
+            <a:pPr>
+              <a:lnSpc>
+                <a:spcPct val="120000"/>
+              </a:lnSpc>
+              <a:spcBef>
+                <a:spcPts val="1500"/>
+              </a:spcBef>
+            </a:pPr>
+            <a:r>
+              <a:rPr lang="zh-CN" altLang="en-US" sz="3400" dirty="0"/>
               <a:t>存放在服务器的</a:t>
             </a:r>
             <a:r>
-              <a:rPr lang="en-US" altLang="zh-CN" dirty="0"/>
+              <a:rPr lang="en-US" altLang="zh-CN" sz="3400" dirty="0"/>
               <a:t>session</a:t>
             </a:r>
             <a:r>
-              <a:rPr lang="zh-CN" altLang="en-US" dirty="0">
+              <a:rPr lang="zh-CN" altLang="en-US" sz="3400" dirty="0">
                 <a:solidFill>
                   <a:srgbClr val="FF0000"/>
                 </a:solidFill>
@@ -8149,11 +8525,11 @@
               <a:t>更为安全</a:t>
             </a:r>
             <a:r>
-              <a:rPr lang="zh-CN" altLang="en-US" dirty="0"/>
+              <a:rPr lang="zh-CN" altLang="en-US" sz="3400" dirty="0"/>
               <a:t>，但</a:t>
             </a:r>
             <a:r>
-              <a:rPr lang="zh-CN" altLang="en-US" dirty="0">
+              <a:rPr lang="zh-CN" altLang="en-US" sz="3400" dirty="0">
                 <a:solidFill>
                   <a:srgbClr val="FF0000"/>
                 </a:solidFill>
@@ -8161,19 +8537,19 @@
               <a:t>消耗服务器内存</a:t>
             </a:r>
             <a:r>
-              <a:rPr lang="zh-CN" altLang="en-US" dirty="0"/>
+              <a:rPr lang="zh-CN" altLang="en-US" sz="3400" dirty="0"/>
               <a:t>；使用</a:t>
             </a:r>
             <a:r>
-              <a:rPr lang="en-US" altLang="zh-CN" dirty="0"/>
+              <a:rPr lang="en-US" altLang="zh-CN" sz="3400" dirty="0"/>
               <a:t>cookie</a:t>
             </a:r>
             <a:r>
-              <a:rPr lang="zh-CN" altLang="en-US" dirty="0"/>
+              <a:rPr lang="zh-CN" altLang="en-US" sz="3400" dirty="0"/>
               <a:t>方式的验证码，</a:t>
             </a:r>
             <a:r>
-              <a:rPr lang="zh-CN" altLang="en-US" dirty="0">
+              <a:rPr lang="zh-CN" altLang="en-US" sz="3400" dirty="0">
                 <a:solidFill>
                   <a:srgbClr val="FF0000"/>
                 </a:solidFill>
@@ -8181,11 +8557,11 @@
               <a:t>不增加服务器内存消耗</a:t>
             </a:r>
             <a:r>
-              <a:rPr lang="zh-CN" altLang="en-US" dirty="0"/>
+              <a:rPr lang="zh-CN" altLang="en-US" sz="3400" dirty="0"/>
               <a:t>，但可通过对传输数据进行分析</a:t>
             </a:r>
             <a:r>
-              <a:rPr lang="zh-CN" altLang="en-US" dirty="0">
+              <a:rPr lang="zh-CN" altLang="en-US" sz="3400" dirty="0">
                 <a:solidFill>
                   <a:srgbClr val="FF0000"/>
                 </a:solidFill>
@@ -8193,10 +8569,10 @@
               <a:t>轻易破解验证码</a:t>
             </a:r>
             <a:r>
-              <a:rPr lang="zh-CN" altLang="en-US" dirty="0"/>
+              <a:rPr lang="zh-CN" altLang="en-US" sz="3400" dirty="0"/>
               <a:t>。</a:t>
             </a:r>
-            <a:endParaRPr lang="en-US" altLang="zh-CN" dirty="0"/>
+            <a:endParaRPr lang="en-US" altLang="zh-CN" sz="3400" dirty="0"/>
           </a:p>
         </p:txBody>
       </p:sp>
@@ -8235,7 +8611,7 @@
           <p:cNvPr id="2" name="标题 1">
             <a:extLst>
               <a:ext uri="{FF2B5EF4-FFF2-40B4-BE49-F238E27FC236}">
-                <a16:creationId xmlns:a16="http://schemas.microsoft.com/office/drawing/2014/main" xmlns="" id="{553E198E-DBC0-435A-9156-FA2EFFA6583F}"/>
+                <a16:creationId xmlns="" xmlns:a16="http://schemas.microsoft.com/office/drawing/2014/main" id="{553E198E-DBC0-435A-9156-FA2EFFA6583F}"/>
               </a:ext>
             </a:extLst>
           </p:cNvPr>
@@ -8263,7 +8639,7 @@
           <p:cNvPr id="3" name="内容占位符 2">
             <a:extLst>
               <a:ext uri="{FF2B5EF4-FFF2-40B4-BE49-F238E27FC236}">
-                <a16:creationId xmlns:a16="http://schemas.microsoft.com/office/drawing/2014/main" xmlns="" id="{A35EE033-A565-4EAD-8FB2-AB0693611C90}"/>
+                <a16:creationId xmlns="" xmlns:a16="http://schemas.microsoft.com/office/drawing/2014/main" id="{A35EE033-A565-4EAD-8FB2-AB0693611C90}"/>
               </a:ext>
             </a:extLst>
           </p:cNvPr>
@@ -8286,6 +8662,14 @@
           </a:bodyPr>
           <a:lstStyle/>
           <a:p>
+            <a:pPr>
+              <a:lnSpc>
+                <a:spcPct val="100000"/>
+              </a:lnSpc>
+              <a:spcAft>
+                <a:spcPts val="600"/>
+              </a:spcAft>
+            </a:pPr>
             <a:r>
               <a:rPr lang="zh-CN" altLang="en-US" dirty="0"/>
               <a:t>导致验证码不刷新的原因是：登录密码错误之后，</a:t>
@@ -8301,7 +8685,11 @@
             <a:endParaRPr lang="en-US" altLang="zh-CN" dirty="0"/>
           </a:p>
           <a:p>
-            <a:pPr lvl="1"/>
+            <a:pPr lvl="1">
+              <a:lnSpc>
+                <a:spcPct val="125000"/>
+              </a:lnSpc>
+            </a:pPr>
             <a:r>
               <a:rPr lang="zh-CN" altLang="en-US" b="1" dirty="0"/>
               <a:t>无条件不刷新</a:t>
@@ -8333,7 +8721,11 @@
             <a:endParaRPr lang="zh-CN" altLang="en-US" dirty="0"/>
           </a:p>
           <a:p>
-            <a:pPr lvl="1"/>
+            <a:pPr lvl="1">
+              <a:lnSpc>
+                <a:spcPct val="125000"/>
+              </a:lnSpc>
+            </a:pPr>
             <a:r>
               <a:rPr lang="zh-CN" altLang="en-US" b="1" dirty="0"/>
               <a:t>有条件不刷新</a:t>
@@ -8437,7 +8829,7 @@
           <p:cNvPr id="2" name="标题 1">
             <a:extLst>
               <a:ext uri="{FF2B5EF4-FFF2-40B4-BE49-F238E27FC236}">
-                <a16:creationId xmlns:a16="http://schemas.microsoft.com/office/drawing/2014/main" xmlns="" id="{553E198E-DBC0-435A-9156-FA2EFFA6583F}"/>
+                <a16:creationId xmlns="" xmlns:a16="http://schemas.microsoft.com/office/drawing/2014/main" id="{553E198E-DBC0-435A-9156-FA2EFFA6583F}"/>
               </a:ext>
             </a:extLst>
           </p:cNvPr>
@@ -8465,7 +8857,7 @@
           <p:cNvPr id="3" name="内容占位符 2">
             <a:extLst>
               <a:ext uri="{FF2B5EF4-FFF2-40B4-BE49-F238E27FC236}">
-                <a16:creationId xmlns:a16="http://schemas.microsoft.com/office/drawing/2014/main" xmlns="" id="{A35EE033-A565-4EAD-8FB2-AB0693611C90}"/>
+                <a16:creationId xmlns="" xmlns:a16="http://schemas.microsoft.com/office/drawing/2014/main" id="{A35EE033-A565-4EAD-8FB2-AB0693611C90}"/>
               </a:ext>
             </a:extLst>
           </p:cNvPr>
@@ -8478,14 +8870,21 @@
         </p:nvSpPr>
         <p:spPr>
           <a:xfrm>
-            <a:off x="838200" y="1825625"/>
+            <a:off x="838200" y="1735975"/>
             <a:ext cx="6944591" cy="4351338"/>
           </a:xfrm>
         </p:spPr>
         <p:txBody>
-          <a:bodyPr/>
-          <a:lstStyle/>
-          <a:p>
+          <a:bodyPr>
+            <a:normAutofit fontScale="92500" lnSpcReduction="10000"/>
+          </a:bodyPr>
+          <a:lstStyle/>
+          <a:p>
+            <a:pPr>
+              <a:lnSpc>
+                <a:spcPct val="110000"/>
+              </a:lnSpc>
+            </a:pPr>
             <a:r>
               <a:rPr lang="zh-CN" altLang="en-US" dirty="0"/>
               <a:t>在实际应用系统中，由于设计或者实现人员的疏忽或者经验不足，经常会忽略掉其中很重要的一个步骤</a:t>
@@ -8505,6 +8904,11 @@
             <a:endParaRPr lang="en-US" altLang="zh-CN" dirty="0"/>
           </a:p>
           <a:p>
+            <a:pPr>
+              <a:lnSpc>
+                <a:spcPct val="110000"/>
+              </a:lnSpc>
+            </a:pPr>
             <a:r>
               <a:rPr lang="zh-CN" altLang="en-US" dirty="0"/>
               <a:t>给攻击者打开了一条暗道， 通过利用</a:t>
@@ -8528,6 +8932,11 @@
             <a:endParaRPr lang="en-US" altLang="zh-CN" dirty="0"/>
           </a:p>
           <a:p>
+            <a:pPr>
+              <a:lnSpc>
+                <a:spcPct val="110000"/>
+              </a:lnSpc>
+            </a:pPr>
             <a:r>
               <a:rPr lang="zh-CN" altLang="en-US" dirty="0"/>
               <a:t>对系统登录进行暴力破解、批量注册、机器自动发帖、自动发送垃圾邮件等</a:t>
@@ -8548,7 +8957,7 @@
           <p:cNvPr id="4" name="文本框 3">
             <a:extLst>
               <a:ext uri="{FF2B5EF4-FFF2-40B4-BE49-F238E27FC236}">
-                <a16:creationId xmlns:a16="http://schemas.microsoft.com/office/drawing/2014/main" xmlns="" id="{80C962F1-216A-487F-B9F7-4E4B5423F017}"/>
+                <a16:creationId xmlns="" xmlns:a16="http://schemas.microsoft.com/office/drawing/2014/main" id="{80C962F1-216A-487F-B9F7-4E4B5423F017}"/>
               </a:ext>
             </a:extLst>
           </p:cNvPr>
@@ -8576,8 +8985,8 @@
                 <a:solidFill>
                   <a:srgbClr val="0070C0"/>
                 </a:solidFill>
-                <a:latin typeface="Microsoft YaHei UI" panose="020B0503020204020204" pitchFamily="34" charset="-122"/>
-                <a:ea typeface="Microsoft YaHei UI" panose="020B0503020204020204" pitchFamily="34" charset="-122"/>
+                <a:latin typeface="微软雅黑" panose="020B0503020204020204" pitchFamily="34" charset="-122"/>
+                <a:ea typeface="微软雅黑" panose="020B0503020204020204" pitchFamily="34" charset="-122"/>
               </a:rPr>
               <a:t>辛辛苦苦构建的防暴力破解形同虚设！</a:t>
             </a:r>
@@ -8589,7 +8998,7 @@
           <p:cNvPr id="3074" name="Picture 2">
             <a:extLst>
               <a:ext uri="{FF2B5EF4-FFF2-40B4-BE49-F238E27FC236}">
-                <a16:creationId xmlns:a16="http://schemas.microsoft.com/office/drawing/2014/main" xmlns="" id="{AAA4ACC3-0D3E-457D-8A64-DBBE070BC8C8}"/>
+                <a16:creationId xmlns="" xmlns:a16="http://schemas.microsoft.com/office/drawing/2014/main" id="{AAA4ACC3-0D3E-457D-8A64-DBBE070BC8C8}"/>
               </a:ext>
             </a:extLst>
           </p:cNvPr>
@@ -8636,7 +9045,7 @@
           <p:cNvPr id="5" name="矩形 4">
             <a:extLst>
               <a:ext uri="{FF2B5EF4-FFF2-40B4-BE49-F238E27FC236}">
-                <a16:creationId xmlns:a16="http://schemas.microsoft.com/office/drawing/2014/main" xmlns="" id="{F3881B3E-E7E3-463F-93FB-6BFE110B46B5}"/>
+                <a16:creationId xmlns="" xmlns:a16="http://schemas.microsoft.com/office/drawing/2014/main" id="{F3881B3E-E7E3-463F-93FB-6BFE110B46B5}"/>
               </a:ext>
             </a:extLst>
           </p:cNvPr>
@@ -8664,8 +9073,8 @@
             </a:pPr>
             <a:r>
               <a:rPr lang="zh-CN" altLang="en-US" sz="2000" dirty="0">
-                <a:latin typeface="Microsoft YaHei UI" panose="020B0503020204020204" pitchFamily="34" charset="-122"/>
-                <a:ea typeface="Microsoft YaHei UI" panose="020B0503020204020204" pitchFamily="34" charset="-122"/>
+                <a:latin typeface="微软雅黑" panose="020B0503020204020204" pitchFamily="34" charset="-122"/>
+                <a:ea typeface="微软雅黑" panose="020B0503020204020204" pitchFamily="34" charset="-122"/>
               </a:rPr>
               <a:t>苏宁易购某系统后台多个超级管理员弱口令（验证码可重复利用）</a:t>
             </a:r>
@@ -8673,8 +9082,8 @@
               <a:solidFill>
                 <a:srgbClr val="FF0000"/>
               </a:solidFill>
-              <a:latin typeface="Microsoft YaHei UI" panose="020B0503020204020204" pitchFamily="34" charset="-122"/>
-              <a:ea typeface="Microsoft YaHei UI" panose="020B0503020204020204" pitchFamily="34" charset="-122"/>
+              <a:latin typeface="微软雅黑" panose="020B0503020204020204" pitchFamily="34" charset="-122"/>
+              <a:ea typeface="微软雅黑" panose="020B0503020204020204" pitchFamily="34" charset="-122"/>
             </a:endParaRPr>
           </a:p>
         </p:txBody>
@@ -8684,7 +9093,7 @@
           <p:cNvPr id="7" name="图片 6">
             <a:extLst>
               <a:ext uri="{FF2B5EF4-FFF2-40B4-BE49-F238E27FC236}">
-                <a16:creationId xmlns:a16="http://schemas.microsoft.com/office/drawing/2014/main" xmlns="" id="{E9EC042A-1656-4885-92A2-FC3F0C7C2611}"/>
+                <a16:creationId xmlns="" xmlns:a16="http://schemas.microsoft.com/office/drawing/2014/main" id="{E9EC042A-1656-4885-92A2-FC3F0C7C2611}"/>
               </a:ext>
             </a:extLst>
           </p:cNvPr>

--- a/document/验证码绕过技术原理.pptx
+++ b/document/验证码绕过技术原理.pptx
@@ -5,7 +5,7 @@
     <p:sldMasterId id="2147483648" r:id="rId1"/>
   </p:sldMasterIdLst>
   <p:notesMasterIdLst>
-    <p:notesMasterId r:id="rId17"/>
+    <p:notesMasterId r:id="rId16"/>
   </p:notesMasterIdLst>
   <p:sldIdLst>
     <p:sldId id="256" r:id="rId2"/>
@@ -22,7 +22,6 @@
     <p:sldId id="269" r:id="rId13"/>
     <p:sldId id="270" r:id="rId14"/>
     <p:sldId id="271" r:id="rId15"/>
-    <p:sldId id="272" r:id="rId16"/>
   </p:sldIdLst>
   <p:sldSz cx="12192000" cy="6858000"/>
   <p:notesSz cx="6858000" cy="9144000"/>
@@ -770,96 +769,6 @@
 </p:notes>
 </file>
 
-<file path=ppt/notesSlides/notesSlide12.xml><?xml version="1.0" encoding="utf-8"?>
-<p:notes xmlns:a="http://schemas.openxmlformats.org/drawingml/2006/main" xmlns:r="http://schemas.openxmlformats.org/officeDocument/2006/relationships" xmlns:p="http://schemas.openxmlformats.org/presentationml/2006/main">
-  <p:cSld>
-    <p:spTree>
-      <p:nvGrpSpPr>
-        <p:cNvPr id="1" name=""/>
-        <p:cNvGrpSpPr/>
-        <p:nvPr/>
-      </p:nvGrpSpPr>
-      <p:grpSpPr>
-        <a:xfrm>
-          <a:off x="0" y="0"/>
-          <a:ext cx="0" cy="0"/>
-          <a:chOff x="0" y="0"/>
-          <a:chExt cx="0" cy="0"/>
-        </a:xfrm>
-      </p:grpSpPr>
-      <p:sp>
-        <p:nvSpPr>
-          <p:cNvPr id="2" name="幻灯片图像占位符 1"/>
-          <p:cNvSpPr>
-            <a:spLocks noGrp="1" noRot="1" noChangeAspect="1"/>
-          </p:cNvSpPr>
-          <p:nvPr>
-            <p:ph type="sldImg"/>
-          </p:nvPr>
-        </p:nvSpPr>
-        <p:spPr/>
-      </p:sp>
-      <p:sp>
-        <p:nvSpPr>
-          <p:cNvPr id="3" name="备注占位符 2"/>
-          <p:cNvSpPr>
-            <a:spLocks noGrp="1"/>
-          </p:cNvSpPr>
-          <p:nvPr>
-            <p:ph type="body" idx="1"/>
-          </p:nvPr>
-        </p:nvSpPr>
-        <p:spPr/>
-        <p:txBody>
-          <a:bodyPr/>
-          <a:lstStyle/>
-          <a:p>
-            <a:r>
-              <a:rPr lang="en-US" altLang="zh-CN" dirty="0">
-                <a:hlinkClick r:id="rId3"/>
-              </a:rPr>
-              <a:t>https://blog.csdn.net/weixin_30664539/article/details/98060849</a:t>
-            </a:r>
-            <a:endParaRPr lang="zh-CN" altLang="en-US" dirty="0"/>
-          </a:p>
-        </p:txBody>
-      </p:sp>
-      <p:sp>
-        <p:nvSpPr>
-          <p:cNvPr id="4" name="灯片编号占位符 3"/>
-          <p:cNvSpPr>
-            <a:spLocks noGrp="1"/>
-          </p:cNvSpPr>
-          <p:nvPr>
-            <p:ph type="sldNum" sz="quarter" idx="5"/>
-          </p:nvPr>
-        </p:nvSpPr>
-        <p:spPr/>
-        <p:txBody>
-          <a:bodyPr/>
-          <a:lstStyle/>
-          <a:p>
-            <a:fld id="{858E46D1-FAEA-44CA-BAD9-8D8FD613D279}" type="slidenum">
-              <a:rPr lang="zh-CN" altLang="en-US" smtClean="0"/>
-              <a:t>15</a:t>
-            </a:fld>
-            <a:endParaRPr lang="zh-CN" altLang="en-US"/>
-          </a:p>
-        </p:txBody>
-      </p:sp>
-    </p:spTree>
-    <p:extLst>
-      <p:ext uri="{BB962C8B-B14F-4D97-AF65-F5344CB8AC3E}">
-        <p14:creationId xmlns:p14="http://schemas.microsoft.com/office/powerpoint/2010/main" val="3434476079"/>
-      </p:ext>
-    </p:extLst>
-  </p:cSld>
-  <p:clrMapOvr>
-    <a:masterClrMapping/>
-  </p:clrMapOvr>
-</p:notes>
-</file>
-
 <file path=ppt/notesSlides/notesSlide2.xml><?xml version="1.0" encoding="utf-8"?>
 <p:notes xmlns:a="http://schemas.openxmlformats.org/drawingml/2006/main" xmlns:r="http://schemas.openxmlformats.org/officeDocument/2006/relationships" xmlns:p="http://schemas.openxmlformats.org/presentationml/2006/main">
   <p:cSld>
@@ -1675,7 +1584,7 @@
           <p:cNvPr id="2" name="标题 1">
             <a:extLst>
               <a:ext uri="{FF2B5EF4-FFF2-40B4-BE49-F238E27FC236}">
-                <a16:creationId xmlns="" xmlns:a16="http://schemas.microsoft.com/office/drawing/2014/main" id="{3429C121-DDD2-41E0-A658-E518385218B0}"/>
+                <a16:creationId xmlns:a16="http://schemas.microsoft.com/office/drawing/2014/main" xmlns="" id="{3429C121-DDD2-41E0-A658-E518385218B0}"/>
               </a:ext>
             </a:extLst>
           </p:cNvPr>
@@ -1712,7 +1621,7 @@
           <p:cNvPr id="3" name="副标题 2">
             <a:extLst>
               <a:ext uri="{FF2B5EF4-FFF2-40B4-BE49-F238E27FC236}">
-                <a16:creationId xmlns="" xmlns:a16="http://schemas.microsoft.com/office/drawing/2014/main" id="{8E6CABAD-E635-416A-A11E-005D6EDD6BF2}"/>
+                <a16:creationId xmlns:a16="http://schemas.microsoft.com/office/drawing/2014/main" xmlns="" id="{8E6CABAD-E635-416A-A11E-005D6EDD6BF2}"/>
               </a:ext>
             </a:extLst>
           </p:cNvPr>
@@ -1782,7 +1691,7 @@
           <p:cNvPr id="4" name="日期占位符 3">
             <a:extLst>
               <a:ext uri="{FF2B5EF4-FFF2-40B4-BE49-F238E27FC236}">
-                <a16:creationId xmlns="" xmlns:a16="http://schemas.microsoft.com/office/drawing/2014/main" id="{3A18643A-303E-4ADE-8E29-03A6C5012B43}"/>
+                <a16:creationId xmlns:a16="http://schemas.microsoft.com/office/drawing/2014/main" xmlns="" id="{3A18643A-303E-4ADE-8E29-03A6C5012B43}"/>
               </a:ext>
             </a:extLst>
           </p:cNvPr>
@@ -1811,7 +1720,7 @@
           <p:cNvPr id="5" name="页脚占位符 4">
             <a:extLst>
               <a:ext uri="{FF2B5EF4-FFF2-40B4-BE49-F238E27FC236}">
-                <a16:creationId xmlns="" xmlns:a16="http://schemas.microsoft.com/office/drawing/2014/main" id="{6C11BE47-5B78-40FB-A04D-E0C61FEB4755}"/>
+                <a16:creationId xmlns:a16="http://schemas.microsoft.com/office/drawing/2014/main" xmlns="" id="{6C11BE47-5B78-40FB-A04D-E0C61FEB4755}"/>
               </a:ext>
             </a:extLst>
           </p:cNvPr>
@@ -1836,7 +1745,7 @@
           <p:cNvPr id="6" name="灯片编号占位符 5">
             <a:extLst>
               <a:ext uri="{FF2B5EF4-FFF2-40B4-BE49-F238E27FC236}">
-                <a16:creationId xmlns="" xmlns:a16="http://schemas.microsoft.com/office/drawing/2014/main" id="{3A09679A-AF90-41BD-ABE6-8FE9B1848556}"/>
+                <a16:creationId xmlns:a16="http://schemas.microsoft.com/office/drawing/2014/main" xmlns="" id="{3A09679A-AF90-41BD-ABE6-8FE9B1848556}"/>
               </a:ext>
             </a:extLst>
           </p:cNvPr>
@@ -1895,7 +1804,7 @@
           <p:cNvPr id="2" name="标题 1">
             <a:extLst>
               <a:ext uri="{FF2B5EF4-FFF2-40B4-BE49-F238E27FC236}">
-                <a16:creationId xmlns="" xmlns:a16="http://schemas.microsoft.com/office/drawing/2014/main" id="{116E4BE9-B63B-43EA-B26A-B9303204B46E}"/>
+                <a16:creationId xmlns:a16="http://schemas.microsoft.com/office/drawing/2014/main" xmlns="" id="{116E4BE9-B63B-43EA-B26A-B9303204B46E}"/>
               </a:ext>
             </a:extLst>
           </p:cNvPr>
@@ -1923,7 +1832,7 @@
           <p:cNvPr id="3" name="竖排文字占位符 2">
             <a:extLst>
               <a:ext uri="{FF2B5EF4-FFF2-40B4-BE49-F238E27FC236}">
-                <a16:creationId xmlns="" xmlns:a16="http://schemas.microsoft.com/office/drawing/2014/main" id="{E97D0AF3-6ED9-4210-9538-F0A36B8BA144}"/>
+                <a16:creationId xmlns:a16="http://schemas.microsoft.com/office/drawing/2014/main" xmlns="" id="{E97D0AF3-6ED9-4210-9538-F0A36B8BA144}"/>
               </a:ext>
             </a:extLst>
           </p:cNvPr>
@@ -1980,7 +1889,7 @@
           <p:cNvPr id="4" name="日期占位符 3">
             <a:extLst>
               <a:ext uri="{FF2B5EF4-FFF2-40B4-BE49-F238E27FC236}">
-                <a16:creationId xmlns="" xmlns:a16="http://schemas.microsoft.com/office/drawing/2014/main" id="{D2F63FD3-11D7-4F1D-898A-502FD6FDA8B9}"/>
+                <a16:creationId xmlns:a16="http://schemas.microsoft.com/office/drawing/2014/main" xmlns="" id="{D2F63FD3-11D7-4F1D-898A-502FD6FDA8B9}"/>
               </a:ext>
             </a:extLst>
           </p:cNvPr>
@@ -2009,7 +1918,7 @@
           <p:cNvPr id="5" name="页脚占位符 4">
             <a:extLst>
               <a:ext uri="{FF2B5EF4-FFF2-40B4-BE49-F238E27FC236}">
-                <a16:creationId xmlns="" xmlns:a16="http://schemas.microsoft.com/office/drawing/2014/main" id="{7FFD53D0-9E35-4B71-8DE1-6AD83164D4AF}"/>
+                <a16:creationId xmlns:a16="http://schemas.microsoft.com/office/drawing/2014/main" xmlns="" id="{7FFD53D0-9E35-4B71-8DE1-6AD83164D4AF}"/>
               </a:ext>
             </a:extLst>
           </p:cNvPr>
@@ -2034,7 +1943,7 @@
           <p:cNvPr id="6" name="灯片编号占位符 5">
             <a:extLst>
               <a:ext uri="{FF2B5EF4-FFF2-40B4-BE49-F238E27FC236}">
-                <a16:creationId xmlns="" xmlns:a16="http://schemas.microsoft.com/office/drawing/2014/main" id="{3DD01860-908D-480D-9E16-57CB5D81E724}"/>
+                <a16:creationId xmlns:a16="http://schemas.microsoft.com/office/drawing/2014/main" xmlns="" id="{3DD01860-908D-480D-9E16-57CB5D81E724}"/>
               </a:ext>
             </a:extLst>
           </p:cNvPr>
@@ -2093,7 +2002,7 @@
           <p:cNvPr id="2" name="竖排标题 1">
             <a:extLst>
               <a:ext uri="{FF2B5EF4-FFF2-40B4-BE49-F238E27FC236}">
-                <a16:creationId xmlns="" xmlns:a16="http://schemas.microsoft.com/office/drawing/2014/main" id="{76AB9942-BC0B-49FC-BF8D-F31E5317632D}"/>
+                <a16:creationId xmlns:a16="http://schemas.microsoft.com/office/drawing/2014/main" xmlns="" id="{76AB9942-BC0B-49FC-BF8D-F31E5317632D}"/>
               </a:ext>
             </a:extLst>
           </p:cNvPr>
@@ -2126,7 +2035,7 @@
           <p:cNvPr id="3" name="竖排文字占位符 2">
             <a:extLst>
               <a:ext uri="{FF2B5EF4-FFF2-40B4-BE49-F238E27FC236}">
-                <a16:creationId xmlns="" xmlns:a16="http://schemas.microsoft.com/office/drawing/2014/main" id="{2D2DD732-DB05-4CF9-A114-44C90DC7C415}"/>
+                <a16:creationId xmlns:a16="http://schemas.microsoft.com/office/drawing/2014/main" xmlns="" id="{2D2DD732-DB05-4CF9-A114-44C90DC7C415}"/>
               </a:ext>
             </a:extLst>
           </p:cNvPr>
@@ -2188,7 +2097,7 @@
           <p:cNvPr id="4" name="日期占位符 3">
             <a:extLst>
               <a:ext uri="{FF2B5EF4-FFF2-40B4-BE49-F238E27FC236}">
-                <a16:creationId xmlns="" xmlns:a16="http://schemas.microsoft.com/office/drawing/2014/main" id="{1BEBAECB-1488-4432-9C49-431E403B84CB}"/>
+                <a16:creationId xmlns:a16="http://schemas.microsoft.com/office/drawing/2014/main" xmlns="" id="{1BEBAECB-1488-4432-9C49-431E403B84CB}"/>
               </a:ext>
             </a:extLst>
           </p:cNvPr>
@@ -2217,7 +2126,7 @@
           <p:cNvPr id="5" name="页脚占位符 4">
             <a:extLst>
               <a:ext uri="{FF2B5EF4-FFF2-40B4-BE49-F238E27FC236}">
-                <a16:creationId xmlns="" xmlns:a16="http://schemas.microsoft.com/office/drawing/2014/main" id="{0FED2E04-A6D5-49DF-B4B8-42BE89468866}"/>
+                <a16:creationId xmlns:a16="http://schemas.microsoft.com/office/drawing/2014/main" xmlns="" id="{0FED2E04-A6D5-49DF-B4B8-42BE89468866}"/>
               </a:ext>
             </a:extLst>
           </p:cNvPr>
@@ -2242,7 +2151,7 @@
           <p:cNvPr id="6" name="灯片编号占位符 5">
             <a:extLst>
               <a:ext uri="{FF2B5EF4-FFF2-40B4-BE49-F238E27FC236}">
-                <a16:creationId xmlns="" xmlns:a16="http://schemas.microsoft.com/office/drawing/2014/main" id="{1966340F-B878-40E4-BF96-94C5D2513CE7}"/>
+                <a16:creationId xmlns:a16="http://schemas.microsoft.com/office/drawing/2014/main" xmlns="" id="{1966340F-B878-40E4-BF96-94C5D2513CE7}"/>
               </a:ext>
             </a:extLst>
           </p:cNvPr>
@@ -2301,7 +2210,7 @@
           <p:cNvPr id="2" name="标题 1">
             <a:extLst>
               <a:ext uri="{FF2B5EF4-FFF2-40B4-BE49-F238E27FC236}">
-                <a16:creationId xmlns="" xmlns:a16="http://schemas.microsoft.com/office/drawing/2014/main" id="{108690B5-8955-4061-B43D-70E78EDCCEAA}"/>
+                <a16:creationId xmlns:a16="http://schemas.microsoft.com/office/drawing/2014/main" xmlns="" id="{108690B5-8955-4061-B43D-70E78EDCCEAA}"/>
               </a:ext>
             </a:extLst>
           </p:cNvPr>
@@ -2329,7 +2238,7 @@
           <p:cNvPr id="3" name="内容占位符 2">
             <a:extLst>
               <a:ext uri="{FF2B5EF4-FFF2-40B4-BE49-F238E27FC236}">
-                <a16:creationId xmlns="" xmlns:a16="http://schemas.microsoft.com/office/drawing/2014/main" id="{75380387-33AC-42A0-A9E5-C9C654487108}"/>
+                <a16:creationId xmlns:a16="http://schemas.microsoft.com/office/drawing/2014/main" xmlns="" id="{75380387-33AC-42A0-A9E5-C9C654487108}"/>
               </a:ext>
             </a:extLst>
           </p:cNvPr>
@@ -2386,7 +2295,7 @@
           <p:cNvPr id="4" name="日期占位符 3">
             <a:extLst>
               <a:ext uri="{FF2B5EF4-FFF2-40B4-BE49-F238E27FC236}">
-                <a16:creationId xmlns="" xmlns:a16="http://schemas.microsoft.com/office/drawing/2014/main" id="{D6C8054B-0A76-46E4-A521-B93238608BBD}"/>
+                <a16:creationId xmlns:a16="http://schemas.microsoft.com/office/drawing/2014/main" xmlns="" id="{D6C8054B-0A76-46E4-A521-B93238608BBD}"/>
               </a:ext>
             </a:extLst>
           </p:cNvPr>
@@ -2415,7 +2324,7 @@
           <p:cNvPr id="5" name="页脚占位符 4">
             <a:extLst>
               <a:ext uri="{FF2B5EF4-FFF2-40B4-BE49-F238E27FC236}">
-                <a16:creationId xmlns="" xmlns:a16="http://schemas.microsoft.com/office/drawing/2014/main" id="{DD5C01B0-1F8E-496E-80DD-689C17178D34}"/>
+                <a16:creationId xmlns:a16="http://schemas.microsoft.com/office/drawing/2014/main" xmlns="" id="{DD5C01B0-1F8E-496E-80DD-689C17178D34}"/>
               </a:ext>
             </a:extLst>
           </p:cNvPr>
@@ -2440,7 +2349,7 @@
           <p:cNvPr id="6" name="灯片编号占位符 5">
             <a:extLst>
               <a:ext uri="{FF2B5EF4-FFF2-40B4-BE49-F238E27FC236}">
-                <a16:creationId xmlns="" xmlns:a16="http://schemas.microsoft.com/office/drawing/2014/main" id="{45AA0149-BD98-45B2-8903-1357A02A8CDA}"/>
+                <a16:creationId xmlns:a16="http://schemas.microsoft.com/office/drawing/2014/main" xmlns="" id="{45AA0149-BD98-45B2-8903-1357A02A8CDA}"/>
               </a:ext>
             </a:extLst>
           </p:cNvPr>
@@ -2499,7 +2408,7 @@
           <p:cNvPr id="2" name="标题 1">
             <a:extLst>
               <a:ext uri="{FF2B5EF4-FFF2-40B4-BE49-F238E27FC236}">
-                <a16:creationId xmlns="" xmlns:a16="http://schemas.microsoft.com/office/drawing/2014/main" id="{A94CDDB9-1C40-4267-9B7E-8761058BDC98}"/>
+                <a16:creationId xmlns:a16="http://schemas.microsoft.com/office/drawing/2014/main" xmlns="" id="{A94CDDB9-1C40-4267-9B7E-8761058BDC98}"/>
               </a:ext>
             </a:extLst>
           </p:cNvPr>
@@ -2536,7 +2445,7 @@
           <p:cNvPr id="3" name="文本占位符 2">
             <a:extLst>
               <a:ext uri="{FF2B5EF4-FFF2-40B4-BE49-F238E27FC236}">
-                <a16:creationId xmlns="" xmlns:a16="http://schemas.microsoft.com/office/drawing/2014/main" id="{7F2FBBA4-4FD3-4F40-8F2C-D5717614AD34}"/>
+                <a16:creationId xmlns:a16="http://schemas.microsoft.com/office/drawing/2014/main" xmlns="" id="{7F2FBBA4-4FD3-4F40-8F2C-D5717614AD34}"/>
               </a:ext>
             </a:extLst>
           </p:cNvPr>
@@ -2661,7 +2570,7 @@
           <p:cNvPr id="4" name="日期占位符 3">
             <a:extLst>
               <a:ext uri="{FF2B5EF4-FFF2-40B4-BE49-F238E27FC236}">
-                <a16:creationId xmlns="" xmlns:a16="http://schemas.microsoft.com/office/drawing/2014/main" id="{D17DDD06-518C-4684-BE4B-1546B28FB2C8}"/>
+                <a16:creationId xmlns:a16="http://schemas.microsoft.com/office/drawing/2014/main" xmlns="" id="{D17DDD06-518C-4684-BE4B-1546B28FB2C8}"/>
               </a:ext>
             </a:extLst>
           </p:cNvPr>
@@ -2690,7 +2599,7 @@
           <p:cNvPr id="5" name="页脚占位符 4">
             <a:extLst>
               <a:ext uri="{FF2B5EF4-FFF2-40B4-BE49-F238E27FC236}">
-                <a16:creationId xmlns="" xmlns:a16="http://schemas.microsoft.com/office/drawing/2014/main" id="{1FB6678E-895C-4079-B26A-7BDEB4CEC7F3}"/>
+                <a16:creationId xmlns:a16="http://schemas.microsoft.com/office/drawing/2014/main" xmlns="" id="{1FB6678E-895C-4079-B26A-7BDEB4CEC7F3}"/>
               </a:ext>
             </a:extLst>
           </p:cNvPr>
@@ -2715,7 +2624,7 @@
           <p:cNvPr id="6" name="灯片编号占位符 5">
             <a:extLst>
               <a:ext uri="{FF2B5EF4-FFF2-40B4-BE49-F238E27FC236}">
-                <a16:creationId xmlns="" xmlns:a16="http://schemas.microsoft.com/office/drawing/2014/main" id="{2179A80E-5D58-4A50-9938-C5003F738B24}"/>
+                <a16:creationId xmlns:a16="http://schemas.microsoft.com/office/drawing/2014/main" xmlns="" id="{2179A80E-5D58-4A50-9938-C5003F738B24}"/>
               </a:ext>
             </a:extLst>
           </p:cNvPr>
@@ -2774,7 +2683,7 @@
           <p:cNvPr id="2" name="标题 1">
             <a:extLst>
               <a:ext uri="{FF2B5EF4-FFF2-40B4-BE49-F238E27FC236}">
-                <a16:creationId xmlns="" xmlns:a16="http://schemas.microsoft.com/office/drawing/2014/main" id="{B2D9A3D2-DE0A-49B9-A4C1-59AB124B2945}"/>
+                <a16:creationId xmlns:a16="http://schemas.microsoft.com/office/drawing/2014/main" xmlns="" id="{B2D9A3D2-DE0A-49B9-A4C1-59AB124B2945}"/>
               </a:ext>
             </a:extLst>
           </p:cNvPr>
@@ -2802,7 +2711,7 @@
           <p:cNvPr id="3" name="内容占位符 2">
             <a:extLst>
               <a:ext uri="{FF2B5EF4-FFF2-40B4-BE49-F238E27FC236}">
-                <a16:creationId xmlns="" xmlns:a16="http://schemas.microsoft.com/office/drawing/2014/main" id="{4505AC3E-BDA6-4E3E-B943-D3C9207A5086}"/>
+                <a16:creationId xmlns:a16="http://schemas.microsoft.com/office/drawing/2014/main" xmlns="" id="{4505AC3E-BDA6-4E3E-B943-D3C9207A5086}"/>
               </a:ext>
             </a:extLst>
           </p:cNvPr>
@@ -2864,7 +2773,7 @@
           <p:cNvPr id="4" name="内容占位符 3">
             <a:extLst>
               <a:ext uri="{FF2B5EF4-FFF2-40B4-BE49-F238E27FC236}">
-                <a16:creationId xmlns="" xmlns:a16="http://schemas.microsoft.com/office/drawing/2014/main" id="{95ECF529-AFAE-47AD-9C3F-EB80A8600841}"/>
+                <a16:creationId xmlns:a16="http://schemas.microsoft.com/office/drawing/2014/main" xmlns="" id="{95ECF529-AFAE-47AD-9C3F-EB80A8600841}"/>
               </a:ext>
             </a:extLst>
           </p:cNvPr>
@@ -2926,7 +2835,7 @@
           <p:cNvPr id="5" name="日期占位符 4">
             <a:extLst>
               <a:ext uri="{FF2B5EF4-FFF2-40B4-BE49-F238E27FC236}">
-                <a16:creationId xmlns="" xmlns:a16="http://schemas.microsoft.com/office/drawing/2014/main" id="{86BCBFA6-B0EB-432D-805E-CA6D60DCF46E}"/>
+                <a16:creationId xmlns:a16="http://schemas.microsoft.com/office/drawing/2014/main" xmlns="" id="{86BCBFA6-B0EB-432D-805E-CA6D60DCF46E}"/>
               </a:ext>
             </a:extLst>
           </p:cNvPr>
@@ -2955,7 +2864,7 @@
           <p:cNvPr id="6" name="页脚占位符 5">
             <a:extLst>
               <a:ext uri="{FF2B5EF4-FFF2-40B4-BE49-F238E27FC236}">
-                <a16:creationId xmlns="" xmlns:a16="http://schemas.microsoft.com/office/drawing/2014/main" id="{7343755D-86D8-480B-BFAC-635C875C030A}"/>
+                <a16:creationId xmlns:a16="http://schemas.microsoft.com/office/drawing/2014/main" xmlns="" id="{7343755D-86D8-480B-BFAC-635C875C030A}"/>
               </a:ext>
             </a:extLst>
           </p:cNvPr>
@@ -2980,7 +2889,7 @@
           <p:cNvPr id="7" name="灯片编号占位符 6">
             <a:extLst>
               <a:ext uri="{FF2B5EF4-FFF2-40B4-BE49-F238E27FC236}">
-                <a16:creationId xmlns="" xmlns:a16="http://schemas.microsoft.com/office/drawing/2014/main" id="{5C376EBC-A406-48F6-A4EB-C58FFF35E27A}"/>
+                <a16:creationId xmlns:a16="http://schemas.microsoft.com/office/drawing/2014/main" xmlns="" id="{5C376EBC-A406-48F6-A4EB-C58FFF35E27A}"/>
               </a:ext>
             </a:extLst>
           </p:cNvPr>
@@ -3039,7 +2948,7 @@
           <p:cNvPr id="2" name="标题 1">
             <a:extLst>
               <a:ext uri="{FF2B5EF4-FFF2-40B4-BE49-F238E27FC236}">
-                <a16:creationId xmlns="" xmlns:a16="http://schemas.microsoft.com/office/drawing/2014/main" id="{44B6D22A-245E-4D93-AC13-198080B4F29C}"/>
+                <a16:creationId xmlns:a16="http://schemas.microsoft.com/office/drawing/2014/main" xmlns="" id="{44B6D22A-245E-4D93-AC13-198080B4F29C}"/>
               </a:ext>
             </a:extLst>
           </p:cNvPr>
@@ -3072,7 +2981,7 @@
           <p:cNvPr id="3" name="文本占位符 2">
             <a:extLst>
               <a:ext uri="{FF2B5EF4-FFF2-40B4-BE49-F238E27FC236}">
-                <a16:creationId xmlns="" xmlns:a16="http://schemas.microsoft.com/office/drawing/2014/main" id="{58B4409B-A106-4F94-BB72-31D3FBF684F4}"/>
+                <a16:creationId xmlns:a16="http://schemas.microsoft.com/office/drawing/2014/main" xmlns="" id="{58B4409B-A106-4F94-BB72-31D3FBF684F4}"/>
               </a:ext>
             </a:extLst>
           </p:cNvPr>
@@ -3143,7 +3052,7 @@
           <p:cNvPr id="4" name="内容占位符 3">
             <a:extLst>
               <a:ext uri="{FF2B5EF4-FFF2-40B4-BE49-F238E27FC236}">
-                <a16:creationId xmlns="" xmlns:a16="http://schemas.microsoft.com/office/drawing/2014/main" id="{E24852AB-8694-459E-971E-AEE991618A0C}"/>
+                <a16:creationId xmlns:a16="http://schemas.microsoft.com/office/drawing/2014/main" xmlns="" id="{E24852AB-8694-459E-971E-AEE991618A0C}"/>
               </a:ext>
             </a:extLst>
           </p:cNvPr>
@@ -3205,7 +3114,7 @@
           <p:cNvPr id="5" name="文本占位符 4">
             <a:extLst>
               <a:ext uri="{FF2B5EF4-FFF2-40B4-BE49-F238E27FC236}">
-                <a16:creationId xmlns="" xmlns:a16="http://schemas.microsoft.com/office/drawing/2014/main" id="{EE2692A3-DA1A-45ED-A55D-63F0F0583EA7}"/>
+                <a16:creationId xmlns:a16="http://schemas.microsoft.com/office/drawing/2014/main" xmlns="" id="{EE2692A3-DA1A-45ED-A55D-63F0F0583EA7}"/>
               </a:ext>
             </a:extLst>
           </p:cNvPr>
@@ -3276,7 +3185,7 @@
           <p:cNvPr id="6" name="内容占位符 5">
             <a:extLst>
               <a:ext uri="{FF2B5EF4-FFF2-40B4-BE49-F238E27FC236}">
-                <a16:creationId xmlns="" xmlns:a16="http://schemas.microsoft.com/office/drawing/2014/main" id="{B2F581BB-C505-4808-A75F-B3095B8AE9E2}"/>
+                <a16:creationId xmlns:a16="http://schemas.microsoft.com/office/drawing/2014/main" xmlns="" id="{B2F581BB-C505-4808-A75F-B3095B8AE9E2}"/>
               </a:ext>
             </a:extLst>
           </p:cNvPr>
@@ -3338,7 +3247,7 @@
           <p:cNvPr id="7" name="日期占位符 6">
             <a:extLst>
               <a:ext uri="{FF2B5EF4-FFF2-40B4-BE49-F238E27FC236}">
-                <a16:creationId xmlns="" xmlns:a16="http://schemas.microsoft.com/office/drawing/2014/main" id="{C1F105F1-B05B-4C7E-902F-899454D532BC}"/>
+                <a16:creationId xmlns:a16="http://schemas.microsoft.com/office/drawing/2014/main" xmlns="" id="{C1F105F1-B05B-4C7E-902F-899454D532BC}"/>
               </a:ext>
             </a:extLst>
           </p:cNvPr>
@@ -3367,7 +3276,7 @@
           <p:cNvPr id="8" name="页脚占位符 7">
             <a:extLst>
               <a:ext uri="{FF2B5EF4-FFF2-40B4-BE49-F238E27FC236}">
-                <a16:creationId xmlns="" xmlns:a16="http://schemas.microsoft.com/office/drawing/2014/main" id="{7243FD2E-8785-4304-9E62-B925FF64635C}"/>
+                <a16:creationId xmlns:a16="http://schemas.microsoft.com/office/drawing/2014/main" xmlns="" id="{7243FD2E-8785-4304-9E62-B925FF64635C}"/>
               </a:ext>
             </a:extLst>
           </p:cNvPr>
@@ -3392,7 +3301,7 @@
           <p:cNvPr id="9" name="灯片编号占位符 8">
             <a:extLst>
               <a:ext uri="{FF2B5EF4-FFF2-40B4-BE49-F238E27FC236}">
-                <a16:creationId xmlns="" xmlns:a16="http://schemas.microsoft.com/office/drawing/2014/main" id="{9D208CEF-E800-42B4-BFE0-56C503E2BF05}"/>
+                <a16:creationId xmlns:a16="http://schemas.microsoft.com/office/drawing/2014/main" xmlns="" id="{9D208CEF-E800-42B4-BFE0-56C503E2BF05}"/>
               </a:ext>
             </a:extLst>
           </p:cNvPr>
@@ -3451,7 +3360,7 @@
           <p:cNvPr id="2" name="标题 1">
             <a:extLst>
               <a:ext uri="{FF2B5EF4-FFF2-40B4-BE49-F238E27FC236}">
-                <a16:creationId xmlns="" xmlns:a16="http://schemas.microsoft.com/office/drawing/2014/main" id="{46EC76D2-EB93-4567-B447-808CAD3DB76E}"/>
+                <a16:creationId xmlns:a16="http://schemas.microsoft.com/office/drawing/2014/main" xmlns="" id="{46EC76D2-EB93-4567-B447-808CAD3DB76E}"/>
               </a:ext>
             </a:extLst>
           </p:cNvPr>
@@ -3479,7 +3388,7 @@
           <p:cNvPr id="3" name="日期占位符 2">
             <a:extLst>
               <a:ext uri="{FF2B5EF4-FFF2-40B4-BE49-F238E27FC236}">
-                <a16:creationId xmlns="" xmlns:a16="http://schemas.microsoft.com/office/drawing/2014/main" id="{77D1238F-BD38-4187-B375-38714630C90B}"/>
+                <a16:creationId xmlns:a16="http://schemas.microsoft.com/office/drawing/2014/main" xmlns="" id="{77D1238F-BD38-4187-B375-38714630C90B}"/>
               </a:ext>
             </a:extLst>
           </p:cNvPr>
@@ -3508,7 +3417,7 @@
           <p:cNvPr id="4" name="页脚占位符 3">
             <a:extLst>
               <a:ext uri="{FF2B5EF4-FFF2-40B4-BE49-F238E27FC236}">
-                <a16:creationId xmlns="" xmlns:a16="http://schemas.microsoft.com/office/drawing/2014/main" id="{00E9A245-DD63-44D7-93DA-AB7A8F872142}"/>
+                <a16:creationId xmlns:a16="http://schemas.microsoft.com/office/drawing/2014/main" xmlns="" id="{00E9A245-DD63-44D7-93DA-AB7A8F872142}"/>
               </a:ext>
             </a:extLst>
           </p:cNvPr>
@@ -3533,7 +3442,7 @@
           <p:cNvPr id="5" name="灯片编号占位符 4">
             <a:extLst>
               <a:ext uri="{FF2B5EF4-FFF2-40B4-BE49-F238E27FC236}">
-                <a16:creationId xmlns="" xmlns:a16="http://schemas.microsoft.com/office/drawing/2014/main" id="{3566FBD5-59BD-4303-B634-D6ABD4450DC9}"/>
+                <a16:creationId xmlns:a16="http://schemas.microsoft.com/office/drawing/2014/main" xmlns="" id="{3566FBD5-59BD-4303-B634-D6ABD4450DC9}"/>
               </a:ext>
             </a:extLst>
           </p:cNvPr>
@@ -3592,7 +3501,7 @@
           <p:cNvPr id="2" name="日期占位符 1">
             <a:extLst>
               <a:ext uri="{FF2B5EF4-FFF2-40B4-BE49-F238E27FC236}">
-                <a16:creationId xmlns="" xmlns:a16="http://schemas.microsoft.com/office/drawing/2014/main" id="{FA1FCF9D-156B-4A6E-A648-4391614E108F}"/>
+                <a16:creationId xmlns:a16="http://schemas.microsoft.com/office/drawing/2014/main" xmlns="" id="{FA1FCF9D-156B-4A6E-A648-4391614E108F}"/>
               </a:ext>
             </a:extLst>
           </p:cNvPr>
@@ -3621,7 +3530,7 @@
           <p:cNvPr id="3" name="页脚占位符 2">
             <a:extLst>
               <a:ext uri="{FF2B5EF4-FFF2-40B4-BE49-F238E27FC236}">
-                <a16:creationId xmlns="" xmlns:a16="http://schemas.microsoft.com/office/drawing/2014/main" id="{0D5F5748-F9E6-476B-BC6A-B43114D73212}"/>
+                <a16:creationId xmlns:a16="http://schemas.microsoft.com/office/drawing/2014/main" xmlns="" id="{0D5F5748-F9E6-476B-BC6A-B43114D73212}"/>
               </a:ext>
             </a:extLst>
           </p:cNvPr>
@@ -3646,7 +3555,7 @@
           <p:cNvPr id="4" name="灯片编号占位符 3">
             <a:extLst>
               <a:ext uri="{FF2B5EF4-FFF2-40B4-BE49-F238E27FC236}">
-                <a16:creationId xmlns="" xmlns:a16="http://schemas.microsoft.com/office/drawing/2014/main" id="{9F04614D-F46E-46AC-B56A-E45F29B73404}"/>
+                <a16:creationId xmlns:a16="http://schemas.microsoft.com/office/drawing/2014/main" xmlns="" id="{9F04614D-F46E-46AC-B56A-E45F29B73404}"/>
               </a:ext>
             </a:extLst>
           </p:cNvPr>
@@ -3705,7 +3614,7 @@
           <p:cNvPr id="2" name="标题 1">
             <a:extLst>
               <a:ext uri="{FF2B5EF4-FFF2-40B4-BE49-F238E27FC236}">
-                <a16:creationId xmlns="" xmlns:a16="http://schemas.microsoft.com/office/drawing/2014/main" id="{89BE3CAC-FBE4-4EF3-8412-6E63BEB92B23}"/>
+                <a16:creationId xmlns:a16="http://schemas.microsoft.com/office/drawing/2014/main" xmlns="" id="{89BE3CAC-FBE4-4EF3-8412-6E63BEB92B23}"/>
               </a:ext>
             </a:extLst>
           </p:cNvPr>
@@ -3742,7 +3651,7 @@
           <p:cNvPr id="3" name="内容占位符 2">
             <a:extLst>
               <a:ext uri="{FF2B5EF4-FFF2-40B4-BE49-F238E27FC236}">
-                <a16:creationId xmlns="" xmlns:a16="http://schemas.microsoft.com/office/drawing/2014/main" id="{D9A1068C-1C90-4063-9C2C-DC6CBAB9E9EA}"/>
+                <a16:creationId xmlns:a16="http://schemas.microsoft.com/office/drawing/2014/main" xmlns="" id="{D9A1068C-1C90-4063-9C2C-DC6CBAB9E9EA}"/>
               </a:ext>
             </a:extLst>
           </p:cNvPr>
@@ -3832,7 +3741,7 @@
           <p:cNvPr id="4" name="文本占位符 3">
             <a:extLst>
               <a:ext uri="{FF2B5EF4-FFF2-40B4-BE49-F238E27FC236}">
-                <a16:creationId xmlns="" xmlns:a16="http://schemas.microsoft.com/office/drawing/2014/main" id="{23D2293C-597F-427B-86D2-19B2A6296567}"/>
+                <a16:creationId xmlns:a16="http://schemas.microsoft.com/office/drawing/2014/main" xmlns="" id="{23D2293C-597F-427B-86D2-19B2A6296567}"/>
               </a:ext>
             </a:extLst>
           </p:cNvPr>
@@ -3903,7 +3812,7 @@
           <p:cNvPr id="5" name="日期占位符 4">
             <a:extLst>
               <a:ext uri="{FF2B5EF4-FFF2-40B4-BE49-F238E27FC236}">
-                <a16:creationId xmlns="" xmlns:a16="http://schemas.microsoft.com/office/drawing/2014/main" id="{85CCACAF-D8B3-4E73-A976-AF77624F016E}"/>
+                <a16:creationId xmlns:a16="http://schemas.microsoft.com/office/drawing/2014/main" xmlns="" id="{85CCACAF-D8B3-4E73-A976-AF77624F016E}"/>
               </a:ext>
             </a:extLst>
           </p:cNvPr>
@@ -3932,7 +3841,7 @@
           <p:cNvPr id="6" name="页脚占位符 5">
             <a:extLst>
               <a:ext uri="{FF2B5EF4-FFF2-40B4-BE49-F238E27FC236}">
-                <a16:creationId xmlns="" xmlns:a16="http://schemas.microsoft.com/office/drawing/2014/main" id="{06BC77CC-B655-4F42-A5E0-550B6EB48092}"/>
+                <a16:creationId xmlns:a16="http://schemas.microsoft.com/office/drawing/2014/main" xmlns="" id="{06BC77CC-B655-4F42-A5E0-550B6EB48092}"/>
               </a:ext>
             </a:extLst>
           </p:cNvPr>
@@ -3957,7 +3866,7 @@
           <p:cNvPr id="7" name="灯片编号占位符 6">
             <a:extLst>
               <a:ext uri="{FF2B5EF4-FFF2-40B4-BE49-F238E27FC236}">
-                <a16:creationId xmlns="" xmlns:a16="http://schemas.microsoft.com/office/drawing/2014/main" id="{3729CF2D-810E-4B8F-BA9A-355EBDA591BE}"/>
+                <a16:creationId xmlns:a16="http://schemas.microsoft.com/office/drawing/2014/main" xmlns="" id="{3729CF2D-810E-4B8F-BA9A-355EBDA591BE}"/>
               </a:ext>
             </a:extLst>
           </p:cNvPr>
@@ -4016,7 +3925,7 @@
           <p:cNvPr id="2" name="标题 1">
             <a:extLst>
               <a:ext uri="{FF2B5EF4-FFF2-40B4-BE49-F238E27FC236}">
-                <a16:creationId xmlns="" xmlns:a16="http://schemas.microsoft.com/office/drawing/2014/main" id="{ED50F685-FBA7-439B-A9AC-45D9B840CDA8}"/>
+                <a16:creationId xmlns:a16="http://schemas.microsoft.com/office/drawing/2014/main" xmlns="" id="{ED50F685-FBA7-439B-A9AC-45D9B840CDA8}"/>
               </a:ext>
             </a:extLst>
           </p:cNvPr>
@@ -4053,7 +3962,7 @@
           <p:cNvPr id="3" name="图片占位符 2">
             <a:extLst>
               <a:ext uri="{FF2B5EF4-FFF2-40B4-BE49-F238E27FC236}">
-                <a16:creationId xmlns="" xmlns:a16="http://schemas.microsoft.com/office/drawing/2014/main" id="{974468BF-394F-4B50-8CB2-CFF33FF51FCF}"/>
+                <a16:creationId xmlns:a16="http://schemas.microsoft.com/office/drawing/2014/main" xmlns="" id="{974468BF-394F-4B50-8CB2-CFF33FF51FCF}"/>
               </a:ext>
             </a:extLst>
           </p:cNvPr>
@@ -4120,7 +4029,7 @@
           <p:cNvPr id="4" name="文本占位符 3">
             <a:extLst>
               <a:ext uri="{FF2B5EF4-FFF2-40B4-BE49-F238E27FC236}">
-                <a16:creationId xmlns="" xmlns:a16="http://schemas.microsoft.com/office/drawing/2014/main" id="{99AE15C1-1210-4CB2-B05E-143B67F2B785}"/>
+                <a16:creationId xmlns:a16="http://schemas.microsoft.com/office/drawing/2014/main" xmlns="" id="{99AE15C1-1210-4CB2-B05E-143B67F2B785}"/>
               </a:ext>
             </a:extLst>
           </p:cNvPr>
@@ -4191,7 +4100,7 @@
           <p:cNvPr id="5" name="日期占位符 4">
             <a:extLst>
               <a:ext uri="{FF2B5EF4-FFF2-40B4-BE49-F238E27FC236}">
-                <a16:creationId xmlns="" xmlns:a16="http://schemas.microsoft.com/office/drawing/2014/main" id="{8061075D-3EDC-489E-BE58-040CF5358FC7}"/>
+                <a16:creationId xmlns:a16="http://schemas.microsoft.com/office/drawing/2014/main" xmlns="" id="{8061075D-3EDC-489E-BE58-040CF5358FC7}"/>
               </a:ext>
             </a:extLst>
           </p:cNvPr>
@@ -4220,7 +4129,7 @@
           <p:cNvPr id="6" name="页脚占位符 5">
             <a:extLst>
               <a:ext uri="{FF2B5EF4-FFF2-40B4-BE49-F238E27FC236}">
-                <a16:creationId xmlns="" xmlns:a16="http://schemas.microsoft.com/office/drawing/2014/main" id="{D1726C38-D6F2-4742-BCD5-7AA0328D00F1}"/>
+                <a16:creationId xmlns:a16="http://schemas.microsoft.com/office/drawing/2014/main" xmlns="" id="{D1726C38-D6F2-4742-BCD5-7AA0328D00F1}"/>
               </a:ext>
             </a:extLst>
           </p:cNvPr>
@@ -4245,7 +4154,7 @@
           <p:cNvPr id="7" name="灯片编号占位符 6">
             <a:extLst>
               <a:ext uri="{FF2B5EF4-FFF2-40B4-BE49-F238E27FC236}">
-                <a16:creationId xmlns="" xmlns:a16="http://schemas.microsoft.com/office/drawing/2014/main" id="{06FC0151-7C76-4F26-ADE2-8BB2A5CEC5CA}"/>
+                <a16:creationId xmlns:a16="http://schemas.microsoft.com/office/drawing/2014/main" xmlns="" id="{06FC0151-7C76-4F26-ADE2-8BB2A5CEC5CA}"/>
               </a:ext>
             </a:extLst>
           </p:cNvPr>
@@ -4309,7 +4218,7 @@
           <p:cNvPr id="2" name="标题占位符 1">
             <a:extLst>
               <a:ext uri="{FF2B5EF4-FFF2-40B4-BE49-F238E27FC236}">
-                <a16:creationId xmlns="" xmlns:a16="http://schemas.microsoft.com/office/drawing/2014/main" id="{BB966A6F-2E08-4EBC-93F9-F91BCD163F3A}"/>
+                <a16:creationId xmlns:a16="http://schemas.microsoft.com/office/drawing/2014/main" xmlns="" id="{BB966A6F-2E08-4EBC-93F9-F91BCD163F3A}"/>
               </a:ext>
             </a:extLst>
           </p:cNvPr>
@@ -4347,7 +4256,7 @@
           <p:cNvPr id="3" name="文本占位符 2">
             <a:extLst>
               <a:ext uri="{FF2B5EF4-FFF2-40B4-BE49-F238E27FC236}">
-                <a16:creationId xmlns="" xmlns:a16="http://schemas.microsoft.com/office/drawing/2014/main" id="{16D1DB00-274F-4910-8812-39D8C8E893AE}"/>
+                <a16:creationId xmlns:a16="http://schemas.microsoft.com/office/drawing/2014/main" xmlns="" id="{16D1DB00-274F-4910-8812-39D8C8E893AE}"/>
               </a:ext>
             </a:extLst>
           </p:cNvPr>
@@ -4414,7 +4323,7 @@
           <p:cNvPr id="4" name="日期占位符 3">
             <a:extLst>
               <a:ext uri="{FF2B5EF4-FFF2-40B4-BE49-F238E27FC236}">
-                <a16:creationId xmlns="" xmlns:a16="http://schemas.microsoft.com/office/drawing/2014/main" id="{BD3A351B-4179-42BC-BD46-227F6A39EC06}"/>
+                <a16:creationId xmlns:a16="http://schemas.microsoft.com/office/drawing/2014/main" xmlns="" id="{BD3A351B-4179-42BC-BD46-227F6A39EC06}"/>
               </a:ext>
             </a:extLst>
           </p:cNvPr>
@@ -4464,7 +4373,7 @@
           <p:cNvPr id="5" name="页脚占位符 4">
             <a:extLst>
               <a:ext uri="{FF2B5EF4-FFF2-40B4-BE49-F238E27FC236}">
-                <a16:creationId xmlns="" xmlns:a16="http://schemas.microsoft.com/office/drawing/2014/main" id="{E09376B8-C9A3-4AA9-85AF-E8E8889004D8}"/>
+                <a16:creationId xmlns:a16="http://schemas.microsoft.com/office/drawing/2014/main" xmlns="" id="{E09376B8-C9A3-4AA9-85AF-E8E8889004D8}"/>
               </a:ext>
             </a:extLst>
           </p:cNvPr>
@@ -4509,7 +4418,7 @@
           <p:cNvPr id="6" name="灯片编号占位符 5">
             <a:extLst>
               <a:ext uri="{FF2B5EF4-FFF2-40B4-BE49-F238E27FC236}">
-                <a16:creationId xmlns="" xmlns:a16="http://schemas.microsoft.com/office/drawing/2014/main" id="{C38AB925-E5A7-468B-B412-FE65C67AE239}"/>
+                <a16:creationId xmlns:a16="http://schemas.microsoft.com/office/drawing/2014/main" xmlns="" id="{C38AB925-E5A7-468B-B412-FE65C67AE239}"/>
               </a:ext>
             </a:extLst>
           </p:cNvPr>
@@ -4880,7 +4789,7 @@
           <p:cNvPr id="2" name="标题 1">
             <a:extLst>
               <a:ext uri="{FF2B5EF4-FFF2-40B4-BE49-F238E27FC236}">
-                <a16:creationId xmlns="" xmlns:a16="http://schemas.microsoft.com/office/drawing/2014/main" id="{D78CBF35-33D6-476E-BD06-FC055E3E727F}"/>
+                <a16:creationId xmlns:a16="http://schemas.microsoft.com/office/drawing/2014/main" xmlns="" id="{D78CBF35-33D6-476E-BD06-FC055E3E727F}"/>
               </a:ext>
             </a:extLst>
           </p:cNvPr>
@@ -4908,7 +4817,7 @@
           <p:cNvPr id="3" name="副标题 2">
             <a:extLst>
               <a:ext uri="{FF2B5EF4-FFF2-40B4-BE49-F238E27FC236}">
-                <a16:creationId xmlns="" xmlns:a16="http://schemas.microsoft.com/office/drawing/2014/main" id="{918EFB2C-CCE9-4D21-A6AE-5936BD7BEED1}"/>
+                <a16:creationId xmlns:a16="http://schemas.microsoft.com/office/drawing/2014/main" xmlns="" id="{918EFB2C-CCE9-4D21-A6AE-5936BD7BEED1}"/>
               </a:ext>
             </a:extLst>
           </p:cNvPr>
@@ -4942,6 +4851,13 @@
   <p:clrMapOvr>
     <a:masterClrMapping/>
   </p:clrMapOvr>
+  <p:timing>
+    <p:tnLst>
+      <p:par>
+        <p:cTn id="1" dur="indefinite" restart="never" nodeType="tmRoot"/>
+      </p:par>
+    </p:tnLst>
+  </p:timing>
 </p:sld>
 </file>
 
@@ -4967,7 +4883,7 @@
           <p:cNvPr id="2" name="标题 1">
             <a:extLst>
               <a:ext uri="{FF2B5EF4-FFF2-40B4-BE49-F238E27FC236}">
-                <a16:creationId xmlns="" xmlns:a16="http://schemas.microsoft.com/office/drawing/2014/main" id="{553E198E-DBC0-435A-9156-FA2EFFA6583F}"/>
+                <a16:creationId xmlns:a16="http://schemas.microsoft.com/office/drawing/2014/main" xmlns="" id="{553E198E-DBC0-435A-9156-FA2EFFA6583F}"/>
               </a:ext>
             </a:extLst>
           </p:cNvPr>
@@ -4995,7 +4911,7 @@
           <p:cNvPr id="3" name="内容占位符 2">
             <a:extLst>
               <a:ext uri="{FF2B5EF4-FFF2-40B4-BE49-F238E27FC236}">
-                <a16:creationId xmlns="" xmlns:a16="http://schemas.microsoft.com/office/drawing/2014/main" id="{A35EE033-A565-4EAD-8FB2-AB0693611C90}"/>
+                <a16:creationId xmlns:a16="http://schemas.microsoft.com/office/drawing/2014/main" xmlns="" id="{A35EE033-A565-4EAD-8FB2-AB0693611C90}"/>
               </a:ext>
             </a:extLst>
           </p:cNvPr>
@@ -5104,7 +5020,7 @@
           <p:cNvPr id="5" name="图片 4">
             <a:extLst>
               <a:ext uri="{FF2B5EF4-FFF2-40B4-BE49-F238E27FC236}">
-                <a16:creationId xmlns="" xmlns:a16="http://schemas.microsoft.com/office/drawing/2014/main" id="{2CD3C43C-E248-4300-AAD4-1AB319859159}"/>
+                <a16:creationId xmlns:a16="http://schemas.microsoft.com/office/drawing/2014/main" xmlns="" id="{2CD3C43C-E248-4300-AAD4-1AB319859159}"/>
               </a:ext>
             </a:extLst>
           </p:cNvPr>
@@ -5134,7 +5050,7 @@
           <p:cNvPr id="7" name="矩形 6">
             <a:extLst>
               <a:ext uri="{FF2B5EF4-FFF2-40B4-BE49-F238E27FC236}">
-                <a16:creationId xmlns="" xmlns:a16="http://schemas.microsoft.com/office/drawing/2014/main" id="{72838BD5-248D-43C4-B633-8A424805D4B0}"/>
+                <a16:creationId xmlns:a16="http://schemas.microsoft.com/office/drawing/2014/main" xmlns="" id="{72838BD5-248D-43C4-B633-8A424805D4B0}"/>
               </a:ext>
             </a:extLst>
           </p:cNvPr>
@@ -5212,7 +5128,7 @@
           <p:cNvPr id="2" name="标题 1">
             <a:extLst>
               <a:ext uri="{FF2B5EF4-FFF2-40B4-BE49-F238E27FC236}">
-                <a16:creationId xmlns="" xmlns:a16="http://schemas.microsoft.com/office/drawing/2014/main" id="{553E198E-DBC0-435A-9156-FA2EFFA6583F}"/>
+                <a16:creationId xmlns:a16="http://schemas.microsoft.com/office/drawing/2014/main" xmlns="" id="{553E198E-DBC0-435A-9156-FA2EFFA6583F}"/>
               </a:ext>
             </a:extLst>
           </p:cNvPr>
@@ -5240,7 +5156,7 @@
           <p:cNvPr id="3" name="内容占位符 2">
             <a:extLst>
               <a:ext uri="{FF2B5EF4-FFF2-40B4-BE49-F238E27FC236}">
-                <a16:creationId xmlns="" xmlns:a16="http://schemas.microsoft.com/office/drawing/2014/main" id="{A35EE033-A565-4EAD-8FB2-AB0693611C90}"/>
+                <a16:creationId xmlns:a16="http://schemas.microsoft.com/office/drawing/2014/main" xmlns="" id="{A35EE033-A565-4EAD-8FB2-AB0693611C90}"/>
               </a:ext>
             </a:extLst>
           </p:cNvPr>
@@ -5293,7 +5209,7 @@
           <p:cNvPr id="5" name="图片 4">
             <a:extLst>
               <a:ext uri="{FF2B5EF4-FFF2-40B4-BE49-F238E27FC236}">
-                <a16:creationId xmlns="" xmlns:a16="http://schemas.microsoft.com/office/drawing/2014/main" id="{3B80DFDC-30B1-47B7-AFCE-D1BC7EEF8E93}"/>
+                <a16:creationId xmlns:a16="http://schemas.microsoft.com/office/drawing/2014/main" xmlns="" id="{3B80DFDC-30B1-47B7-AFCE-D1BC7EEF8E93}"/>
               </a:ext>
             </a:extLst>
           </p:cNvPr>
@@ -5323,7 +5239,7 @@
           <p:cNvPr id="8" name="矩形 7">
             <a:extLst>
               <a:ext uri="{FF2B5EF4-FFF2-40B4-BE49-F238E27FC236}">
-                <a16:creationId xmlns="" xmlns:a16="http://schemas.microsoft.com/office/drawing/2014/main" id="{9B8C8642-2886-40E5-BE92-3D799F665CC6}"/>
+                <a16:creationId xmlns:a16="http://schemas.microsoft.com/office/drawing/2014/main" xmlns="" id="{9B8C8642-2886-40E5-BE92-3D799F665CC6}"/>
               </a:ext>
             </a:extLst>
           </p:cNvPr>
@@ -5413,7 +5329,7 @@
           <p:cNvPr id="11" name="矩形 10">
             <a:extLst>
               <a:ext uri="{FF2B5EF4-FFF2-40B4-BE49-F238E27FC236}">
-                <a16:creationId xmlns="" xmlns:a16="http://schemas.microsoft.com/office/drawing/2014/main" id="{5E3867D8-1019-4257-B11E-4C1E31EA7D40}"/>
+                <a16:creationId xmlns:a16="http://schemas.microsoft.com/office/drawing/2014/main" xmlns="" id="{5E3867D8-1019-4257-B11E-4C1E31EA7D40}"/>
               </a:ext>
             </a:extLst>
           </p:cNvPr>
@@ -5491,7 +5407,7 @@
           <p:cNvPr id="2" name="标题 1">
             <a:extLst>
               <a:ext uri="{FF2B5EF4-FFF2-40B4-BE49-F238E27FC236}">
-                <a16:creationId xmlns="" xmlns:a16="http://schemas.microsoft.com/office/drawing/2014/main" id="{553E198E-DBC0-435A-9156-FA2EFFA6583F}"/>
+                <a16:creationId xmlns:a16="http://schemas.microsoft.com/office/drawing/2014/main" xmlns="" id="{553E198E-DBC0-435A-9156-FA2EFFA6583F}"/>
               </a:ext>
             </a:extLst>
           </p:cNvPr>
@@ -5519,7 +5435,7 @@
           <p:cNvPr id="3" name="内容占位符 2">
             <a:extLst>
               <a:ext uri="{FF2B5EF4-FFF2-40B4-BE49-F238E27FC236}">
-                <a16:creationId xmlns="" xmlns:a16="http://schemas.microsoft.com/office/drawing/2014/main" id="{A35EE033-A565-4EAD-8FB2-AB0693611C90}"/>
+                <a16:creationId xmlns:a16="http://schemas.microsoft.com/office/drawing/2014/main" xmlns="" id="{A35EE033-A565-4EAD-8FB2-AB0693611C90}"/>
               </a:ext>
             </a:extLst>
           </p:cNvPr>
@@ -5604,7 +5520,7 @@
           <p:cNvPr id="4" name="图片 3">
             <a:extLst>
               <a:ext uri="{FF2B5EF4-FFF2-40B4-BE49-F238E27FC236}">
-                <a16:creationId xmlns="" xmlns:a16="http://schemas.microsoft.com/office/drawing/2014/main" id="{01338AFF-1444-4FE3-B030-FF4112FF4AB5}"/>
+                <a16:creationId xmlns:a16="http://schemas.microsoft.com/office/drawing/2014/main" xmlns="" id="{01338AFF-1444-4FE3-B030-FF4112FF4AB5}"/>
               </a:ext>
             </a:extLst>
           </p:cNvPr>
@@ -5634,7 +5550,7 @@
           <p:cNvPr id="5" name="图片 4">
             <a:extLst>
               <a:ext uri="{FF2B5EF4-FFF2-40B4-BE49-F238E27FC236}">
-                <a16:creationId xmlns="" xmlns:a16="http://schemas.microsoft.com/office/drawing/2014/main" id="{C011027A-6376-4B69-8E33-56B184E0AF27}"/>
+                <a16:creationId xmlns:a16="http://schemas.microsoft.com/office/drawing/2014/main" xmlns="" id="{C011027A-6376-4B69-8E33-56B184E0AF27}"/>
               </a:ext>
             </a:extLst>
           </p:cNvPr>
@@ -5664,7 +5580,7 @@
           <p:cNvPr id="6" name="矩形 5">
             <a:extLst>
               <a:ext uri="{FF2B5EF4-FFF2-40B4-BE49-F238E27FC236}">
-                <a16:creationId xmlns="" xmlns:a16="http://schemas.microsoft.com/office/drawing/2014/main" id="{C6B58138-8841-4DA1-A9A8-7DF0E0883B80}"/>
+                <a16:creationId xmlns:a16="http://schemas.microsoft.com/office/drawing/2014/main" xmlns="" id="{C6B58138-8841-4DA1-A9A8-7DF0E0883B80}"/>
               </a:ext>
             </a:extLst>
           </p:cNvPr>
@@ -5763,7 +5679,7 @@
           <p:cNvPr id="2" name="标题 1">
             <a:extLst>
               <a:ext uri="{FF2B5EF4-FFF2-40B4-BE49-F238E27FC236}">
-                <a16:creationId xmlns="" xmlns:a16="http://schemas.microsoft.com/office/drawing/2014/main" id="{553E198E-DBC0-435A-9156-FA2EFFA6583F}"/>
+                <a16:creationId xmlns:a16="http://schemas.microsoft.com/office/drawing/2014/main" xmlns="" id="{553E198E-DBC0-435A-9156-FA2EFFA6583F}"/>
               </a:ext>
             </a:extLst>
           </p:cNvPr>
@@ -5791,7 +5707,7 @@
           <p:cNvPr id="3" name="内容占位符 2">
             <a:extLst>
               <a:ext uri="{FF2B5EF4-FFF2-40B4-BE49-F238E27FC236}">
-                <a16:creationId xmlns="" xmlns:a16="http://schemas.microsoft.com/office/drawing/2014/main" id="{A35EE033-A565-4EAD-8FB2-AB0693611C90}"/>
+                <a16:creationId xmlns:a16="http://schemas.microsoft.com/office/drawing/2014/main" xmlns="" id="{A35EE033-A565-4EAD-8FB2-AB0693611C90}"/>
               </a:ext>
             </a:extLst>
           </p:cNvPr>
@@ -5967,7 +5883,7 @@
           <p:cNvPr id="2" name="标题 1">
             <a:extLst>
               <a:ext uri="{FF2B5EF4-FFF2-40B4-BE49-F238E27FC236}">
-                <a16:creationId xmlns="" xmlns:a16="http://schemas.microsoft.com/office/drawing/2014/main" id="{553E198E-DBC0-435A-9156-FA2EFFA6583F}"/>
+                <a16:creationId xmlns:a16="http://schemas.microsoft.com/office/drawing/2014/main" xmlns="" id="{553E198E-DBC0-435A-9156-FA2EFFA6583F}"/>
               </a:ext>
             </a:extLst>
           </p:cNvPr>
@@ -5995,7 +5911,7 @@
           <p:cNvPr id="3" name="内容占位符 2">
             <a:extLst>
               <a:ext uri="{FF2B5EF4-FFF2-40B4-BE49-F238E27FC236}">
-                <a16:creationId xmlns="" xmlns:a16="http://schemas.microsoft.com/office/drawing/2014/main" id="{A35EE033-A565-4EAD-8FB2-AB0693611C90}"/>
+                <a16:creationId xmlns:a16="http://schemas.microsoft.com/office/drawing/2014/main" xmlns="" id="{A35EE033-A565-4EAD-8FB2-AB0693611C90}"/>
               </a:ext>
             </a:extLst>
           </p:cNvPr>
@@ -6119,113 +6035,6 @@
     <p:extLst>
       <p:ext uri="{BB962C8B-B14F-4D97-AF65-F5344CB8AC3E}">
         <p14:creationId xmlns:p14="http://schemas.microsoft.com/office/powerpoint/2010/main" val="2743425346"/>
-      </p:ext>
-    </p:extLst>
-  </p:cSld>
-  <p:clrMapOvr>
-    <a:masterClrMapping/>
-  </p:clrMapOvr>
-  <p:timing>
-    <p:tnLst>
-      <p:par>
-        <p:cTn id="1" dur="indefinite" restart="never" nodeType="tmRoot"/>
-      </p:par>
-    </p:tnLst>
-  </p:timing>
-</p:sld>
-</file>
-
-<file path=ppt/slides/slide15.xml><?xml version="1.0" encoding="utf-8"?>
-<p:sld xmlns:a="http://schemas.openxmlformats.org/drawingml/2006/main" xmlns:r="http://schemas.openxmlformats.org/officeDocument/2006/relationships" xmlns:p="http://schemas.openxmlformats.org/presentationml/2006/main">
-  <p:cSld>
-    <p:spTree>
-      <p:nvGrpSpPr>
-        <p:cNvPr id="1" name=""/>
-        <p:cNvGrpSpPr/>
-        <p:nvPr/>
-      </p:nvGrpSpPr>
-      <p:grpSpPr>
-        <a:xfrm>
-          <a:off x="0" y="0"/>
-          <a:ext cx="0" cy="0"/>
-          <a:chOff x="0" y="0"/>
-          <a:chExt cx="0" cy="0"/>
-        </a:xfrm>
-      </p:grpSpPr>
-      <p:sp>
-        <p:nvSpPr>
-          <p:cNvPr id="2" name="标题 1">
-            <a:extLst>
-              <a:ext uri="{FF2B5EF4-FFF2-40B4-BE49-F238E27FC236}">
-                <a16:creationId xmlns="" xmlns:a16="http://schemas.microsoft.com/office/drawing/2014/main" id="{D78CBF35-33D6-476E-BD06-FC055E3E727F}"/>
-              </a:ext>
-            </a:extLst>
-          </p:cNvPr>
-          <p:cNvSpPr>
-            <a:spLocks noGrp="1"/>
-          </p:cNvSpPr>
-          <p:nvPr>
-            <p:ph type="ctrTitle"/>
-          </p:nvPr>
-        </p:nvSpPr>
-        <p:spPr>
-          <a:xfrm>
-            <a:off x="1524000" y="1373375"/>
-            <a:ext cx="9144000" cy="2387600"/>
-          </a:xfrm>
-        </p:spPr>
-        <p:txBody>
-          <a:bodyPr/>
-          <a:lstStyle/>
-          <a:p>
-            <a:r>
-              <a:rPr lang="zh-CN" altLang="en-US" dirty="0">
-                <a:hlinkClick r:id="rId3" action="ppaction://hlinkpres?slideindex=1&amp;slidetitle="/>
-              </a:rPr>
-              <a:t>常见登录次数限制机制及绕过方法</a:t>
-            </a:r>
-            <a:endParaRPr lang="en-US" altLang="zh-CN" dirty="0"/>
-          </a:p>
-        </p:txBody>
-      </p:sp>
-      <p:sp>
-        <p:nvSpPr>
-          <p:cNvPr id="3" name="副标题 2">
-            <a:extLst>
-              <a:ext uri="{FF2B5EF4-FFF2-40B4-BE49-F238E27FC236}">
-                <a16:creationId xmlns="" xmlns:a16="http://schemas.microsoft.com/office/drawing/2014/main" id="{918EFB2C-CCE9-4D21-A6AE-5936BD7BEED1}"/>
-              </a:ext>
-            </a:extLst>
-          </p:cNvPr>
-          <p:cNvSpPr>
-            <a:spLocks noGrp="1"/>
-          </p:cNvSpPr>
-          <p:nvPr>
-            <p:ph type="subTitle" idx="1"/>
-          </p:nvPr>
-        </p:nvSpPr>
-        <p:spPr>
-          <a:xfrm>
-            <a:off x="1524000" y="3853050"/>
-            <a:ext cx="9144000" cy="1655762"/>
-          </a:xfrm>
-        </p:spPr>
-        <p:txBody>
-          <a:bodyPr/>
-          <a:lstStyle/>
-          <a:p>
-            <a:r>
-              <a:rPr lang="zh-CN" altLang="en-US" dirty="0" smtClean="0"/>
-              <a:t>朕为你打下江山 组</a:t>
-            </a:r>
-            <a:endParaRPr lang="zh-CN" altLang="en-US" dirty="0"/>
-          </a:p>
-        </p:txBody>
-      </p:sp>
-    </p:spTree>
-    <p:extLst>
-      <p:ext uri="{BB962C8B-B14F-4D97-AF65-F5344CB8AC3E}">
-        <p14:creationId xmlns:p14="http://schemas.microsoft.com/office/powerpoint/2010/main" val="2646136576"/>
       </p:ext>
     </p:extLst>
   </p:cSld>
@@ -6264,7 +6073,7 @@
           <p:cNvPr id="2" name="标题 1">
             <a:extLst>
               <a:ext uri="{FF2B5EF4-FFF2-40B4-BE49-F238E27FC236}">
-                <a16:creationId xmlns="" xmlns:a16="http://schemas.microsoft.com/office/drawing/2014/main" id="{19C67D63-5CD8-483F-8FFA-F3D36AC01214}"/>
+                <a16:creationId xmlns:a16="http://schemas.microsoft.com/office/drawing/2014/main" xmlns="" id="{19C67D63-5CD8-483F-8FFA-F3D36AC01214}"/>
               </a:ext>
             </a:extLst>
           </p:cNvPr>
@@ -6292,7 +6101,7 @@
           <p:cNvPr id="3" name="内容占位符 2">
             <a:extLst>
               <a:ext uri="{FF2B5EF4-FFF2-40B4-BE49-F238E27FC236}">
-                <a16:creationId xmlns="" xmlns:a16="http://schemas.microsoft.com/office/drawing/2014/main" id="{FD70730F-314A-462B-80CF-1A51B3A12DB8}"/>
+                <a16:creationId xmlns:a16="http://schemas.microsoft.com/office/drawing/2014/main" xmlns="" id="{FD70730F-314A-462B-80CF-1A51B3A12DB8}"/>
               </a:ext>
             </a:extLst>
           </p:cNvPr>
@@ -6427,7 +6236,7 @@
           <p:cNvPr id="5" name="图片 4">
             <a:extLst>
               <a:ext uri="{FF2B5EF4-FFF2-40B4-BE49-F238E27FC236}">
-                <a16:creationId xmlns="" xmlns:a16="http://schemas.microsoft.com/office/drawing/2014/main" id="{F35264CE-2067-4081-A2B8-33C5118F5D1E}"/>
+                <a16:creationId xmlns:a16="http://schemas.microsoft.com/office/drawing/2014/main" xmlns="" id="{F35264CE-2067-4081-A2B8-33C5118F5D1E}"/>
               </a:ext>
             </a:extLst>
           </p:cNvPr>
@@ -6457,7 +6266,7 @@
           <p:cNvPr id="6" name="文本框 5">
             <a:extLst>
               <a:ext uri="{FF2B5EF4-FFF2-40B4-BE49-F238E27FC236}">
-                <a16:creationId xmlns="" xmlns:a16="http://schemas.microsoft.com/office/drawing/2014/main" id="{6C464AA5-4A88-4F84-BD48-17E5A59EDB86}"/>
+                <a16:creationId xmlns:a16="http://schemas.microsoft.com/office/drawing/2014/main" xmlns="" id="{6C464AA5-4A88-4F84-BD48-17E5A59EDB86}"/>
               </a:ext>
             </a:extLst>
           </p:cNvPr>
@@ -6495,7 +6304,7 @@
           <p:cNvPr id="7" name="图片 6">
             <a:extLst>
               <a:ext uri="{FF2B5EF4-FFF2-40B4-BE49-F238E27FC236}">
-                <a16:creationId xmlns="" xmlns:a16="http://schemas.microsoft.com/office/drawing/2014/main" id="{2878F6F0-9E82-42AA-A886-160478CE9B3D}"/>
+                <a16:creationId xmlns:a16="http://schemas.microsoft.com/office/drawing/2014/main" xmlns="" id="{2878F6F0-9E82-42AA-A886-160478CE9B3D}"/>
               </a:ext>
             </a:extLst>
           </p:cNvPr>
@@ -6525,7 +6334,7 @@
           <p:cNvPr id="9" name="文本框 8">
             <a:extLst>
               <a:ext uri="{FF2B5EF4-FFF2-40B4-BE49-F238E27FC236}">
-                <a16:creationId xmlns="" xmlns:a16="http://schemas.microsoft.com/office/drawing/2014/main" id="{AB252312-B57C-406A-A789-B6BB078E1182}"/>
+                <a16:creationId xmlns:a16="http://schemas.microsoft.com/office/drawing/2014/main" xmlns="" id="{AB252312-B57C-406A-A789-B6BB078E1182}"/>
               </a:ext>
             </a:extLst>
           </p:cNvPr>
@@ -6563,7 +6372,7 @@
           <p:cNvPr id="4098" name="Picture 2">
             <a:extLst>
               <a:ext uri="{FF2B5EF4-FFF2-40B4-BE49-F238E27FC236}">
-                <a16:creationId xmlns="" xmlns:a16="http://schemas.microsoft.com/office/drawing/2014/main" id="{3C2C67ED-039D-4293-A718-CC3050D24C19}"/>
+                <a16:creationId xmlns:a16="http://schemas.microsoft.com/office/drawing/2014/main" xmlns="" id="{3C2C67ED-039D-4293-A718-CC3050D24C19}"/>
               </a:ext>
             </a:extLst>
           </p:cNvPr>
@@ -6608,7 +6417,7 @@
           <p:cNvPr id="11" name="文本框 10">
             <a:extLst>
               <a:ext uri="{FF2B5EF4-FFF2-40B4-BE49-F238E27FC236}">
-                <a16:creationId xmlns="" xmlns:a16="http://schemas.microsoft.com/office/drawing/2014/main" id="{AE5E81B9-5140-4CA8-93B0-DC9C6F675713}"/>
+                <a16:creationId xmlns:a16="http://schemas.microsoft.com/office/drawing/2014/main" xmlns="" id="{AE5E81B9-5140-4CA8-93B0-DC9C6F675713}"/>
               </a:ext>
             </a:extLst>
           </p:cNvPr>
@@ -6646,7 +6455,7 @@
           <p:cNvPr id="4102" name="Picture 6">
             <a:extLst>
               <a:ext uri="{FF2B5EF4-FFF2-40B4-BE49-F238E27FC236}">
-                <a16:creationId xmlns="" xmlns:a16="http://schemas.microsoft.com/office/drawing/2014/main" id="{3E5C4409-11F1-4A42-868A-DFB2315B6F31}"/>
+                <a16:creationId xmlns:a16="http://schemas.microsoft.com/office/drawing/2014/main" xmlns="" id="{3E5C4409-11F1-4A42-868A-DFB2315B6F31}"/>
               </a:ext>
             </a:extLst>
           </p:cNvPr>
@@ -6693,7 +6502,7 @@
           <p:cNvPr id="14" name="文本框 13">
             <a:extLst>
               <a:ext uri="{FF2B5EF4-FFF2-40B4-BE49-F238E27FC236}">
-                <a16:creationId xmlns="" xmlns:a16="http://schemas.microsoft.com/office/drawing/2014/main" id="{9C4E49EB-D48B-4BFC-9DAB-D8BBC07B85F1}"/>
+                <a16:creationId xmlns:a16="http://schemas.microsoft.com/office/drawing/2014/main" xmlns="" id="{9C4E49EB-D48B-4BFC-9DAB-D8BBC07B85F1}"/>
               </a:ext>
             </a:extLst>
           </p:cNvPr>
@@ -6736,6 +6545,13 @@
   <p:clrMapOvr>
     <a:masterClrMapping/>
   </p:clrMapOvr>
+  <p:timing>
+    <p:tnLst>
+      <p:par>
+        <p:cTn id="1" dur="indefinite" restart="never" nodeType="tmRoot"/>
+      </p:par>
+    </p:tnLst>
+  </p:timing>
 </p:sld>
 </file>
 
@@ -6761,7 +6577,7 @@
           <p:cNvPr id="2" name="标题 1">
             <a:extLst>
               <a:ext uri="{FF2B5EF4-FFF2-40B4-BE49-F238E27FC236}">
-                <a16:creationId xmlns="" xmlns:a16="http://schemas.microsoft.com/office/drawing/2014/main" id="{19C67D63-5CD8-483F-8FFA-F3D36AC01214}"/>
+                <a16:creationId xmlns:a16="http://schemas.microsoft.com/office/drawing/2014/main" xmlns="" id="{19C67D63-5CD8-483F-8FFA-F3D36AC01214}"/>
               </a:ext>
             </a:extLst>
           </p:cNvPr>
@@ -6789,7 +6605,7 @@
           <p:cNvPr id="3" name="内容占位符 2">
             <a:extLst>
               <a:ext uri="{FF2B5EF4-FFF2-40B4-BE49-F238E27FC236}">
-                <a16:creationId xmlns="" xmlns:a16="http://schemas.microsoft.com/office/drawing/2014/main" id="{FD70730F-314A-462B-80CF-1A51B3A12DB8}"/>
+                <a16:creationId xmlns:a16="http://schemas.microsoft.com/office/drawing/2014/main" xmlns="" id="{FD70730F-314A-462B-80CF-1A51B3A12DB8}"/>
               </a:ext>
             </a:extLst>
           </p:cNvPr>
@@ -6892,7 +6708,7 @@
           <p:cNvPr id="1026" name="Picture 2">
             <a:extLst>
               <a:ext uri="{FF2B5EF4-FFF2-40B4-BE49-F238E27FC236}">
-                <a16:creationId xmlns="" xmlns:a16="http://schemas.microsoft.com/office/drawing/2014/main" id="{37C57063-A680-47AB-A78B-A31A8DC35ACA}"/>
+                <a16:creationId xmlns:a16="http://schemas.microsoft.com/office/drawing/2014/main" xmlns="" id="{37C57063-A680-47AB-A78B-A31A8DC35ACA}"/>
               </a:ext>
             </a:extLst>
           </p:cNvPr>
@@ -6939,7 +6755,7 @@
           <p:cNvPr id="4" name="文本框 3">
             <a:extLst>
               <a:ext uri="{FF2B5EF4-FFF2-40B4-BE49-F238E27FC236}">
-                <a16:creationId xmlns="" xmlns:a16="http://schemas.microsoft.com/office/drawing/2014/main" id="{E0EAB947-6893-4AF7-80DD-63BF1FB694B0}"/>
+                <a16:creationId xmlns:a16="http://schemas.microsoft.com/office/drawing/2014/main" xmlns="" id="{E0EAB947-6893-4AF7-80DD-63BF1FB694B0}"/>
               </a:ext>
             </a:extLst>
           </p:cNvPr>
@@ -6977,7 +6793,7 @@
           <p:cNvPr id="6" name="图片 5">
             <a:extLst>
               <a:ext uri="{FF2B5EF4-FFF2-40B4-BE49-F238E27FC236}">
-                <a16:creationId xmlns="" xmlns:a16="http://schemas.microsoft.com/office/drawing/2014/main" id="{59292B2B-CA35-40C5-B331-5FF0F2A53EAC}"/>
+                <a16:creationId xmlns:a16="http://schemas.microsoft.com/office/drawing/2014/main" xmlns="" id="{59292B2B-CA35-40C5-B331-5FF0F2A53EAC}"/>
               </a:ext>
             </a:extLst>
           </p:cNvPr>
@@ -7007,7 +6823,7 @@
           <p:cNvPr id="9" name="文本框 8">
             <a:extLst>
               <a:ext uri="{FF2B5EF4-FFF2-40B4-BE49-F238E27FC236}">
-                <a16:creationId xmlns="" xmlns:a16="http://schemas.microsoft.com/office/drawing/2014/main" id="{BDB5E4A9-AC96-4450-8C8A-06FB6873C913}"/>
+                <a16:creationId xmlns:a16="http://schemas.microsoft.com/office/drawing/2014/main" xmlns="" id="{BDB5E4A9-AC96-4450-8C8A-06FB6873C913}"/>
               </a:ext>
             </a:extLst>
           </p:cNvPr>
@@ -7046,7 +6862,7 @@
           <p:cNvPr id="7" name="箭头: 左 6">
             <a:extLst>
               <a:ext uri="{FF2B5EF4-FFF2-40B4-BE49-F238E27FC236}">
-                <a16:creationId xmlns="" xmlns:a16="http://schemas.microsoft.com/office/drawing/2014/main" id="{43732E33-C8A2-48CE-A375-CE2874FF3D81}"/>
+                <a16:creationId xmlns:a16="http://schemas.microsoft.com/office/drawing/2014/main" xmlns="" id="{43732E33-C8A2-48CE-A375-CE2874FF3D81}"/>
               </a:ext>
             </a:extLst>
           </p:cNvPr>
@@ -7103,7 +6919,7 @@
           <p:cNvPr id="11" name="文本框 10">
             <a:extLst>
               <a:ext uri="{FF2B5EF4-FFF2-40B4-BE49-F238E27FC236}">
-                <a16:creationId xmlns="" xmlns:a16="http://schemas.microsoft.com/office/drawing/2014/main" id="{9FA9B1F5-29E4-4922-BAB0-E42FA4FF0E0C}"/>
+                <a16:creationId xmlns:a16="http://schemas.microsoft.com/office/drawing/2014/main" xmlns="" id="{9FA9B1F5-29E4-4922-BAB0-E42FA4FF0E0C}"/>
               </a:ext>
             </a:extLst>
           </p:cNvPr>
@@ -7145,7 +6961,7 @@
           <p:cNvPr id="8" name="乘号 7">
             <a:extLst>
               <a:ext uri="{FF2B5EF4-FFF2-40B4-BE49-F238E27FC236}">
-                <a16:creationId xmlns="" xmlns:a16="http://schemas.microsoft.com/office/drawing/2014/main" id="{990A8CEE-9D5B-4AB8-9E5A-10C5E2F23E7F}"/>
+                <a16:creationId xmlns:a16="http://schemas.microsoft.com/office/drawing/2014/main" xmlns="" id="{990A8CEE-9D5B-4AB8-9E5A-10C5E2F23E7F}"/>
               </a:ext>
             </a:extLst>
           </p:cNvPr>
@@ -7199,7 +7015,7 @@
           <p:cNvPr id="13" name="文本框 12">
             <a:extLst>
               <a:ext uri="{FF2B5EF4-FFF2-40B4-BE49-F238E27FC236}">
-                <a16:creationId xmlns="" xmlns:a16="http://schemas.microsoft.com/office/drawing/2014/main" id="{78B30DB5-1923-4620-A06F-61D93DBB394F}"/>
+                <a16:creationId xmlns:a16="http://schemas.microsoft.com/office/drawing/2014/main" xmlns="" id="{78B30DB5-1923-4620-A06F-61D93DBB394F}"/>
               </a:ext>
             </a:extLst>
           </p:cNvPr>
@@ -7241,7 +7057,7 @@
           <p:cNvPr id="14" name="矩形 13">
             <a:extLst>
               <a:ext uri="{FF2B5EF4-FFF2-40B4-BE49-F238E27FC236}">
-                <a16:creationId xmlns="" xmlns:a16="http://schemas.microsoft.com/office/drawing/2014/main" id="{E441DE42-C5AE-4FA1-BFDC-4F93B3077AE7}"/>
+                <a16:creationId xmlns:a16="http://schemas.microsoft.com/office/drawing/2014/main" xmlns="" id="{E441DE42-C5AE-4FA1-BFDC-4F93B3077AE7}"/>
               </a:ext>
             </a:extLst>
           </p:cNvPr>
@@ -7376,7 +7192,7 @@
           <p:cNvPr id="17" name="文本框 16">
             <a:extLst>
               <a:ext uri="{FF2B5EF4-FFF2-40B4-BE49-F238E27FC236}">
-                <a16:creationId xmlns="" xmlns:a16="http://schemas.microsoft.com/office/drawing/2014/main" id="{6493C4B2-18D5-4FC9-A501-1ADD07F9867E}"/>
+                <a16:creationId xmlns:a16="http://schemas.microsoft.com/office/drawing/2014/main" xmlns="" id="{6493C4B2-18D5-4FC9-A501-1ADD07F9867E}"/>
               </a:ext>
             </a:extLst>
           </p:cNvPr>
@@ -7423,6 +7239,13 @@
   <p:clrMapOvr>
     <a:masterClrMapping/>
   </p:clrMapOvr>
+  <p:timing>
+    <p:tnLst>
+      <p:par>
+        <p:cTn id="1" dur="indefinite" restart="never" nodeType="tmRoot"/>
+      </p:par>
+    </p:tnLst>
+  </p:timing>
 </p:sld>
 </file>
 
@@ -7448,7 +7271,7 @@
           <p:cNvPr id="2" name="标题 1">
             <a:extLst>
               <a:ext uri="{FF2B5EF4-FFF2-40B4-BE49-F238E27FC236}">
-                <a16:creationId xmlns="" xmlns:a16="http://schemas.microsoft.com/office/drawing/2014/main" id="{19C67D63-5CD8-483F-8FFA-F3D36AC01214}"/>
+                <a16:creationId xmlns:a16="http://schemas.microsoft.com/office/drawing/2014/main" xmlns="" id="{19C67D63-5CD8-483F-8FFA-F3D36AC01214}"/>
               </a:ext>
             </a:extLst>
           </p:cNvPr>
@@ -7476,7 +7299,7 @@
           <p:cNvPr id="3" name="内容占位符 2">
             <a:extLst>
               <a:ext uri="{FF2B5EF4-FFF2-40B4-BE49-F238E27FC236}">
-                <a16:creationId xmlns="" xmlns:a16="http://schemas.microsoft.com/office/drawing/2014/main" id="{FD70730F-314A-462B-80CF-1A51B3A12DB8}"/>
+                <a16:creationId xmlns:a16="http://schemas.microsoft.com/office/drawing/2014/main" xmlns="" id="{FD70730F-314A-462B-80CF-1A51B3A12DB8}"/>
               </a:ext>
             </a:extLst>
           </p:cNvPr>
@@ -7507,7 +7330,7 @@
           <p:cNvPr id="2050" name="Picture 2">
             <a:extLst>
               <a:ext uri="{FF2B5EF4-FFF2-40B4-BE49-F238E27FC236}">
-                <a16:creationId xmlns="" xmlns:a16="http://schemas.microsoft.com/office/drawing/2014/main" id="{0C1CDF0E-5157-46A9-95CC-35F78C72EF4A}"/>
+                <a16:creationId xmlns:a16="http://schemas.microsoft.com/office/drawing/2014/main" xmlns="" id="{0C1CDF0E-5157-46A9-95CC-35F78C72EF4A}"/>
               </a:ext>
             </a:extLst>
           </p:cNvPr>
@@ -7554,7 +7377,7 @@
           <p:cNvPr id="4" name="图片 3">
             <a:extLst>
               <a:ext uri="{FF2B5EF4-FFF2-40B4-BE49-F238E27FC236}">
-                <a16:creationId xmlns="" xmlns:a16="http://schemas.microsoft.com/office/drawing/2014/main" id="{E5114EA4-9AF3-4D5E-A4F2-E080AEC26F68}"/>
+                <a16:creationId xmlns:a16="http://schemas.microsoft.com/office/drawing/2014/main" xmlns="" id="{E5114EA4-9AF3-4D5E-A4F2-E080AEC26F68}"/>
               </a:ext>
             </a:extLst>
           </p:cNvPr>
@@ -7583,7 +7406,7 @@
           <p:cNvPr id="6" name="图片 5">
             <a:extLst>
               <a:ext uri="{FF2B5EF4-FFF2-40B4-BE49-F238E27FC236}">
-                <a16:creationId xmlns="" xmlns:a16="http://schemas.microsoft.com/office/drawing/2014/main" id="{F33F0335-6D17-45B7-9DCF-5A61B7D4862D}"/>
+                <a16:creationId xmlns:a16="http://schemas.microsoft.com/office/drawing/2014/main" xmlns="" id="{F33F0335-6D17-45B7-9DCF-5A61B7D4862D}"/>
               </a:ext>
             </a:extLst>
           </p:cNvPr>
@@ -7613,7 +7436,7 @@
           <p:cNvPr id="8" name="文本框 7">
             <a:extLst>
               <a:ext uri="{FF2B5EF4-FFF2-40B4-BE49-F238E27FC236}">
-                <a16:creationId xmlns="" xmlns:a16="http://schemas.microsoft.com/office/drawing/2014/main" id="{8F4A55C8-1625-480E-8DDD-DF825FBD6237}"/>
+                <a16:creationId xmlns:a16="http://schemas.microsoft.com/office/drawing/2014/main" xmlns="" id="{8F4A55C8-1625-480E-8DDD-DF825FBD6237}"/>
               </a:ext>
             </a:extLst>
           </p:cNvPr>
@@ -7655,7 +7478,7 @@
           <p:cNvPr id="9" name="矩形 8">
             <a:extLst>
               <a:ext uri="{FF2B5EF4-FFF2-40B4-BE49-F238E27FC236}">
-                <a16:creationId xmlns="" xmlns:a16="http://schemas.microsoft.com/office/drawing/2014/main" id="{D6AE9CB4-75FF-4671-BBF6-B2D0E31FF1F4}"/>
+                <a16:creationId xmlns:a16="http://schemas.microsoft.com/office/drawing/2014/main" xmlns="" id="{D6AE9CB4-75FF-4671-BBF6-B2D0E31FF1F4}"/>
               </a:ext>
             </a:extLst>
           </p:cNvPr>
@@ -7692,7 +7515,7 @@
           <p:cNvPr id="10" name="矩形 9">
             <a:extLst>
               <a:ext uri="{FF2B5EF4-FFF2-40B4-BE49-F238E27FC236}">
-                <a16:creationId xmlns="" xmlns:a16="http://schemas.microsoft.com/office/drawing/2014/main" id="{A31DE060-F70C-4DF8-9273-6438A2BD97EF}"/>
+                <a16:creationId xmlns:a16="http://schemas.microsoft.com/office/drawing/2014/main" xmlns="" id="{A31DE060-F70C-4DF8-9273-6438A2BD97EF}"/>
               </a:ext>
             </a:extLst>
           </p:cNvPr>
@@ -7760,7 +7583,7 @@
           <p:cNvPr id="2" name="标题 1">
             <a:extLst>
               <a:ext uri="{FF2B5EF4-FFF2-40B4-BE49-F238E27FC236}">
-                <a16:creationId xmlns="" xmlns:a16="http://schemas.microsoft.com/office/drawing/2014/main" id="{EA0D9905-7E38-4901-B465-33488FBBB033}"/>
+                <a16:creationId xmlns:a16="http://schemas.microsoft.com/office/drawing/2014/main" xmlns="" id="{EA0D9905-7E38-4901-B465-33488FBBB033}"/>
               </a:ext>
             </a:extLst>
           </p:cNvPr>
@@ -7788,7 +7611,7 @@
           <p:cNvPr id="3" name="内容占位符 2">
             <a:extLst>
               <a:ext uri="{FF2B5EF4-FFF2-40B4-BE49-F238E27FC236}">
-                <a16:creationId xmlns="" xmlns:a16="http://schemas.microsoft.com/office/drawing/2014/main" id="{5CE739AE-2F8D-49B0-B60B-DC2FA9208035}"/>
+                <a16:creationId xmlns:a16="http://schemas.microsoft.com/office/drawing/2014/main" xmlns="" id="{5CE739AE-2F8D-49B0-B60B-DC2FA9208035}"/>
               </a:ext>
             </a:extLst>
           </p:cNvPr>
@@ -7893,7 +7716,7 @@
           <p:cNvPr id="2050" name="Picture 2">
             <a:extLst>
               <a:ext uri="{FF2B5EF4-FFF2-40B4-BE49-F238E27FC236}">
-                <a16:creationId xmlns="" xmlns:a16="http://schemas.microsoft.com/office/drawing/2014/main" id="{84A5AAF4-A749-4BAA-81DE-2FDA628E94D6}"/>
+                <a16:creationId xmlns:a16="http://schemas.microsoft.com/office/drawing/2014/main" xmlns="" id="{84A5AAF4-A749-4BAA-81DE-2FDA628E94D6}"/>
               </a:ext>
             </a:extLst>
           </p:cNvPr>
@@ -7940,7 +7763,7 @@
           <p:cNvPr id="4" name="文本框 3">
             <a:extLst>
               <a:ext uri="{FF2B5EF4-FFF2-40B4-BE49-F238E27FC236}">
-                <a16:creationId xmlns="" xmlns:a16="http://schemas.microsoft.com/office/drawing/2014/main" id="{9B484139-B38D-4C11-A6D6-0A8883F7D3D6}"/>
+                <a16:creationId xmlns:a16="http://schemas.microsoft.com/office/drawing/2014/main" xmlns="" id="{9B484139-B38D-4C11-A6D6-0A8883F7D3D6}"/>
               </a:ext>
             </a:extLst>
           </p:cNvPr>
@@ -8009,7 +7832,7 @@
           <p:cNvPr id="2" name="标题 1">
             <a:extLst>
               <a:ext uri="{FF2B5EF4-FFF2-40B4-BE49-F238E27FC236}">
-                <a16:creationId xmlns="" xmlns:a16="http://schemas.microsoft.com/office/drawing/2014/main" id="{EA0D9905-7E38-4901-B465-33488FBBB033}"/>
+                <a16:creationId xmlns:a16="http://schemas.microsoft.com/office/drawing/2014/main" xmlns="" id="{EA0D9905-7E38-4901-B465-33488FBBB033}"/>
               </a:ext>
             </a:extLst>
           </p:cNvPr>
@@ -8037,7 +7860,7 @@
           <p:cNvPr id="3" name="内容占位符 2">
             <a:extLst>
               <a:ext uri="{FF2B5EF4-FFF2-40B4-BE49-F238E27FC236}">
-                <a16:creationId xmlns="" xmlns:a16="http://schemas.microsoft.com/office/drawing/2014/main" id="{5CE739AE-2F8D-49B0-B60B-DC2FA9208035}"/>
+                <a16:creationId xmlns:a16="http://schemas.microsoft.com/office/drawing/2014/main" xmlns="" id="{5CE739AE-2F8D-49B0-B60B-DC2FA9208035}"/>
               </a:ext>
             </a:extLst>
           </p:cNvPr>
@@ -8190,7 +8013,7 @@
           <p:cNvPr id="2050" name="Picture 2">
             <a:extLst>
               <a:ext uri="{FF2B5EF4-FFF2-40B4-BE49-F238E27FC236}">
-                <a16:creationId xmlns="" xmlns:a16="http://schemas.microsoft.com/office/drawing/2014/main" id="{84A5AAF4-A749-4BAA-81DE-2FDA628E94D6}"/>
+                <a16:creationId xmlns:a16="http://schemas.microsoft.com/office/drawing/2014/main" xmlns="" id="{84A5AAF4-A749-4BAA-81DE-2FDA628E94D6}"/>
               </a:ext>
             </a:extLst>
           </p:cNvPr>
@@ -8237,7 +8060,7 @@
           <p:cNvPr id="4" name="文本框 3">
             <a:extLst>
               <a:ext uri="{FF2B5EF4-FFF2-40B4-BE49-F238E27FC236}">
-                <a16:creationId xmlns="" xmlns:a16="http://schemas.microsoft.com/office/drawing/2014/main" id="{9B484139-B38D-4C11-A6D6-0A8883F7D3D6}"/>
+                <a16:creationId xmlns:a16="http://schemas.microsoft.com/office/drawing/2014/main" xmlns="" id="{9B484139-B38D-4C11-A6D6-0A8883F7D3D6}"/>
               </a:ext>
             </a:extLst>
           </p:cNvPr>
@@ -8306,7 +8129,7 @@
           <p:cNvPr id="2" name="标题 1">
             <a:extLst>
               <a:ext uri="{FF2B5EF4-FFF2-40B4-BE49-F238E27FC236}">
-                <a16:creationId xmlns="" xmlns:a16="http://schemas.microsoft.com/office/drawing/2014/main" id="{EA0D9905-7E38-4901-B465-33488FBBB033}"/>
+                <a16:creationId xmlns:a16="http://schemas.microsoft.com/office/drawing/2014/main" xmlns="" id="{EA0D9905-7E38-4901-B465-33488FBBB033}"/>
               </a:ext>
             </a:extLst>
           </p:cNvPr>
@@ -8334,7 +8157,7 @@
           <p:cNvPr id="3" name="内容占位符 2">
             <a:extLst>
               <a:ext uri="{FF2B5EF4-FFF2-40B4-BE49-F238E27FC236}">
-                <a16:creationId xmlns="" xmlns:a16="http://schemas.microsoft.com/office/drawing/2014/main" id="{5CE739AE-2F8D-49B0-B60B-DC2FA9208035}"/>
+                <a16:creationId xmlns:a16="http://schemas.microsoft.com/office/drawing/2014/main" xmlns="" id="{5CE739AE-2F8D-49B0-B60B-DC2FA9208035}"/>
               </a:ext>
             </a:extLst>
           </p:cNvPr>
@@ -8611,7 +8434,7 @@
           <p:cNvPr id="2" name="标题 1">
             <a:extLst>
               <a:ext uri="{FF2B5EF4-FFF2-40B4-BE49-F238E27FC236}">
-                <a16:creationId xmlns="" xmlns:a16="http://schemas.microsoft.com/office/drawing/2014/main" id="{553E198E-DBC0-435A-9156-FA2EFFA6583F}"/>
+                <a16:creationId xmlns:a16="http://schemas.microsoft.com/office/drawing/2014/main" xmlns="" id="{553E198E-DBC0-435A-9156-FA2EFFA6583F}"/>
               </a:ext>
             </a:extLst>
           </p:cNvPr>
@@ -8639,7 +8462,7 @@
           <p:cNvPr id="3" name="内容占位符 2">
             <a:extLst>
               <a:ext uri="{FF2B5EF4-FFF2-40B4-BE49-F238E27FC236}">
-                <a16:creationId xmlns="" xmlns:a16="http://schemas.microsoft.com/office/drawing/2014/main" id="{A35EE033-A565-4EAD-8FB2-AB0693611C90}"/>
+                <a16:creationId xmlns:a16="http://schemas.microsoft.com/office/drawing/2014/main" xmlns="" id="{A35EE033-A565-4EAD-8FB2-AB0693611C90}"/>
               </a:ext>
             </a:extLst>
           </p:cNvPr>
@@ -8829,7 +8652,7 @@
           <p:cNvPr id="2" name="标题 1">
             <a:extLst>
               <a:ext uri="{FF2B5EF4-FFF2-40B4-BE49-F238E27FC236}">
-                <a16:creationId xmlns="" xmlns:a16="http://schemas.microsoft.com/office/drawing/2014/main" id="{553E198E-DBC0-435A-9156-FA2EFFA6583F}"/>
+                <a16:creationId xmlns:a16="http://schemas.microsoft.com/office/drawing/2014/main" xmlns="" id="{553E198E-DBC0-435A-9156-FA2EFFA6583F}"/>
               </a:ext>
             </a:extLst>
           </p:cNvPr>
@@ -8857,7 +8680,7 @@
           <p:cNvPr id="3" name="内容占位符 2">
             <a:extLst>
               <a:ext uri="{FF2B5EF4-FFF2-40B4-BE49-F238E27FC236}">
-                <a16:creationId xmlns="" xmlns:a16="http://schemas.microsoft.com/office/drawing/2014/main" id="{A35EE033-A565-4EAD-8FB2-AB0693611C90}"/>
+                <a16:creationId xmlns:a16="http://schemas.microsoft.com/office/drawing/2014/main" xmlns="" id="{A35EE033-A565-4EAD-8FB2-AB0693611C90}"/>
               </a:ext>
             </a:extLst>
           </p:cNvPr>
@@ -8957,7 +8780,7 @@
           <p:cNvPr id="4" name="文本框 3">
             <a:extLst>
               <a:ext uri="{FF2B5EF4-FFF2-40B4-BE49-F238E27FC236}">
-                <a16:creationId xmlns="" xmlns:a16="http://schemas.microsoft.com/office/drawing/2014/main" id="{80C962F1-216A-487F-B9F7-4E4B5423F017}"/>
+                <a16:creationId xmlns:a16="http://schemas.microsoft.com/office/drawing/2014/main" xmlns="" id="{80C962F1-216A-487F-B9F7-4E4B5423F017}"/>
               </a:ext>
             </a:extLst>
           </p:cNvPr>
@@ -8998,7 +8821,7 @@
           <p:cNvPr id="3074" name="Picture 2">
             <a:extLst>
               <a:ext uri="{FF2B5EF4-FFF2-40B4-BE49-F238E27FC236}">
-                <a16:creationId xmlns="" xmlns:a16="http://schemas.microsoft.com/office/drawing/2014/main" id="{AAA4ACC3-0D3E-457D-8A64-DBBE070BC8C8}"/>
+                <a16:creationId xmlns:a16="http://schemas.microsoft.com/office/drawing/2014/main" xmlns="" id="{AAA4ACC3-0D3E-457D-8A64-DBBE070BC8C8}"/>
               </a:ext>
             </a:extLst>
           </p:cNvPr>
@@ -9045,7 +8868,7 @@
           <p:cNvPr id="5" name="矩形 4">
             <a:extLst>
               <a:ext uri="{FF2B5EF4-FFF2-40B4-BE49-F238E27FC236}">
-                <a16:creationId xmlns="" xmlns:a16="http://schemas.microsoft.com/office/drawing/2014/main" id="{F3881B3E-E7E3-463F-93FB-6BFE110B46B5}"/>
+                <a16:creationId xmlns:a16="http://schemas.microsoft.com/office/drawing/2014/main" xmlns="" id="{F3881B3E-E7E3-463F-93FB-6BFE110B46B5}"/>
               </a:ext>
             </a:extLst>
           </p:cNvPr>
@@ -9093,7 +8916,7 @@
           <p:cNvPr id="7" name="图片 6">
             <a:extLst>
               <a:ext uri="{FF2B5EF4-FFF2-40B4-BE49-F238E27FC236}">
-                <a16:creationId xmlns="" xmlns:a16="http://schemas.microsoft.com/office/drawing/2014/main" id="{E9EC042A-1656-4885-92A2-FC3F0C7C2611}"/>
+                <a16:creationId xmlns:a16="http://schemas.microsoft.com/office/drawing/2014/main" xmlns="" id="{E9EC042A-1656-4885-92A2-FC3F0C7C2611}"/>
               </a:ext>
             </a:extLst>
           </p:cNvPr>
